--- a/d_homework/n_01_UIUX요구분석_제출양식.pptx
+++ b/d_homework/n_01_UIUX요구분석_제출양식.pptx
@@ -1740,6 +1740,54 @@
             </a:rPr>
             <a:t>: </a:t>
           </a:r>
+          <a:r>
+            <a:rPr lang="ko-KR" altLang="en-US" sz="1100" b="0" dirty="0">
+              <a:solidFill>
+                <a:schemeClr val="tx1">
+                  <a:lumMod val="75000"/>
+                  <a:lumOff val="25000"/>
+                </a:schemeClr>
+              </a:solidFill>
+              <a:latin typeface="+mn-lt"/>
+            </a:rPr>
+            <a:t>메가</a:t>
+          </a:r>
+          <a:r>
+            <a:rPr lang="en-US" altLang="ko-KR" sz="1100" b="0" dirty="0">
+              <a:solidFill>
+                <a:schemeClr val="tx1">
+                  <a:lumMod val="75000"/>
+                  <a:lumOff val="25000"/>
+                </a:schemeClr>
+              </a:solidFill>
+              <a:latin typeface="+mn-lt"/>
+            </a:rPr>
+            <a:t>MGC</a:t>
+          </a:r>
+          <a:r>
+            <a:rPr lang="ko-KR" altLang="en-US" sz="1100" b="0" dirty="0">
+              <a:solidFill>
+                <a:schemeClr val="tx1">
+                  <a:lumMod val="75000"/>
+                  <a:lumOff val="25000"/>
+                </a:schemeClr>
+              </a:solidFill>
+              <a:latin typeface="+mn-lt"/>
+            </a:rPr>
+            <a:t>커피</a:t>
+          </a:r>
+          <a:r>
+            <a:rPr lang="en-US" altLang="ko-KR" sz="1100" b="0" dirty="0">
+              <a:solidFill>
+                <a:schemeClr val="tx1">
+                  <a:lumMod val="75000"/>
+                  <a:lumOff val="25000"/>
+                </a:schemeClr>
+              </a:solidFill>
+              <a:latin typeface="+mn-lt"/>
+            </a:rPr>
+            <a:t> </a:t>
+          </a:r>
           <a:endParaRPr lang="ko-KR" altLang="en-US" sz="1100" b="0" dirty="0">
             <a:solidFill>
               <a:schemeClr val="tx1">
@@ -1815,7 +1863,7 @@
               </a:solidFill>
               <a:latin typeface="+mn-lt"/>
             </a:rPr>
-            <a:t>: </a:t>
+            <a:t>: http://www.megacoffee.me/</a:t>
           </a:r>
           <a:endParaRPr lang="ko-KR" altLang="en-US" sz="1100" b="0" dirty="0">
             <a:solidFill>
@@ -1900,6 +1948,42 @@
             </a:rPr>
             <a:t>: </a:t>
           </a:r>
+          <a:r>
+            <a:rPr lang="ko-KR" altLang="en-US" sz="1100" b="0" dirty="0" err="1">
+              <a:solidFill>
+                <a:schemeClr val="tx1">
+                  <a:lumMod val="75000"/>
+                  <a:lumOff val="25000"/>
+                </a:schemeClr>
+              </a:solidFill>
+              <a:latin typeface="+mn-lt"/>
+            </a:rPr>
+            <a:t>프렌차이즈</a:t>
+          </a:r>
+          <a:r>
+            <a:rPr lang="ko-KR" altLang="en-US" sz="1100" b="0" dirty="0">
+              <a:solidFill>
+                <a:schemeClr val="tx1">
+                  <a:lumMod val="75000"/>
+                  <a:lumOff val="25000"/>
+                </a:schemeClr>
+              </a:solidFill>
+              <a:latin typeface="+mn-lt"/>
+            </a:rPr>
+            <a:t> 커피 브랜드 메가커피에 대한 커피 메뉴 및 창업설명 </a:t>
+          </a:r>
+          <a:r>
+            <a:rPr lang="en-US" altLang="ko-KR" sz="1100" b="0" dirty="0">
+              <a:solidFill>
+                <a:schemeClr val="tx1">
+                  <a:lumMod val="75000"/>
+                  <a:lumOff val="25000"/>
+                </a:schemeClr>
+              </a:solidFill>
+              <a:latin typeface="+mn-lt"/>
+            </a:rPr>
+            <a:t> </a:t>
+          </a:r>
           <a:endParaRPr lang="ko-KR" altLang="en-US" sz="1100" b="0" dirty="0">
             <a:solidFill>
               <a:schemeClr val="tx1">
@@ -1983,6 +2067,90 @@
             </a:rPr>
             <a:t>: </a:t>
           </a:r>
+          <a:r>
+            <a:rPr lang="ko-KR" altLang="en-US" sz="1100" b="0" dirty="0" err="1">
+              <a:solidFill>
+                <a:schemeClr val="tx1">
+                  <a:lumMod val="75000"/>
+                  <a:lumOff val="25000"/>
+                </a:schemeClr>
+              </a:solidFill>
+              <a:latin typeface="+mn-lt"/>
+            </a:rPr>
+            <a:t>프렌차이즈</a:t>
+          </a:r>
+          <a:r>
+            <a:rPr lang="ko-KR" altLang="en-US" sz="1100" b="0" dirty="0">
+              <a:solidFill>
+                <a:schemeClr val="tx1">
+                  <a:lumMod val="75000"/>
+                  <a:lumOff val="25000"/>
+                </a:schemeClr>
+              </a:solidFill>
+              <a:latin typeface="+mn-lt"/>
+            </a:rPr>
+            <a:t> 커피를 자주 즐기고 찾는 </a:t>
+          </a:r>
+          <a:r>
+            <a:rPr lang="en-US" altLang="ko-KR" sz="1100" b="0" dirty="0">
+              <a:solidFill>
+                <a:schemeClr val="tx1">
+                  <a:lumMod val="75000"/>
+                  <a:lumOff val="25000"/>
+                </a:schemeClr>
+              </a:solidFill>
+              <a:latin typeface="+mn-lt"/>
+            </a:rPr>
+            <a:t>10</a:t>
+          </a:r>
+          <a:r>
+            <a:rPr lang="ko-KR" altLang="en-US" sz="1100" b="0" dirty="0">
+              <a:solidFill>
+                <a:schemeClr val="tx1">
+                  <a:lumMod val="75000"/>
+                  <a:lumOff val="25000"/>
+                </a:schemeClr>
+              </a:solidFill>
+              <a:latin typeface="+mn-lt"/>
+            </a:rPr>
+            <a:t>대에서 </a:t>
+          </a:r>
+          <a:r>
+            <a:rPr lang="en-US" altLang="ko-KR" sz="1100" b="0" dirty="0">
+              <a:solidFill>
+                <a:schemeClr val="tx1">
+                  <a:lumMod val="75000"/>
+                  <a:lumOff val="25000"/>
+                </a:schemeClr>
+              </a:solidFill>
+              <a:latin typeface="+mn-lt"/>
+            </a:rPr>
+            <a:t>30</a:t>
+          </a:r>
+          <a:r>
+            <a:rPr lang="ko-KR" altLang="en-US" sz="1100" b="0" dirty="0">
+              <a:solidFill>
+                <a:schemeClr val="tx1">
+                  <a:lumMod val="75000"/>
+                  <a:lumOff val="25000"/>
+                </a:schemeClr>
+              </a:solidFill>
+              <a:latin typeface="+mn-lt"/>
+            </a:rPr>
+            <a:t>대까지</a:t>
+          </a:r>
+          <a:r>
+            <a:rPr lang="en-US" altLang="ko-KR" sz="1100" b="0" dirty="0">
+              <a:solidFill>
+                <a:schemeClr val="tx1">
+                  <a:lumMod val="75000"/>
+                  <a:lumOff val="25000"/>
+                </a:schemeClr>
+              </a:solidFill>
+              <a:latin typeface="+mn-lt"/>
+            </a:rPr>
+            <a:t> </a:t>
+          </a:r>
           <a:endParaRPr lang="ko-KR" altLang="en-US" sz="1100" b="0" dirty="0">
             <a:solidFill>
               <a:schemeClr val="tx1">
@@ -2064,7 +2232,145 @@
               </a:solidFill>
               <a:latin typeface="+mn-lt"/>
             </a:rPr>
-            <a:t>:</a:t>
+            <a:t>: </a:t>
+          </a:r>
+          <a:r>
+            <a:rPr lang="ko-KR" altLang="en-US" sz="1100" b="0" dirty="0">
+              <a:solidFill>
+                <a:schemeClr val="tx1">
+                  <a:lumMod val="75000"/>
+                  <a:lumOff val="25000"/>
+                </a:schemeClr>
+              </a:solidFill>
+              <a:latin typeface="+mn-lt"/>
+            </a:rPr>
+            <a:t>유 </a:t>
+          </a:r>
+          <a:r>
+            <a:rPr lang="en-US" altLang="ko-KR" sz="1100" b="0" dirty="0">
+              <a:solidFill>
+                <a:schemeClr val="tx1">
+                  <a:lumMod val="75000"/>
+                  <a:lumOff val="25000"/>
+                </a:schemeClr>
+              </a:solidFill>
+              <a:latin typeface="+mn-lt"/>
+            </a:rPr>
+            <a:t>( </a:t>
+          </a:r>
+          <a:r>
+            <a:rPr lang="ko-KR" altLang="en-US" sz="1100" b="0" dirty="0">
+              <a:solidFill>
+                <a:schemeClr val="tx1">
+                  <a:lumMod val="75000"/>
+                  <a:lumOff val="25000"/>
+                </a:schemeClr>
+              </a:solidFill>
+              <a:latin typeface="+mn-lt"/>
+            </a:rPr>
+            <a:t>내용이 다소 부족 </a:t>
+          </a:r>
+          <a:r>
+            <a:rPr lang="en-US" altLang="ko-KR" sz="1100" b="0" dirty="0">
+              <a:solidFill>
+                <a:schemeClr val="tx1">
+                  <a:lumMod val="75000"/>
+                  <a:lumOff val="25000"/>
+                </a:schemeClr>
+              </a:solidFill>
+              <a:latin typeface="+mn-lt"/>
+            </a:rPr>
+            <a:t>– </a:t>
+          </a:r>
+          <a:r>
+            <a:rPr lang="ko-KR" altLang="en-US" sz="1100" b="0" dirty="0">
+              <a:solidFill>
+                <a:schemeClr val="tx1">
+                  <a:lumMod val="75000"/>
+                  <a:lumOff val="25000"/>
+                </a:schemeClr>
+              </a:solidFill>
+              <a:latin typeface="+mn-lt"/>
+            </a:rPr>
+            <a:t>이에 메가커피</a:t>
+          </a:r>
+          <a:r>
+            <a:rPr lang="en-US" altLang="ko-KR" sz="1100" b="0" dirty="0">
+              <a:solidFill>
+                <a:schemeClr val="tx1">
+                  <a:lumMod val="75000"/>
+                  <a:lumOff val="25000"/>
+                </a:schemeClr>
+              </a:solidFill>
+              <a:latin typeface="+mn-lt"/>
+            </a:rPr>
+            <a:t> </a:t>
+          </a:r>
+          <a:r>
+            <a:rPr lang="ko-KR" altLang="en-US" sz="1100" b="0" dirty="0">
+              <a:solidFill>
+                <a:schemeClr val="tx1">
+                  <a:lumMod val="75000"/>
+                  <a:lumOff val="25000"/>
+                </a:schemeClr>
+              </a:solidFill>
+              <a:latin typeface="+mn-lt"/>
+            </a:rPr>
+            <a:t>사이트 기준을 참고 </a:t>
+          </a:r>
+          <a:r>
+            <a:rPr lang="en-US" altLang="ko-KR" sz="1100" b="0" dirty="0">
+              <a:solidFill>
+                <a:schemeClr val="tx1">
+                  <a:lumMod val="75000"/>
+                  <a:lumOff val="25000"/>
+                </a:schemeClr>
+              </a:solidFill>
+              <a:latin typeface="+mn-lt"/>
+            </a:rPr>
+            <a:t>) </a:t>
+          </a:r>
+          <a:br>
+            <a:rPr lang="en-US" altLang="ko-KR" sz="1100" b="0" dirty="0">
+              <a:solidFill>
+                <a:schemeClr val="tx1">
+                  <a:lumMod val="75000"/>
+                  <a:lumOff val="25000"/>
+                </a:schemeClr>
+              </a:solidFill>
+              <a:latin typeface="+mn-lt"/>
+            </a:rPr>
+          </a:br>
+          <a:r>
+            <a:rPr lang="ko-KR" altLang="en-US" sz="1100" b="0" dirty="0">
+              <a:solidFill>
+                <a:schemeClr val="tx1">
+                  <a:lumMod val="75000"/>
+                  <a:lumOff val="25000"/>
+                </a:schemeClr>
+              </a:solidFill>
+              <a:latin typeface="+mn-lt"/>
+            </a:rPr>
+            <a:t>메가커피 </a:t>
+          </a:r>
+          <a:r>
+            <a:rPr lang="en-US" altLang="ko-KR" sz="1100" b="0" dirty="0">
+              <a:solidFill>
+                <a:schemeClr val="tx1">
+                  <a:lumMod val="75000"/>
+                  <a:lumOff val="25000"/>
+                </a:schemeClr>
+              </a:solidFill>
+              <a:latin typeface="+mn-lt"/>
+            </a:rPr>
+            <a:t>BI : </a:t>
+          </a:r>
+          <a:r>
+            <a:rPr lang="en-US" altLang="ko-KR" sz="1100" u="sng" dirty="0">
+              <a:uFillTx/>
+              <a:hlinkClick xmlns:r="http://schemas.openxmlformats.org/officeDocument/2006/relationships" r:id="rId1"/>
+            </a:rPr>
+            <a:t>http://www.megacoffee.me/bbs/content.php?co_id=brand4</a:t>
           </a:r>
           <a:endParaRPr lang="ko-KR" altLang="en-US" sz="1100" b="0" dirty="0">
             <a:solidFill>
@@ -2404,6 +2710,30 @@
             </a:rPr>
             <a:t>: </a:t>
           </a:r>
+          <a:r>
+            <a:rPr lang="ko-KR" altLang="en-US" sz="1100" b="0" dirty="0">
+              <a:solidFill>
+                <a:schemeClr val="tx1">
+                  <a:lumMod val="75000"/>
+                  <a:lumOff val="25000"/>
+                </a:schemeClr>
+              </a:solidFill>
+              <a:latin typeface="+mn-lt"/>
+            </a:rPr>
+            <a:t>기존의 웹페이지는 타 커피 브랜드와는 다르게 커피를 좋아하는 소비자 고객보다 창업을 원하는 고객에게 맞춰진 비중이 다소 높게 제작되어 있음 </a:t>
+          </a:r>
+          <a:r>
+            <a:rPr lang="en-US" altLang="ko-KR" sz="1100" b="0" dirty="0">
+              <a:solidFill>
+                <a:schemeClr val="tx1">
+                  <a:lumMod val="75000"/>
+                  <a:lumOff val="25000"/>
+                </a:schemeClr>
+              </a:solidFill>
+              <a:latin typeface="+mn-lt"/>
+            </a:rPr>
+            <a:t> </a:t>
+          </a:r>
           <a:endParaRPr lang="ko-KR" altLang="en-US" sz="1100" b="0" dirty="0">
             <a:solidFill>
               <a:schemeClr val="tx1">
@@ -2485,6 +2815,54 @@
             </a:rPr>
             <a:t>: </a:t>
           </a:r>
+          <a:r>
+            <a:rPr lang="ko-KR" altLang="en-US" sz="1100" b="0" dirty="0">
+              <a:solidFill>
+                <a:schemeClr val="tx1">
+                  <a:lumMod val="75000"/>
+                  <a:lumOff val="25000"/>
+                </a:schemeClr>
+              </a:solidFill>
+              <a:latin typeface="+mn-lt"/>
+            </a:rPr>
+            <a:t>기업 브랜드와 커피를 좋아하는 소비자 고객 위주로 </a:t>
+          </a:r>
+          <a:r>
+            <a:rPr lang="ko-KR" altLang="en-US" sz="1100" b="0" dirty="0" err="1">
+              <a:solidFill>
+                <a:schemeClr val="tx1">
+                  <a:lumMod val="75000"/>
+                  <a:lumOff val="25000"/>
+                </a:schemeClr>
+              </a:solidFill>
+              <a:latin typeface="+mn-lt"/>
+            </a:rPr>
+            <a:t>맞추어진</a:t>
+          </a:r>
+          <a:r>
+            <a:rPr lang="ko-KR" altLang="en-US" sz="1100" b="0" dirty="0">
+              <a:solidFill>
+                <a:schemeClr val="tx1">
+                  <a:lumMod val="75000"/>
+                  <a:lumOff val="25000"/>
+                </a:schemeClr>
+              </a:solidFill>
+              <a:latin typeface="+mn-lt"/>
+            </a:rPr>
+            <a:t> 웹페이지 리뉴얼</a:t>
+          </a:r>
+          <a:r>
+            <a:rPr lang="en-US" altLang="ko-KR" sz="1100" b="0" dirty="0">
+              <a:solidFill>
+                <a:schemeClr val="tx1">
+                  <a:lumMod val="75000"/>
+                  <a:lumOff val="25000"/>
+                </a:schemeClr>
+              </a:solidFill>
+              <a:latin typeface="+mn-lt"/>
+            </a:rPr>
+            <a:t> </a:t>
+          </a:r>
           <a:endParaRPr lang="ko-KR" altLang="en-US" sz="1100" b="0" dirty="0">
             <a:solidFill>
               <a:schemeClr val="tx1">
@@ -2552,7 +2930,47 @@
               </a:solidFill>
               <a:latin typeface="+mn-lt"/>
             </a:rPr>
-            <a:t>: </a:t>
+            <a:t>: 1280px </a:t>
+          </a:r>
+          <a:r>
+            <a:rPr lang="ko-KR" altLang="en-US" sz="1100" b="0" dirty="0">
+              <a:solidFill>
+                <a:schemeClr val="tx1">
+                  <a:lumMod val="75000"/>
+                  <a:lumOff val="25000"/>
+                </a:schemeClr>
+              </a:solidFill>
+              <a:latin typeface="+mn-lt"/>
+            </a:rPr>
+            <a:t>기준 그 이상의 화면의 크기를 가지는 기기 </a:t>
+          </a:r>
+          <a:r>
+            <a:rPr lang="en-US" altLang="ko-KR" sz="1100" b="0" dirty="0">
+              <a:solidFill>
+                <a:schemeClr val="tx1">
+                  <a:lumMod val="75000"/>
+                  <a:lumOff val="25000"/>
+                </a:schemeClr>
+              </a:solidFill>
+              <a:latin typeface="+mn-lt"/>
+            </a:rPr>
+            <a:t>+ </a:t>
+          </a:r>
+          <a:r>
+            <a:rPr lang="ko-KR" altLang="en-US" sz="1100" b="1" dirty="0" err="1"/>
+            <a:t>반응형웹페이지구성</a:t>
+          </a:r>
+          <a:r>
+            <a:rPr lang="en-US" altLang="ko-KR" sz="1100" b="0" dirty="0">
+              <a:solidFill>
+                <a:schemeClr val="tx1">
+                  <a:lumMod val="75000"/>
+                  <a:lumOff val="25000"/>
+                </a:schemeClr>
+              </a:solidFill>
+              <a:latin typeface="+mn-lt"/>
+            </a:rPr>
+            <a:t> </a:t>
           </a:r>
           <a:endParaRPr lang="ko-KR" altLang="en-US" sz="1100" b="0" dirty="0">
             <a:solidFill>
@@ -2621,7 +3039,7 @@
               </a:solidFill>
               <a:latin typeface="+mn-lt"/>
             </a:rPr>
-            <a:t>: </a:t>
+            <a:t>: YELLOW, BROWN, BLACK, GRAY </a:t>
           </a:r>
           <a:endParaRPr lang="ko-KR" altLang="en-US" sz="1100" b="0" dirty="0">
             <a:solidFill>
@@ -2690,17 +3108,20 @@
               </a:solidFill>
               <a:latin typeface="+mn-lt"/>
             </a:rPr>
-            <a:t>:</a:t>
+            <a:t>: </a:t>
           </a:r>
-          <a:endParaRPr lang="ko-KR" altLang="en-US" sz="1100" b="0" dirty="0">
-            <a:solidFill>
-              <a:schemeClr val="tx1">
-                <a:lumMod val="75000"/>
-                <a:lumOff val="25000"/>
-              </a:schemeClr>
-            </a:solidFill>
-            <a:latin typeface="+mn-lt"/>
-          </a:endParaRPr>
+          <a:r>
+            <a:rPr lang="ko-KR" altLang="en-US" sz="1100" b="0" dirty="0">
+              <a:solidFill>
+                <a:schemeClr val="tx1">
+                  <a:lumMod val="75000"/>
+                  <a:lumOff val="25000"/>
+                </a:schemeClr>
+              </a:solidFill>
+              <a:latin typeface="+mn-lt"/>
+            </a:rPr>
+            <a:t>심플하고 여러 이미지에 많은 비중을 차지하지 않게 </a:t>
+          </a:r>
         </a:p>
       </dgm:t>
     </dgm:pt>
@@ -2795,17 +3216,152 @@
               </a:solidFill>
               <a:latin typeface="+mn-lt"/>
             </a:rPr>
-            <a:t>:</a:t>
+            <a:t>: </a:t>
           </a:r>
-          <a:endParaRPr lang="ko-KR" altLang="en-US" sz="1100" b="0" dirty="0">
-            <a:solidFill>
-              <a:schemeClr val="tx1">
-                <a:lumMod val="75000"/>
-                <a:lumOff val="25000"/>
-              </a:schemeClr>
-            </a:solidFill>
-            <a:latin typeface="+mn-lt"/>
-          </a:endParaRPr>
+          <a:r>
+            <a:rPr lang="ko-KR" altLang="en-US" sz="1100" b="0" dirty="0">
+              <a:solidFill>
+                <a:schemeClr val="tx1">
+                  <a:lumMod val="75000"/>
+                  <a:lumOff val="25000"/>
+                </a:schemeClr>
+              </a:solidFill>
+              <a:latin typeface="+mn-lt"/>
+            </a:rPr>
+            <a:t>커피 </a:t>
+          </a:r>
+          <a:r>
+            <a:rPr lang="en-US" altLang="ko-KR" sz="1100" b="0" dirty="0">
+              <a:solidFill>
+                <a:schemeClr val="tx1">
+                  <a:lumMod val="75000"/>
+                  <a:lumOff val="25000"/>
+                </a:schemeClr>
+              </a:solidFill>
+              <a:latin typeface="+mn-lt"/>
+            </a:rPr>
+            <a:t>, </a:t>
+          </a:r>
+          <a:r>
+            <a:rPr lang="ko-KR" altLang="en-US" sz="1100" b="0" dirty="0">
+              <a:solidFill>
+                <a:schemeClr val="tx1">
+                  <a:lumMod val="75000"/>
+                  <a:lumOff val="25000"/>
+                </a:schemeClr>
+              </a:solidFill>
+              <a:latin typeface="+mn-lt"/>
+            </a:rPr>
+            <a:t>창업 </a:t>
+          </a:r>
+          <a:r>
+            <a:rPr lang="en-US" altLang="ko-KR" sz="1100" b="0" dirty="0">
+              <a:solidFill>
+                <a:schemeClr val="tx1">
+                  <a:lumMod val="75000"/>
+                  <a:lumOff val="25000"/>
+                </a:schemeClr>
+              </a:solidFill>
+              <a:latin typeface="+mn-lt"/>
+            </a:rPr>
+            <a:t>, </a:t>
+          </a:r>
+          <a:r>
+            <a:rPr lang="ko-KR" altLang="en-US" sz="1100" b="0" dirty="0" err="1">
+              <a:solidFill>
+                <a:schemeClr val="tx1">
+                  <a:lumMod val="75000"/>
+                  <a:lumOff val="25000"/>
+                </a:schemeClr>
+              </a:solidFill>
+              <a:latin typeface="+mn-lt"/>
+            </a:rPr>
+            <a:t>가성비</a:t>
+          </a:r>
+          <a:r>
+            <a:rPr lang="ko-KR" altLang="en-US" sz="1100" b="0" dirty="0">
+              <a:solidFill>
+                <a:schemeClr val="tx1">
+                  <a:lumMod val="75000"/>
+                  <a:lumOff val="25000"/>
+                </a:schemeClr>
+              </a:solidFill>
+              <a:latin typeface="+mn-lt"/>
+            </a:rPr>
+            <a:t> </a:t>
+          </a:r>
+          <a:r>
+            <a:rPr lang="en-US" altLang="ko-KR" sz="1100" b="0" dirty="0">
+              <a:solidFill>
+                <a:schemeClr val="tx1">
+                  <a:lumMod val="75000"/>
+                  <a:lumOff val="25000"/>
+                </a:schemeClr>
+              </a:solidFill>
+              <a:latin typeface="+mn-lt"/>
+            </a:rPr>
+            <a:t>, </a:t>
+          </a:r>
+          <a:r>
+            <a:rPr lang="ko-KR" altLang="en-US" sz="1100" b="0" dirty="0">
+              <a:solidFill>
+                <a:schemeClr val="tx1">
+                  <a:lumMod val="75000"/>
+                  <a:lumOff val="25000"/>
+                </a:schemeClr>
+              </a:solidFill>
+              <a:latin typeface="+mn-lt"/>
+            </a:rPr>
+            <a:t>대용량 </a:t>
+          </a:r>
+          <a:r>
+            <a:rPr lang="en-US" altLang="ko-KR" sz="1100" b="0" dirty="0">
+              <a:solidFill>
+                <a:schemeClr val="tx1">
+                  <a:lumMod val="75000"/>
+                  <a:lumOff val="25000"/>
+                </a:schemeClr>
+              </a:solidFill>
+              <a:latin typeface="+mn-lt"/>
+            </a:rPr>
+            <a:t>, </a:t>
+          </a:r>
+          <a:r>
+            <a:rPr lang="ko-KR" altLang="en-US" sz="1100" b="0" dirty="0">
+              <a:solidFill>
+                <a:schemeClr val="tx1">
+                  <a:lumMod val="75000"/>
+                  <a:lumOff val="25000"/>
+                </a:schemeClr>
+              </a:solidFill>
+              <a:latin typeface="+mn-lt"/>
+            </a:rPr>
+            <a:t>카페 </a:t>
+          </a:r>
+          <a:r>
+            <a:rPr lang="en-US" altLang="ko-KR" sz="1100" b="0" dirty="0">
+              <a:solidFill>
+                <a:schemeClr val="tx1">
+                  <a:lumMod val="75000"/>
+                  <a:lumOff val="25000"/>
+                </a:schemeClr>
+              </a:solidFill>
+              <a:latin typeface="+mn-lt"/>
+            </a:rPr>
+            <a:t>, </a:t>
+          </a:r>
+          <a:r>
+            <a:rPr lang="ko-KR" altLang="en-US" sz="1100" b="0" dirty="0">
+              <a:solidFill>
+                <a:schemeClr val="tx1">
+                  <a:lumMod val="75000"/>
+                  <a:lumOff val="25000"/>
+                </a:schemeClr>
+              </a:solidFill>
+              <a:latin typeface="+mn-lt"/>
+            </a:rPr>
+            <a:t>음료</a:t>
+          </a:r>
         </a:p>
       </dgm:t>
     </dgm:pt>
@@ -3268,6 +3824,54 @@
             </a:rPr>
             <a:t>: </a:t>
           </a:r>
+          <a:r>
+            <a:rPr lang="ko-KR" altLang="en-US" sz="1100" b="0" kern="1200" dirty="0">
+              <a:solidFill>
+                <a:schemeClr val="tx1">
+                  <a:lumMod val="75000"/>
+                  <a:lumOff val="25000"/>
+                </a:schemeClr>
+              </a:solidFill>
+              <a:latin typeface="+mn-lt"/>
+            </a:rPr>
+            <a:t>메가</a:t>
+          </a:r>
+          <a:r>
+            <a:rPr lang="en-US" altLang="ko-KR" sz="1100" b="0" kern="1200" dirty="0">
+              <a:solidFill>
+                <a:schemeClr val="tx1">
+                  <a:lumMod val="75000"/>
+                  <a:lumOff val="25000"/>
+                </a:schemeClr>
+              </a:solidFill>
+              <a:latin typeface="+mn-lt"/>
+            </a:rPr>
+            <a:t>MGC</a:t>
+          </a:r>
+          <a:r>
+            <a:rPr lang="ko-KR" altLang="en-US" sz="1100" b="0" kern="1200" dirty="0">
+              <a:solidFill>
+                <a:schemeClr val="tx1">
+                  <a:lumMod val="75000"/>
+                  <a:lumOff val="25000"/>
+                </a:schemeClr>
+              </a:solidFill>
+              <a:latin typeface="+mn-lt"/>
+            </a:rPr>
+            <a:t>커피</a:t>
+          </a:r>
+          <a:r>
+            <a:rPr lang="en-US" altLang="ko-KR" sz="1100" b="0" kern="1200" dirty="0">
+              <a:solidFill>
+                <a:schemeClr val="tx1">
+                  <a:lumMod val="75000"/>
+                  <a:lumOff val="25000"/>
+                </a:schemeClr>
+              </a:solidFill>
+              <a:latin typeface="+mn-lt"/>
+            </a:rPr>
+            <a:t> </a:t>
+          </a:r>
           <a:endParaRPr lang="ko-KR" altLang="en-US" sz="1100" b="0" kern="1200" dirty="0">
             <a:solidFill>
               <a:schemeClr val="tx1">
@@ -3413,7 +4017,7 @@
               </a:solidFill>
               <a:latin typeface="+mn-lt"/>
             </a:rPr>
-            <a:t>: </a:t>
+            <a:t>: http://www.megacoffee.me/</a:t>
           </a:r>
           <a:endParaRPr lang="ko-KR" altLang="en-US" sz="1100" b="0" kern="1200" dirty="0">
             <a:solidFill>
@@ -3568,6 +4172,42 @@
             </a:rPr>
             <a:t>: </a:t>
           </a:r>
+          <a:r>
+            <a:rPr lang="ko-KR" altLang="en-US" sz="1100" b="0" kern="1200" dirty="0" err="1">
+              <a:solidFill>
+                <a:schemeClr val="tx1">
+                  <a:lumMod val="75000"/>
+                  <a:lumOff val="25000"/>
+                </a:schemeClr>
+              </a:solidFill>
+              <a:latin typeface="+mn-lt"/>
+            </a:rPr>
+            <a:t>프렌차이즈</a:t>
+          </a:r>
+          <a:r>
+            <a:rPr lang="ko-KR" altLang="en-US" sz="1100" b="0" kern="1200" dirty="0">
+              <a:solidFill>
+                <a:schemeClr val="tx1">
+                  <a:lumMod val="75000"/>
+                  <a:lumOff val="25000"/>
+                </a:schemeClr>
+              </a:solidFill>
+              <a:latin typeface="+mn-lt"/>
+            </a:rPr>
+            <a:t> 커피 브랜드 메가커피에 대한 커피 메뉴 및 창업설명 </a:t>
+          </a:r>
+          <a:r>
+            <a:rPr lang="en-US" altLang="ko-KR" sz="1100" b="0" kern="1200" dirty="0">
+              <a:solidFill>
+                <a:schemeClr val="tx1">
+                  <a:lumMod val="75000"/>
+                  <a:lumOff val="25000"/>
+                </a:schemeClr>
+              </a:solidFill>
+              <a:latin typeface="+mn-lt"/>
+            </a:rPr>
+            <a:t> </a:t>
+          </a:r>
           <a:endParaRPr lang="ko-KR" altLang="en-US" sz="1100" b="0" kern="1200" dirty="0">
             <a:solidFill>
               <a:schemeClr val="tx1">
@@ -3721,6 +4361,90 @@
             </a:rPr>
             <a:t>: </a:t>
           </a:r>
+          <a:r>
+            <a:rPr lang="ko-KR" altLang="en-US" sz="1100" b="0" kern="1200" dirty="0" err="1">
+              <a:solidFill>
+                <a:schemeClr val="tx1">
+                  <a:lumMod val="75000"/>
+                  <a:lumOff val="25000"/>
+                </a:schemeClr>
+              </a:solidFill>
+              <a:latin typeface="+mn-lt"/>
+            </a:rPr>
+            <a:t>프렌차이즈</a:t>
+          </a:r>
+          <a:r>
+            <a:rPr lang="ko-KR" altLang="en-US" sz="1100" b="0" kern="1200" dirty="0">
+              <a:solidFill>
+                <a:schemeClr val="tx1">
+                  <a:lumMod val="75000"/>
+                  <a:lumOff val="25000"/>
+                </a:schemeClr>
+              </a:solidFill>
+              <a:latin typeface="+mn-lt"/>
+            </a:rPr>
+            <a:t> 커피를 자주 즐기고 찾는 </a:t>
+          </a:r>
+          <a:r>
+            <a:rPr lang="en-US" altLang="ko-KR" sz="1100" b="0" kern="1200" dirty="0">
+              <a:solidFill>
+                <a:schemeClr val="tx1">
+                  <a:lumMod val="75000"/>
+                  <a:lumOff val="25000"/>
+                </a:schemeClr>
+              </a:solidFill>
+              <a:latin typeface="+mn-lt"/>
+            </a:rPr>
+            <a:t>10</a:t>
+          </a:r>
+          <a:r>
+            <a:rPr lang="ko-KR" altLang="en-US" sz="1100" b="0" kern="1200" dirty="0">
+              <a:solidFill>
+                <a:schemeClr val="tx1">
+                  <a:lumMod val="75000"/>
+                  <a:lumOff val="25000"/>
+                </a:schemeClr>
+              </a:solidFill>
+              <a:latin typeface="+mn-lt"/>
+            </a:rPr>
+            <a:t>대에서 </a:t>
+          </a:r>
+          <a:r>
+            <a:rPr lang="en-US" altLang="ko-KR" sz="1100" b="0" kern="1200" dirty="0">
+              <a:solidFill>
+                <a:schemeClr val="tx1">
+                  <a:lumMod val="75000"/>
+                  <a:lumOff val="25000"/>
+                </a:schemeClr>
+              </a:solidFill>
+              <a:latin typeface="+mn-lt"/>
+            </a:rPr>
+            <a:t>30</a:t>
+          </a:r>
+          <a:r>
+            <a:rPr lang="ko-KR" altLang="en-US" sz="1100" b="0" kern="1200" dirty="0">
+              <a:solidFill>
+                <a:schemeClr val="tx1">
+                  <a:lumMod val="75000"/>
+                  <a:lumOff val="25000"/>
+                </a:schemeClr>
+              </a:solidFill>
+              <a:latin typeface="+mn-lt"/>
+            </a:rPr>
+            <a:t>대까지</a:t>
+          </a:r>
+          <a:r>
+            <a:rPr lang="en-US" altLang="ko-KR" sz="1100" b="0" kern="1200" dirty="0">
+              <a:solidFill>
+                <a:schemeClr val="tx1">
+                  <a:lumMod val="75000"/>
+                  <a:lumOff val="25000"/>
+                </a:schemeClr>
+              </a:solidFill>
+              <a:latin typeface="+mn-lt"/>
+            </a:rPr>
+            <a:t> </a:t>
+          </a:r>
           <a:endParaRPr lang="ko-KR" altLang="en-US" sz="1100" b="0" kern="1200" dirty="0">
             <a:solidFill>
               <a:schemeClr val="tx1">
@@ -3872,7 +4596,145 @@
               </a:solidFill>
               <a:latin typeface="+mn-lt"/>
             </a:rPr>
-            <a:t>:</a:t>
+            <a:t>: </a:t>
+          </a:r>
+          <a:r>
+            <a:rPr lang="ko-KR" altLang="en-US" sz="1100" b="0" kern="1200" dirty="0">
+              <a:solidFill>
+                <a:schemeClr val="tx1">
+                  <a:lumMod val="75000"/>
+                  <a:lumOff val="25000"/>
+                </a:schemeClr>
+              </a:solidFill>
+              <a:latin typeface="+mn-lt"/>
+            </a:rPr>
+            <a:t>유 </a:t>
+          </a:r>
+          <a:r>
+            <a:rPr lang="en-US" altLang="ko-KR" sz="1100" b="0" kern="1200" dirty="0">
+              <a:solidFill>
+                <a:schemeClr val="tx1">
+                  <a:lumMod val="75000"/>
+                  <a:lumOff val="25000"/>
+                </a:schemeClr>
+              </a:solidFill>
+              <a:latin typeface="+mn-lt"/>
+            </a:rPr>
+            <a:t>( </a:t>
+          </a:r>
+          <a:r>
+            <a:rPr lang="ko-KR" altLang="en-US" sz="1100" b="0" kern="1200" dirty="0">
+              <a:solidFill>
+                <a:schemeClr val="tx1">
+                  <a:lumMod val="75000"/>
+                  <a:lumOff val="25000"/>
+                </a:schemeClr>
+              </a:solidFill>
+              <a:latin typeface="+mn-lt"/>
+            </a:rPr>
+            <a:t>내용이 다소 부족 </a:t>
+          </a:r>
+          <a:r>
+            <a:rPr lang="en-US" altLang="ko-KR" sz="1100" b="0" kern="1200" dirty="0">
+              <a:solidFill>
+                <a:schemeClr val="tx1">
+                  <a:lumMod val="75000"/>
+                  <a:lumOff val="25000"/>
+                </a:schemeClr>
+              </a:solidFill>
+              <a:latin typeface="+mn-lt"/>
+            </a:rPr>
+            <a:t>– </a:t>
+          </a:r>
+          <a:r>
+            <a:rPr lang="ko-KR" altLang="en-US" sz="1100" b="0" kern="1200" dirty="0">
+              <a:solidFill>
+                <a:schemeClr val="tx1">
+                  <a:lumMod val="75000"/>
+                  <a:lumOff val="25000"/>
+                </a:schemeClr>
+              </a:solidFill>
+              <a:latin typeface="+mn-lt"/>
+            </a:rPr>
+            <a:t>이에 메가커피</a:t>
+          </a:r>
+          <a:r>
+            <a:rPr lang="en-US" altLang="ko-KR" sz="1100" b="0" kern="1200" dirty="0">
+              <a:solidFill>
+                <a:schemeClr val="tx1">
+                  <a:lumMod val="75000"/>
+                  <a:lumOff val="25000"/>
+                </a:schemeClr>
+              </a:solidFill>
+              <a:latin typeface="+mn-lt"/>
+            </a:rPr>
+            <a:t> </a:t>
+          </a:r>
+          <a:r>
+            <a:rPr lang="ko-KR" altLang="en-US" sz="1100" b="0" kern="1200" dirty="0">
+              <a:solidFill>
+                <a:schemeClr val="tx1">
+                  <a:lumMod val="75000"/>
+                  <a:lumOff val="25000"/>
+                </a:schemeClr>
+              </a:solidFill>
+              <a:latin typeface="+mn-lt"/>
+            </a:rPr>
+            <a:t>사이트 기준을 참고 </a:t>
+          </a:r>
+          <a:r>
+            <a:rPr lang="en-US" altLang="ko-KR" sz="1100" b="0" kern="1200" dirty="0">
+              <a:solidFill>
+                <a:schemeClr val="tx1">
+                  <a:lumMod val="75000"/>
+                  <a:lumOff val="25000"/>
+                </a:schemeClr>
+              </a:solidFill>
+              <a:latin typeface="+mn-lt"/>
+            </a:rPr>
+            <a:t>) </a:t>
+          </a:r>
+          <a:br>
+            <a:rPr lang="en-US" altLang="ko-KR" sz="1100" b="0" kern="1200" dirty="0">
+              <a:solidFill>
+                <a:schemeClr val="tx1">
+                  <a:lumMod val="75000"/>
+                  <a:lumOff val="25000"/>
+                </a:schemeClr>
+              </a:solidFill>
+              <a:latin typeface="+mn-lt"/>
+            </a:rPr>
+          </a:br>
+          <a:r>
+            <a:rPr lang="ko-KR" altLang="en-US" sz="1100" b="0" kern="1200" dirty="0">
+              <a:solidFill>
+                <a:schemeClr val="tx1">
+                  <a:lumMod val="75000"/>
+                  <a:lumOff val="25000"/>
+                </a:schemeClr>
+              </a:solidFill>
+              <a:latin typeface="+mn-lt"/>
+            </a:rPr>
+            <a:t>메가커피 </a:t>
+          </a:r>
+          <a:r>
+            <a:rPr lang="en-US" altLang="ko-KR" sz="1100" b="0" kern="1200" dirty="0">
+              <a:solidFill>
+                <a:schemeClr val="tx1">
+                  <a:lumMod val="75000"/>
+                  <a:lumOff val="25000"/>
+                </a:schemeClr>
+              </a:solidFill>
+              <a:latin typeface="+mn-lt"/>
+            </a:rPr>
+            <a:t>BI : </a:t>
+          </a:r>
+          <a:r>
+            <a:rPr lang="en-US" altLang="ko-KR" sz="1100" u="sng" kern="1200" dirty="0">
+              <a:uFillTx/>
+              <a:hlinkClick xmlns:r="http://schemas.openxmlformats.org/officeDocument/2006/relationships" r:id="rId1"/>
+            </a:rPr>
+            <a:t>http://www.megacoffee.me/bbs/content.php?co_id=brand4</a:t>
           </a:r>
           <a:endParaRPr lang="ko-KR" altLang="en-US" sz="1100" b="0" kern="1200" dirty="0">
             <a:solidFill>
@@ -3958,8 +4820,8 @@
       </dsp:nvSpPr>
       <dsp:spPr>
         <a:xfrm>
-          <a:off x="0" y="0"/>
-          <a:ext cx="7868413" cy="0"/>
+          <a:off x="0" y="1719"/>
+          <a:ext cx="8582112" cy="0"/>
         </a:xfrm>
         <a:prstGeom prst="line">
           <a:avLst/>
@@ -4008,8 +4870,8 @@
       </dsp:nvSpPr>
       <dsp:spPr>
         <a:xfrm>
-          <a:off x="0" y="0"/>
-          <a:ext cx="1573682" cy="3520837"/>
+          <a:off x="0" y="1719"/>
+          <a:ext cx="1716422" cy="3517398"/>
         </a:xfrm>
         <a:prstGeom prst="rect">
           <a:avLst/>
@@ -4057,8 +4919,8 @@
         </a:p>
       </dsp:txBody>
       <dsp:txXfrm>
-        <a:off x="0" y="0"/>
-        <a:ext cx="1573682" cy="3520837"/>
+        <a:off x="0" y="1719"/>
+        <a:ext cx="1716422" cy="3517398"/>
       </dsp:txXfrm>
     </dsp:sp>
     <dsp:sp modelId="{B292DB37-5DAC-4239-B187-DFD8D1E45EBC}">
@@ -4068,8 +4930,8 @@
       </dsp:nvSpPr>
       <dsp:spPr>
         <a:xfrm>
-          <a:off x="1691708" y="77791"/>
-          <a:ext cx="6176704" cy="490835"/>
+          <a:off x="1845154" y="79435"/>
+          <a:ext cx="6736957" cy="490356"/>
         </a:xfrm>
         <a:prstGeom prst="rect">
           <a:avLst/>
@@ -4131,6 +4993,30 @@
             </a:rPr>
             <a:t>: </a:t>
           </a:r>
+          <a:r>
+            <a:rPr lang="ko-KR" altLang="en-US" sz="1100" b="0" kern="1200" dirty="0">
+              <a:solidFill>
+                <a:schemeClr val="tx1">
+                  <a:lumMod val="75000"/>
+                  <a:lumOff val="25000"/>
+                </a:schemeClr>
+              </a:solidFill>
+              <a:latin typeface="+mn-lt"/>
+            </a:rPr>
+            <a:t>기존의 웹페이지는 타 커피 브랜드와는 다르게 커피를 좋아하는 소비자 고객보다 창업을 원하는 고객에게 맞춰진 비중이 다소 높게 제작되어 있음 </a:t>
+          </a:r>
+          <a:r>
+            <a:rPr lang="en-US" altLang="ko-KR" sz="1100" b="0" kern="1200" dirty="0">
+              <a:solidFill>
+                <a:schemeClr val="tx1">
+                  <a:lumMod val="75000"/>
+                  <a:lumOff val="25000"/>
+                </a:schemeClr>
+              </a:solidFill>
+              <a:latin typeface="+mn-lt"/>
+            </a:rPr>
+            <a:t> </a:t>
+          </a:r>
           <a:endParaRPr lang="ko-KR" altLang="en-US" sz="1100" b="0" kern="1200" dirty="0">
             <a:solidFill>
               <a:schemeClr val="tx1">
@@ -4143,8 +5029,8 @@
         </a:p>
       </dsp:txBody>
       <dsp:txXfrm>
-        <a:off x="1691708" y="77791"/>
-        <a:ext cx="6176704" cy="490835"/>
+        <a:off x="1845154" y="79435"/>
+        <a:ext cx="6736957" cy="490356"/>
       </dsp:txXfrm>
     </dsp:sp>
     <dsp:sp modelId="{4110832E-0718-476E-A490-037F526FEE32}">
@@ -4154,8 +5040,8 @@
       </dsp:nvSpPr>
       <dsp:spPr>
         <a:xfrm>
-          <a:off x="1573682" y="568627"/>
-          <a:ext cx="6294730" cy="0"/>
+          <a:off x="1716422" y="569791"/>
+          <a:ext cx="6865689" cy="0"/>
         </a:xfrm>
         <a:prstGeom prst="line">
           <a:avLst/>
@@ -4203,8 +5089,8 @@
       </dsp:nvSpPr>
       <dsp:spPr>
         <a:xfrm>
-          <a:off x="1691708" y="646419"/>
-          <a:ext cx="6176704" cy="521299"/>
+          <a:off x="1845154" y="647507"/>
+          <a:ext cx="6736957" cy="520790"/>
         </a:xfrm>
         <a:prstGeom prst="rect">
           <a:avLst/>
@@ -4278,6 +5164,54 @@
             </a:rPr>
             <a:t>: </a:t>
           </a:r>
+          <a:r>
+            <a:rPr lang="ko-KR" altLang="en-US" sz="1100" b="0" kern="1200" dirty="0">
+              <a:solidFill>
+                <a:schemeClr val="tx1">
+                  <a:lumMod val="75000"/>
+                  <a:lumOff val="25000"/>
+                </a:schemeClr>
+              </a:solidFill>
+              <a:latin typeface="+mn-lt"/>
+            </a:rPr>
+            <a:t>기업 브랜드와 커피를 좋아하는 소비자 고객 위주로 </a:t>
+          </a:r>
+          <a:r>
+            <a:rPr lang="ko-KR" altLang="en-US" sz="1100" b="0" kern="1200" dirty="0" err="1">
+              <a:solidFill>
+                <a:schemeClr val="tx1">
+                  <a:lumMod val="75000"/>
+                  <a:lumOff val="25000"/>
+                </a:schemeClr>
+              </a:solidFill>
+              <a:latin typeface="+mn-lt"/>
+            </a:rPr>
+            <a:t>맞추어진</a:t>
+          </a:r>
+          <a:r>
+            <a:rPr lang="ko-KR" altLang="en-US" sz="1100" b="0" kern="1200" dirty="0">
+              <a:solidFill>
+                <a:schemeClr val="tx1">
+                  <a:lumMod val="75000"/>
+                  <a:lumOff val="25000"/>
+                </a:schemeClr>
+              </a:solidFill>
+              <a:latin typeface="+mn-lt"/>
+            </a:rPr>
+            <a:t> 웹페이지 리뉴얼</a:t>
+          </a:r>
+          <a:r>
+            <a:rPr lang="en-US" altLang="ko-KR" sz="1100" b="0" kern="1200" dirty="0">
+              <a:solidFill>
+                <a:schemeClr val="tx1">
+                  <a:lumMod val="75000"/>
+                  <a:lumOff val="25000"/>
+                </a:schemeClr>
+              </a:solidFill>
+              <a:latin typeface="+mn-lt"/>
+            </a:rPr>
+            <a:t> </a:t>
+          </a:r>
           <a:endParaRPr lang="ko-KR" altLang="en-US" sz="1100" b="0" kern="1200" dirty="0">
             <a:solidFill>
               <a:schemeClr val="tx1">
@@ -4290,8 +5224,8 @@
         </a:p>
       </dsp:txBody>
       <dsp:txXfrm>
-        <a:off x="1691708" y="646419"/>
-        <a:ext cx="6176704" cy="521299"/>
+        <a:off x="1845154" y="647507"/>
+        <a:ext cx="6736957" cy="520790"/>
       </dsp:txXfrm>
     </dsp:sp>
     <dsp:sp modelId="{AD911FAF-521A-4820-A828-D3E3718C95AE}">
@@ -4301,8 +5235,8 @@
       </dsp:nvSpPr>
       <dsp:spPr>
         <a:xfrm>
-          <a:off x="1573682" y="1167719"/>
-          <a:ext cx="6294730" cy="0"/>
+          <a:off x="1716422" y="1168297"/>
+          <a:ext cx="6865689" cy="0"/>
         </a:xfrm>
         <a:prstGeom prst="line">
           <a:avLst/>
@@ -4350,8 +5284,8 @@
       </dsp:nvSpPr>
       <dsp:spPr>
         <a:xfrm>
-          <a:off x="1691708" y="1245511"/>
-          <a:ext cx="6176704" cy="423328"/>
+          <a:off x="1845154" y="1246013"/>
+          <a:ext cx="6736957" cy="422914"/>
         </a:xfrm>
         <a:prstGeom prst="rect">
           <a:avLst/>
@@ -4411,7 +5345,47 @@
               </a:solidFill>
               <a:latin typeface="+mn-lt"/>
             </a:rPr>
-            <a:t>: </a:t>
+            <a:t>: 1280px </a:t>
+          </a:r>
+          <a:r>
+            <a:rPr lang="ko-KR" altLang="en-US" sz="1100" b="0" kern="1200" dirty="0">
+              <a:solidFill>
+                <a:schemeClr val="tx1">
+                  <a:lumMod val="75000"/>
+                  <a:lumOff val="25000"/>
+                </a:schemeClr>
+              </a:solidFill>
+              <a:latin typeface="+mn-lt"/>
+            </a:rPr>
+            <a:t>기준 그 이상의 화면의 크기를 가지는 기기 </a:t>
+          </a:r>
+          <a:r>
+            <a:rPr lang="en-US" altLang="ko-KR" sz="1100" b="0" kern="1200" dirty="0">
+              <a:solidFill>
+                <a:schemeClr val="tx1">
+                  <a:lumMod val="75000"/>
+                  <a:lumOff val="25000"/>
+                </a:schemeClr>
+              </a:solidFill>
+              <a:latin typeface="+mn-lt"/>
+            </a:rPr>
+            <a:t>+ </a:t>
+          </a:r>
+          <a:r>
+            <a:rPr lang="ko-KR" altLang="en-US" sz="1100" b="1" kern="1200" dirty="0" err="1"/>
+            <a:t>반응형웹페이지구성</a:t>
+          </a:r>
+          <a:r>
+            <a:rPr lang="en-US" altLang="ko-KR" sz="1100" b="0" kern="1200" dirty="0">
+              <a:solidFill>
+                <a:schemeClr val="tx1">
+                  <a:lumMod val="75000"/>
+                  <a:lumOff val="25000"/>
+                </a:schemeClr>
+              </a:solidFill>
+              <a:latin typeface="+mn-lt"/>
+            </a:rPr>
+            <a:t> </a:t>
           </a:r>
           <a:endParaRPr lang="ko-KR" altLang="en-US" sz="1100" b="0" kern="1200" dirty="0">
             <a:solidFill>
@@ -4425,8 +5399,8 @@
         </a:p>
       </dsp:txBody>
       <dsp:txXfrm>
-        <a:off x="1691708" y="1245511"/>
-        <a:ext cx="6176704" cy="423328"/>
+        <a:off x="1845154" y="1246013"/>
+        <a:ext cx="6736957" cy="422914"/>
       </dsp:txXfrm>
     </dsp:sp>
     <dsp:sp modelId="{CF05C026-DB91-43DB-A06E-46B09EDF745D}">
@@ -4436,8 +5410,8 @@
       </dsp:nvSpPr>
       <dsp:spPr>
         <a:xfrm>
-          <a:off x="1573682" y="1668839"/>
-          <a:ext cx="6294730" cy="0"/>
+          <a:off x="1716422" y="1668928"/>
+          <a:ext cx="6865689" cy="0"/>
         </a:xfrm>
         <a:prstGeom prst="line">
           <a:avLst/>
@@ -4485,8 +5459,8 @@
       </dsp:nvSpPr>
       <dsp:spPr>
         <a:xfrm>
-          <a:off x="1691708" y="1717848"/>
-          <a:ext cx="6176704" cy="381538"/>
+          <a:off x="1845154" y="1717889"/>
+          <a:ext cx="6736957" cy="381165"/>
         </a:xfrm>
         <a:prstGeom prst="rect">
           <a:avLst/>
@@ -4546,7 +5520,7 @@
               </a:solidFill>
               <a:latin typeface="+mn-lt"/>
             </a:rPr>
-            <a:t>: </a:t>
+            <a:t>: YELLOW, BROWN, BLACK, GRAY </a:t>
           </a:r>
           <a:endParaRPr lang="ko-KR" altLang="en-US" sz="1100" b="0" kern="1200" dirty="0">
             <a:solidFill>
@@ -4560,8 +5534,8 @@
         </a:p>
       </dsp:txBody>
       <dsp:txXfrm>
-        <a:off x="1691708" y="1717848"/>
-        <a:ext cx="6176704" cy="381538"/>
+        <a:off x="1845154" y="1717889"/>
+        <a:ext cx="6736957" cy="381165"/>
       </dsp:txXfrm>
     </dsp:sp>
     <dsp:sp modelId="{D235D982-58AD-4B15-9D8D-F549E4F32805}">
@@ -4571,8 +5545,8 @@
       </dsp:nvSpPr>
       <dsp:spPr>
         <a:xfrm>
-          <a:off x="1573682" y="2128169"/>
-          <a:ext cx="6294730" cy="0"/>
+          <a:off x="1716422" y="2127810"/>
+          <a:ext cx="6865689" cy="0"/>
         </a:xfrm>
         <a:prstGeom prst="line">
           <a:avLst/>
@@ -4620,8 +5594,8 @@
       </dsp:nvSpPr>
       <dsp:spPr>
         <a:xfrm>
-          <a:off x="1691708" y="2205961"/>
-          <a:ext cx="6176704" cy="412686"/>
+          <a:off x="1845154" y="2205526"/>
+          <a:ext cx="6736957" cy="412283"/>
         </a:xfrm>
         <a:prstGeom prst="rect">
           <a:avLst/>
@@ -4681,22 +5655,25 @@
               </a:solidFill>
               <a:latin typeface="+mn-lt"/>
             </a:rPr>
-            <a:t>:</a:t>
+            <a:t>: </a:t>
           </a:r>
-          <a:endParaRPr lang="ko-KR" altLang="en-US" sz="1100" b="0" kern="1200" dirty="0">
-            <a:solidFill>
-              <a:schemeClr val="tx1">
-                <a:lumMod val="75000"/>
-                <a:lumOff val="25000"/>
-              </a:schemeClr>
-            </a:solidFill>
-            <a:latin typeface="+mn-lt"/>
-          </a:endParaRPr>
+          <a:r>
+            <a:rPr lang="ko-KR" altLang="en-US" sz="1100" b="0" kern="1200" dirty="0">
+              <a:solidFill>
+                <a:schemeClr val="tx1">
+                  <a:lumMod val="75000"/>
+                  <a:lumOff val="25000"/>
+                </a:schemeClr>
+              </a:solidFill>
+              <a:latin typeface="+mn-lt"/>
+            </a:rPr>
+            <a:t>심플하고 여러 이미지에 많은 비중을 차지하지 않게 </a:t>
+          </a:r>
         </a:p>
       </dsp:txBody>
       <dsp:txXfrm>
-        <a:off x="1691708" y="2205961"/>
-        <a:ext cx="6176704" cy="412686"/>
+        <a:off x="1845154" y="2205526"/>
+        <a:ext cx="6736957" cy="412283"/>
       </dsp:txXfrm>
     </dsp:sp>
     <dsp:sp modelId="{D0A004F4-AD23-44AD-ADB5-BAD672B8AB1E}">
@@ -4706,8 +5683,8 @@
       </dsp:nvSpPr>
       <dsp:spPr>
         <a:xfrm>
-          <a:off x="1573682" y="2618647"/>
-          <a:ext cx="6294730" cy="0"/>
+          <a:off x="1716422" y="2617809"/>
+          <a:ext cx="6865689" cy="0"/>
         </a:xfrm>
         <a:prstGeom prst="line">
           <a:avLst/>
@@ -4755,8 +5732,8 @@
       </dsp:nvSpPr>
       <dsp:spPr>
         <a:xfrm>
-          <a:off x="1691708" y="2696439"/>
-          <a:ext cx="6176704" cy="744546"/>
+          <a:off x="1845154" y="2695525"/>
+          <a:ext cx="6736957" cy="743819"/>
         </a:xfrm>
         <a:prstGeom prst="rect">
           <a:avLst/>
@@ -4852,22 +5829,157 @@
               </a:solidFill>
               <a:latin typeface="+mn-lt"/>
             </a:rPr>
-            <a:t>:</a:t>
+            <a:t>: </a:t>
           </a:r>
-          <a:endParaRPr lang="ko-KR" altLang="en-US" sz="1100" b="0" kern="1200" dirty="0">
-            <a:solidFill>
-              <a:schemeClr val="tx1">
-                <a:lumMod val="75000"/>
-                <a:lumOff val="25000"/>
-              </a:schemeClr>
-            </a:solidFill>
-            <a:latin typeface="+mn-lt"/>
-          </a:endParaRPr>
+          <a:r>
+            <a:rPr lang="ko-KR" altLang="en-US" sz="1100" b="0" kern="1200" dirty="0">
+              <a:solidFill>
+                <a:schemeClr val="tx1">
+                  <a:lumMod val="75000"/>
+                  <a:lumOff val="25000"/>
+                </a:schemeClr>
+              </a:solidFill>
+              <a:latin typeface="+mn-lt"/>
+            </a:rPr>
+            <a:t>커피 </a:t>
+          </a:r>
+          <a:r>
+            <a:rPr lang="en-US" altLang="ko-KR" sz="1100" b="0" kern="1200" dirty="0">
+              <a:solidFill>
+                <a:schemeClr val="tx1">
+                  <a:lumMod val="75000"/>
+                  <a:lumOff val="25000"/>
+                </a:schemeClr>
+              </a:solidFill>
+              <a:latin typeface="+mn-lt"/>
+            </a:rPr>
+            <a:t>, </a:t>
+          </a:r>
+          <a:r>
+            <a:rPr lang="ko-KR" altLang="en-US" sz="1100" b="0" kern="1200" dirty="0">
+              <a:solidFill>
+                <a:schemeClr val="tx1">
+                  <a:lumMod val="75000"/>
+                  <a:lumOff val="25000"/>
+                </a:schemeClr>
+              </a:solidFill>
+              <a:latin typeface="+mn-lt"/>
+            </a:rPr>
+            <a:t>창업 </a:t>
+          </a:r>
+          <a:r>
+            <a:rPr lang="en-US" altLang="ko-KR" sz="1100" b="0" kern="1200" dirty="0">
+              <a:solidFill>
+                <a:schemeClr val="tx1">
+                  <a:lumMod val="75000"/>
+                  <a:lumOff val="25000"/>
+                </a:schemeClr>
+              </a:solidFill>
+              <a:latin typeface="+mn-lt"/>
+            </a:rPr>
+            <a:t>, </a:t>
+          </a:r>
+          <a:r>
+            <a:rPr lang="ko-KR" altLang="en-US" sz="1100" b="0" kern="1200" dirty="0" err="1">
+              <a:solidFill>
+                <a:schemeClr val="tx1">
+                  <a:lumMod val="75000"/>
+                  <a:lumOff val="25000"/>
+                </a:schemeClr>
+              </a:solidFill>
+              <a:latin typeface="+mn-lt"/>
+            </a:rPr>
+            <a:t>가성비</a:t>
+          </a:r>
+          <a:r>
+            <a:rPr lang="ko-KR" altLang="en-US" sz="1100" b="0" kern="1200" dirty="0">
+              <a:solidFill>
+                <a:schemeClr val="tx1">
+                  <a:lumMod val="75000"/>
+                  <a:lumOff val="25000"/>
+                </a:schemeClr>
+              </a:solidFill>
+              <a:latin typeface="+mn-lt"/>
+            </a:rPr>
+            <a:t> </a:t>
+          </a:r>
+          <a:r>
+            <a:rPr lang="en-US" altLang="ko-KR" sz="1100" b="0" kern="1200" dirty="0">
+              <a:solidFill>
+                <a:schemeClr val="tx1">
+                  <a:lumMod val="75000"/>
+                  <a:lumOff val="25000"/>
+                </a:schemeClr>
+              </a:solidFill>
+              <a:latin typeface="+mn-lt"/>
+            </a:rPr>
+            <a:t>, </a:t>
+          </a:r>
+          <a:r>
+            <a:rPr lang="ko-KR" altLang="en-US" sz="1100" b="0" kern="1200" dirty="0">
+              <a:solidFill>
+                <a:schemeClr val="tx1">
+                  <a:lumMod val="75000"/>
+                  <a:lumOff val="25000"/>
+                </a:schemeClr>
+              </a:solidFill>
+              <a:latin typeface="+mn-lt"/>
+            </a:rPr>
+            <a:t>대용량 </a:t>
+          </a:r>
+          <a:r>
+            <a:rPr lang="en-US" altLang="ko-KR" sz="1100" b="0" kern="1200" dirty="0">
+              <a:solidFill>
+                <a:schemeClr val="tx1">
+                  <a:lumMod val="75000"/>
+                  <a:lumOff val="25000"/>
+                </a:schemeClr>
+              </a:solidFill>
+              <a:latin typeface="+mn-lt"/>
+            </a:rPr>
+            <a:t>, </a:t>
+          </a:r>
+          <a:r>
+            <a:rPr lang="ko-KR" altLang="en-US" sz="1100" b="0" kern="1200" dirty="0">
+              <a:solidFill>
+                <a:schemeClr val="tx1">
+                  <a:lumMod val="75000"/>
+                  <a:lumOff val="25000"/>
+                </a:schemeClr>
+              </a:solidFill>
+              <a:latin typeface="+mn-lt"/>
+            </a:rPr>
+            <a:t>카페 </a:t>
+          </a:r>
+          <a:r>
+            <a:rPr lang="en-US" altLang="ko-KR" sz="1100" b="0" kern="1200" dirty="0">
+              <a:solidFill>
+                <a:schemeClr val="tx1">
+                  <a:lumMod val="75000"/>
+                  <a:lumOff val="25000"/>
+                </a:schemeClr>
+              </a:solidFill>
+              <a:latin typeface="+mn-lt"/>
+            </a:rPr>
+            <a:t>, </a:t>
+          </a:r>
+          <a:r>
+            <a:rPr lang="ko-KR" altLang="en-US" sz="1100" b="0" kern="1200" dirty="0">
+              <a:solidFill>
+                <a:schemeClr val="tx1">
+                  <a:lumMod val="75000"/>
+                  <a:lumOff val="25000"/>
+                </a:schemeClr>
+              </a:solidFill>
+              <a:latin typeface="+mn-lt"/>
+            </a:rPr>
+            <a:t>음료</a:t>
+          </a:r>
         </a:p>
       </dsp:txBody>
       <dsp:txXfrm>
-        <a:off x="1691708" y="2696439"/>
-        <a:ext cx="6176704" cy="744546"/>
+        <a:off x="1845154" y="2695525"/>
+        <a:ext cx="6736957" cy="743819"/>
       </dsp:txXfrm>
     </dsp:sp>
     <dsp:sp modelId="{6E096DDC-14C4-46D7-B231-32A1E2CCD90A}">
@@ -4877,8 +5989,8 @@
       </dsp:nvSpPr>
       <dsp:spPr>
         <a:xfrm>
-          <a:off x="1573682" y="3440986"/>
-          <a:ext cx="6294730" cy="0"/>
+          <a:off x="1716422" y="3439344"/>
+          <a:ext cx="6865689" cy="0"/>
         </a:xfrm>
         <a:prstGeom prst="line">
           <a:avLst/>
@@ -8005,7 +9117,7 @@
           <a:p>
             <a:fld id="{1EB10115-D117-43B1-A50B-8388D87F6800}" type="datetimeFigureOut">
               <a:rPr lang="ko-KR" altLang="en-US" smtClean="0"/>
-              <a:t>2021-09-09</a:t>
+              <a:t>2021-09-10</a:t>
             </a:fld>
             <a:endParaRPr lang="ko-KR" altLang="en-US"/>
           </a:p>
@@ -14151,7 +15263,13 @@
           <p:cNvGraphicFramePr>
             <a:graphicFrameLocks noGrp="1"/>
           </p:cNvGraphicFramePr>
-          <p:nvPr/>
+          <p:nvPr>
+            <p:extLst>
+              <p:ext uri="{D42A27DB-BD31-4B8C-83A1-F6EECF244321}">
+                <p14:modId xmlns:p14="http://schemas.microsoft.com/office/powerpoint/2010/main" val="2010732855"/>
+              </p:ext>
+            </p:extLst>
+          </p:nvPr>
         </p:nvGraphicFramePr>
         <p:xfrm>
           <a:off x="1023827" y="2356589"/>
@@ -14222,23 +15340,121 @@
                           <a:spcPts val="0"/>
                         </a:spcAft>
                       </a:pPr>
+                      <a:endParaRPr lang="en-US" altLang="ko-KR" sz="1200" b="1" kern="0" spc="0" dirty="0">
+                        <a:solidFill>
+                          <a:srgbClr val="2AB9C7"/>
+                        </a:solidFill>
+                        <a:effectLst/>
+                        <a:latin typeface="맑은 고딕" panose="020B0503020000020004" pitchFamily="50" charset="-127"/>
+                        <a:ea typeface="맑은 고딕" panose="020B0503020000020004" pitchFamily="50" charset="-127"/>
+                      </a:endParaRPr>
+                    </a:p>
+                    <a:p>
+                      <a:pPr marL="0" marR="0" indent="0" algn="l" fontAlgn="base" latinLnBrk="0">
+                        <a:lnSpc>
+                          <a:spcPct val="130000"/>
+                        </a:lnSpc>
+                        <a:spcBef>
+                          <a:spcPts val="0"/>
+                        </a:spcBef>
+                        <a:spcAft>
+                          <a:spcPts val="0"/>
+                        </a:spcAft>
+                      </a:pPr>
                       <a:r>
-                        <a:rPr lang="ko-KR" altLang="en-US" sz="1200" b="0" kern="0" spc="0" dirty="0">
+                        <a:rPr lang="ko-KR" altLang="en-US" sz="1200" b="1" kern="0" spc="0" dirty="0">
                           <a:solidFill>
-                            <a:srgbClr val="191919"/>
+                            <a:srgbClr val="2AB9C7"/>
                           </a:solidFill>
                           <a:effectLst/>
                           <a:latin typeface="맑은 고딕" panose="020B0503020000020004" pitchFamily="50" charset="-127"/>
-                          <a:ea typeface="맑은 고딕" panose="020B0503020000020004" pitchFamily="50" charset="-127"/>
+                          <a:ea typeface="+mn-ea"/>
                         </a:rPr>
-                        <a:t>요구사항 요약</a:t>
+                        <a:t>브랜드 성장에 따른 소비자들의 웹사이트 </a:t>
                       </a:r>
-                      <a:endParaRPr lang="ko-KR" altLang="en-US" sz="1200" b="0" kern="0" spc="0" dirty="0">
+                      <a:r>
+                        <a:rPr lang="ko-KR" altLang="en-US" sz="1200" b="1" kern="0" spc="0" dirty="0" err="1">
+                          <a:solidFill>
+                            <a:srgbClr val="2AB9C7"/>
+                          </a:solidFill>
+                          <a:effectLst/>
+                          <a:latin typeface="맑은 고딕" panose="020B0503020000020004" pitchFamily="50" charset="-127"/>
+                          <a:ea typeface="+mn-ea"/>
+                        </a:rPr>
+                        <a:t>방문율</a:t>
+                      </a:r>
+                      <a:r>
+                        <a:rPr lang="ko-KR" altLang="en-US" sz="1200" b="1" kern="0" spc="0" dirty="0">
+                          <a:solidFill>
+                            <a:srgbClr val="2AB9C7"/>
+                          </a:solidFill>
+                          <a:effectLst/>
+                          <a:latin typeface="맑은 고딕" panose="020B0503020000020004" pitchFamily="50" charset="-127"/>
+                          <a:ea typeface="+mn-ea"/>
+                        </a:rPr>
+                        <a:t> 증가로 소비자들을 위한 사이트 개선이 </a:t>
+                      </a:r>
+                      <a:endParaRPr lang="en-US" altLang="ko-KR" sz="1200" b="1" kern="0" spc="0" dirty="0">
                         <a:solidFill>
-                          <a:srgbClr val="191919"/>
+                          <a:srgbClr val="2AB9C7"/>
                         </a:solidFill>
                         <a:effectLst/>
                         <a:latin typeface="맑은 고딕" panose="020B0503020000020004" pitchFamily="50" charset="-127"/>
+                        <a:ea typeface="+mn-ea"/>
+                      </a:endParaRPr>
+                    </a:p>
+                    <a:p>
+                      <a:pPr marL="0" marR="0" indent="0" algn="l" fontAlgn="base" latinLnBrk="0">
+                        <a:lnSpc>
+                          <a:spcPct val="130000"/>
+                        </a:lnSpc>
+                        <a:spcBef>
+                          <a:spcPts val="0"/>
+                        </a:spcBef>
+                        <a:spcAft>
+                          <a:spcPts val="0"/>
+                        </a:spcAft>
+                      </a:pPr>
+                      <a:r>
+                        <a:rPr lang="ko-KR" altLang="en-US" sz="1200" b="1" kern="0" spc="0" dirty="0">
+                          <a:solidFill>
+                            <a:srgbClr val="2AB9C7"/>
+                          </a:solidFill>
+                          <a:effectLst/>
+                          <a:latin typeface="맑은 고딕" panose="020B0503020000020004" pitchFamily="50" charset="-127"/>
+                          <a:ea typeface="+mn-ea"/>
+                        </a:rPr>
+                        <a:t>필요해 보이며</a:t>
+                      </a:r>
+                      <a:r>
+                        <a:rPr lang="en-US" altLang="ko-KR" sz="1200" b="1" kern="0" spc="0" dirty="0">
+                          <a:solidFill>
+                            <a:srgbClr val="2AB9C7"/>
+                          </a:solidFill>
+                          <a:effectLst/>
+                          <a:latin typeface="맑은 고딕" panose="020B0503020000020004" pitchFamily="50" charset="-127"/>
+                          <a:ea typeface="+mn-ea"/>
+                        </a:rPr>
+                        <a:t>, </a:t>
+                      </a:r>
+                      <a:r>
+                        <a:rPr lang="ko-KR" altLang="en-US" sz="1200" b="1" kern="0" spc="0" dirty="0">
+                          <a:solidFill>
+                            <a:srgbClr val="2AB9C7"/>
+                          </a:solidFill>
+                          <a:effectLst/>
+                          <a:latin typeface="맑은 고딕" panose="020B0503020000020004" pitchFamily="50" charset="-127"/>
+                          <a:ea typeface="+mn-ea"/>
+                        </a:rPr>
+                        <a:t>불필요한 부분들을 제거하고 보다 한눈에 보기 편한 쪽으로 수정되야 할 것으로 보임</a:t>
+                      </a:r>
+                      <a:endParaRPr lang="en-US" altLang="ko-KR" sz="1200" b="1" kern="0" spc="0" dirty="0">
+                        <a:solidFill>
+                          <a:srgbClr val="2AB9C7"/>
+                        </a:solidFill>
+                        <a:effectLst/>
+                        <a:latin typeface="맑은 고딕" panose="020B0503020000020004" pitchFamily="50" charset="-127"/>
+                        <a:ea typeface="맑은 고딕" panose="020B0503020000020004" pitchFamily="50" charset="-127"/>
                       </a:endParaRPr>
                     </a:p>
                   </a:txBody>
@@ -14539,10 +15755,10 @@
       </p:sp>
       <p:sp>
         <p:nvSpPr>
-          <p:cNvPr id="33" name="TextBox 32">
+          <p:cNvPr id="39" name="TextBox 38">
             <a:extLst>
               <a:ext uri="{FF2B5EF4-FFF2-40B4-BE49-F238E27FC236}">
-                <a16:creationId xmlns:a16="http://schemas.microsoft.com/office/drawing/2014/main" id="{D734594A-DB45-4DF0-86BB-C645904EA9E2}"/>
+                <a16:creationId xmlns:a16="http://schemas.microsoft.com/office/drawing/2014/main" id="{3239979B-B83C-40D4-AAA8-479E05F14654}"/>
               </a:ext>
             </a:extLst>
           </p:cNvPr>
@@ -14551,8 +15767,8 @@
         </p:nvSpPr>
         <p:spPr>
           <a:xfrm>
-            <a:off x="3654423" y="2539089"/>
-            <a:ext cx="557122" cy="242374"/>
+            <a:off x="6395019" y="3317922"/>
+            <a:ext cx="809114" cy="276999"/>
           </a:xfrm>
           <a:prstGeom prst="rect">
             <a:avLst/>
@@ -14567,16 +15783,2281 @@
           <a:p>
             <a:pPr algn="ctr"/>
             <a:r>
-              <a:rPr lang="ko-KR" altLang="en-US" sz="975" kern="0" dirty="0">
+              <a:rPr lang="ko-KR" altLang="en-US" sz="1200" kern="0" dirty="0">
                 <a:solidFill>
                   <a:srgbClr val="C75252"/>
                 </a:solidFill>
                 <a:latin typeface="맑은 고딕" panose="020B0503020000020004" pitchFamily="50" charset="-127"/>
                 <a:ea typeface="맑은 고딕" panose="020B0503020000020004" pitchFamily="50" charset="-127"/>
               </a:rPr>
-              <a:t>샘플</a:t>
+              <a:t>카페</a:t>
             </a:r>
-            <a:endParaRPr lang="ko-KR" altLang="en-US" sz="975" dirty="0"/>
+            <a:endParaRPr lang="en-US" altLang="ko-KR" sz="1200" kern="0" dirty="0">
+              <a:solidFill>
+                <a:srgbClr val="C75252"/>
+              </a:solidFill>
+              <a:latin typeface="맑은 고딕" panose="020B0503020000020004" pitchFamily="50" charset="-127"/>
+              <a:ea typeface="맑은 고딕" panose="020B0503020000020004" pitchFamily="50" charset="-127"/>
+            </a:endParaRPr>
+          </a:p>
+        </p:txBody>
+      </p:sp>
+      <p:sp>
+        <p:nvSpPr>
+          <p:cNvPr id="40" name="TextBox 39">
+            <a:extLst>
+              <a:ext uri="{FF2B5EF4-FFF2-40B4-BE49-F238E27FC236}">
+                <a16:creationId xmlns:a16="http://schemas.microsoft.com/office/drawing/2014/main" id="{E3AE9190-C909-4068-A592-4C78649A3937}"/>
+              </a:ext>
+            </a:extLst>
+          </p:cNvPr>
+          <p:cNvSpPr txBox="1"/>
+          <p:nvPr/>
+        </p:nvSpPr>
+        <p:spPr>
+          <a:xfrm>
+            <a:off x="6422429" y="2662676"/>
+            <a:ext cx="809114" cy="276999"/>
+          </a:xfrm>
+          <a:prstGeom prst="rect">
+            <a:avLst/>
+          </a:prstGeom>
+          <a:noFill/>
+        </p:spPr>
+        <p:txBody>
+          <a:bodyPr wrap="square">
+            <a:spAutoFit/>
+          </a:bodyPr>
+          <a:lstStyle/>
+          <a:p>
+            <a:pPr algn="ctr"/>
+            <a:r>
+              <a:rPr lang="ko-KR" altLang="en-US" sz="1200" kern="0" dirty="0">
+                <a:solidFill>
+                  <a:srgbClr val="C75252"/>
+                </a:solidFill>
+                <a:latin typeface="맑은 고딕" panose="020B0503020000020004" pitchFamily="50" charset="-127"/>
+                <a:ea typeface="맑은 고딕" panose="020B0503020000020004" pitchFamily="50" charset="-127"/>
+              </a:rPr>
+              <a:t>메가커피</a:t>
+            </a:r>
+            <a:endParaRPr lang="en-US" altLang="ko-KR" sz="1200" kern="0" dirty="0">
+              <a:solidFill>
+                <a:srgbClr val="C75252"/>
+              </a:solidFill>
+              <a:latin typeface="맑은 고딕" panose="020B0503020000020004" pitchFamily="50" charset="-127"/>
+              <a:ea typeface="맑은 고딕" panose="020B0503020000020004" pitchFamily="50" charset="-127"/>
+            </a:endParaRPr>
+          </a:p>
+        </p:txBody>
+      </p:sp>
+      <p:sp>
+        <p:nvSpPr>
+          <p:cNvPr id="41" name="TextBox 40">
+            <a:extLst>
+              <a:ext uri="{FF2B5EF4-FFF2-40B4-BE49-F238E27FC236}">
+                <a16:creationId xmlns:a16="http://schemas.microsoft.com/office/drawing/2014/main" id="{00808263-34DC-4599-A1AF-09531666D70E}"/>
+              </a:ext>
+            </a:extLst>
+          </p:cNvPr>
+          <p:cNvSpPr txBox="1"/>
+          <p:nvPr/>
+        </p:nvSpPr>
+        <p:spPr>
+          <a:xfrm>
+            <a:off x="6367024" y="4619861"/>
+            <a:ext cx="805857" cy="276999"/>
+          </a:xfrm>
+          <a:prstGeom prst="rect">
+            <a:avLst/>
+          </a:prstGeom>
+          <a:noFill/>
+        </p:spPr>
+        <p:txBody>
+          <a:bodyPr wrap="square">
+            <a:spAutoFit/>
+          </a:bodyPr>
+          <a:lstStyle/>
+          <a:p>
+            <a:pPr algn="ctr"/>
+            <a:r>
+              <a:rPr lang="ko-KR" altLang="en-US" sz="1200" kern="0" dirty="0">
+                <a:solidFill>
+                  <a:srgbClr val="C75252"/>
+                </a:solidFill>
+                <a:latin typeface="맑은 고딕" panose="020B0503020000020004" pitchFamily="50" charset="-127"/>
+                <a:ea typeface="맑은 고딕" panose="020B0503020000020004" pitchFamily="50" charset="-127"/>
+              </a:rPr>
+              <a:t>커피메뉴</a:t>
+            </a:r>
+            <a:endParaRPr lang="en-US" altLang="ko-KR" sz="1200" kern="0" dirty="0">
+              <a:solidFill>
+                <a:srgbClr val="C75252"/>
+              </a:solidFill>
+              <a:latin typeface="맑은 고딕" panose="020B0503020000020004" pitchFamily="50" charset="-127"/>
+              <a:ea typeface="맑은 고딕" panose="020B0503020000020004" pitchFamily="50" charset="-127"/>
+            </a:endParaRPr>
+          </a:p>
+        </p:txBody>
+      </p:sp>
+      <p:sp>
+        <p:nvSpPr>
+          <p:cNvPr id="42" name="TextBox 41">
+            <a:extLst>
+              <a:ext uri="{FF2B5EF4-FFF2-40B4-BE49-F238E27FC236}">
+                <a16:creationId xmlns:a16="http://schemas.microsoft.com/office/drawing/2014/main" id="{8B8EFCB9-6467-48FC-87E8-B6CBE382DA3B}"/>
+              </a:ext>
+            </a:extLst>
+          </p:cNvPr>
+          <p:cNvSpPr txBox="1"/>
+          <p:nvPr/>
+        </p:nvSpPr>
+        <p:spPr>
+          <a:xfrm>
+            <a:off x="5888620" y="3327113"/>
+            <a:ext cx="685688" cy="276999"/>
+          </a:xfrm>
+          <a:prstGeom prst="rect">
+            <a:avLst/>
+          </a:prstGeom>
+          <a:noFill/>
+        </p:spPr>
+        <p:txBody>
+          <a:bodyPr wrap="square">
+            <a:spAutoFit/>
+          </a:bodyPr>
+          <a:lstStyle/>
+          <a:p>
+            <a:pPr algn="ctr"/>
+            <a:r>
+              <a:rPr lang="ko-KR" altLang="en-US" sz="1200" kern="0" dirty="0">
+                <a:solidFill>
+                  <a:srgbClr val="C75252"/>
+                </a:solidFill>
+                <a:latin typeface="맑은 고딕" panose="020B0503020000020004" pitchFamily="50" charset="-127"/>
+                <a:ea typeface="맑은 고딕" panose="020B0503020000020004" pitchFamily="50" charset="-127"/>
+              </a:rPr>
+              <a:t>음료</a:t>
+            </a:r>
+            <a:endParaRPr lang="ko-KR" altLang="en-US" sz="1200" dirty="0"/>
+          </a:p>
+        </p:txBody>
+      </p:sp>
+      <p:sp>
+        <p:nvSpPr>
+          <p:cNvPr id="43" name="TextBox 42">
+            <a:extLst>
+              <a:ext uri="{FF2B5EF4-FFF2-40B4-BE49-F238E27FC236}">
+                <a16:creationId xmlns:a16="http://schemas.microsoft.com/office/drawing/2014/main" id="{60253AA1-07DF-4C13-A621-8474B504C1C4}"/>
+              </a:ext>
+            </a:extLst>
+          </p:cNvPr>
+          <p:cNvSpPr txBox="1"/>
+          <p:nvPr/>
+        </p:nvSpPr>
+        <p:spPr>
+          <a:xfrm>
+            <a:off x="5063216" y="4539689"/>
+            <a:ext cx="891514" cy="276999"/>
+          </a:xfrm>
+          <a:prstGeom prst="rect">
+            <a:avLst/>
+          </a:prstGeom>
+          <a:noFill/>
+        </p:spPr>
+        <p:txBody>
+          <a:bodyPr wrap="square">
+            <a:spAutoFit/>
+          </a:bodyPr>
+          <a:lstStyle/>
+          <a:p>
+            <a:pPr algn="ctr"/>
+            <a:r>
+              <a:rPr lang="ko-KR" altLang="en-US" sz="1200" kern="0" dirty="0">
+                <a:solidFill>
+                  <a:srgbClr val="C75252"/>
+                </a:solidFill>
+                <a:latin typeface="맑은 고딕" panose="020B0503020000020004" pitchFamily="50" charset="-127"/>
+                <a:ea typeface="맑은 고딕" panose="020B0503020000020004" pitchFamily="50" charset="-127"/>
+              </a:rPr>
+              <a:t>카페 창업</a:t>
+            </a:r>
+            <a:endParaRPr lang="ko-KR" altLang="en-US" sz="1200" dirty="0"/>
+          </a:p>
+        </p:txBody>
+      </p:sp>
+      <p:sp>
+        <p:nvSpPr>
+          <p:cNvPr id="44" name="TextBox 43">
+            <a:extLst>
+              <a:ext uri="{FF2B5EF4-FFF2-40B4-BE49-F238E27FC236}">
+                <a16:creationId xmlns:a16="http://schemas.microsoft.com/office/drawing/2014/main" id="{4754CDF6-D84A-4030-B4B5-C32099F2C766}"/>
+              </a:ext>
+            </a:extLst>
+          </p:cNvPr>
+          <p:cNvSpPr txBox="1"/>
+          <p:nvPr/>
+        </p:nvSpPr>
+        <p:spPr>
+          <a:xfrm>
+            <a:off x="7214308" y="3540964"/>
+            <a:ext cx="685688" cy="276999"/>
+          </a:xfrm>
+          <a:prstGeom prst="rect">
+            <a:avLst/>
+          </a:prstGeom>
+          <a:noFill/>
+        </p:spPr>
+        <p:txBody>
+          <a:bodyPr wrap="square">
+            <a:spAutoFit/>
+          </a:bodyPr>
+          <a:lstStyle/>
+          <a:p>
+            <a:pPr algn="ctr"/>
+            <a:r>
+              <a:rPr lang="ko-KR" altLang="en-US" sz="1200" kern="0" dirty="0">
+                <a:solidFill>
+                  <a:srgbClr val="C75252"/>
+                </a:solidFill>
+                <a:latin typeface="맑은 고딕" panose="020B0503020000020004" pitchFamily="50" charset="-127"/>
+                <a:ea typeface="맑은 고딕" panose="020B0503020000020004" pitchFamily="50" charset="-127"/>
+              </a:rPr>
+              <a:t>디저트</a:t>
+            </a:r>
+            <a:endParaRPr lang="ko-KR" altLang="en-US" sz="1200" dirty="0"/>
+          </a:p>
+        </p:txBody>
+      </p:sp>
+      <p:sp>
+        <p:nvSpPr>
+          <p:cNvPr id="45" name="TextBox 44">
+            <a:extLst>
+              <a:ext uri="{FF2B5EF4-FFF2-40B4-BE49-F238E27FC236}">
+                <a16:creationId xmlns:a16="http://schemas.microsoft.com/office/drawing/2014/main" id="{DB1838B3-E86F-4332-91E3-3D78C95EC8ED}"/>
+              </a:ext>
+            </a:extLst>
+          </p:cNvPr>
+          <p:cNvSpPr txBox="1"/>
+          <p:nvPr/>
+        </p:nvSpPr>
+        <p:spPr>
+          <a:xfrm>
+            <a:off x="5245685" y="5029498"/>
+            <a:ext cx="685688" cy="276999"/>
+          </a:xfrm>
+          <a:prstGeom prst="rect">
+            <a:avLst/>
+          </a:prstGeom>
+          <a:noFill/>
+        </p:spPr>
+        <p:txBody>
+          <a:bodyPr wrap="square">
+            <a:spAutoFit/>
+          </a:bodyPr>
+          <a:lstStyle/>
+          <a:p>
+            <a:pPr algn="ctr"/>
+            <a:r>
+              <a:rPr lang="ko-KR" altLang="en-US" sz="1200" kern="0" dirty="0">
+                <a:solidFill>
+                  <a:srgbClr val="C75252"/>
+                </a:solidFill>
+                <a:latin typeface="맑은 고딕" panose="020B0503020000020004" pitchFamily="50" charset="-127"/>
+                <a:ea typeface="맑은 고딕" panose="020B0503020000020004" pitchFamily="50" charset="-127"/>
+              </a:rPr>
+              <a:t>소자본</a:t>
+            </a:r>
+            <a:endParaRPr lang="en-US" altLang="ko-KR" sz="1200" kern="0" dirty="0">
+              <a:solidFill>
+                <a:srgbClr val="C75252"/>
+              </a:solidFill>
+              <a:latin typeface="맑은 고딕" panose="020B0503020000020004" pitchFamily="50" charset="-127"/>
+              <a:ea typeface="맑은 고딕" panose="020B0503020000020004" pitchFamily="50" charset="-127"/>
+            </a:endParaRPr>
+          </a:p>
+        </p:txBody>
+      </p:sp>
+      <p:sp>
+        <p:nvSpPr>
+          <p:cNvPr id="46" name="TextBox 45">
+            <a:extLst>
+              <a:ext uri="{FF2B5EF4-FFF2-40B4-BE49-F238E27FC236}">
+                <a16:creationId xmlns:a16="http://schemas.microsoft.com/office/drawing/2014/main" id="{B69857CD-A913-4EC3-AF80-5DB0EA1E685C}"/>
+              </a:ext>
+            </a:extLst>
+          </p:cNvPr>
+          <p:cNvSpPr txBox="1"/>
+          <p:nvPr/>
+        </p:nvSpPr>
+        <p:spPr>
+          <a:xfrm>
+            <a:off x="6363768" y="3557110"/>
+            <a:ext cx="809113" cy="276999"/>
+          </a:xfrm>
+          <a:prstGeom prst="rect">
+            <a:avLst/>
+          </a:prstGeom>
+          <a:noFill/>
+        </p:spPr>
+        <p:txBody>
+          <a:bodyPr wrap="square">
+            <a:spAutoFit/>
+          </a:bodyPr>
+          <a:lstStyle/>
+          <a:p>
+            <a:pPr algn="ctr"/>
+            <a:r>
+              <a:rPr lang="ko-KR" altLang="en-US" sz="1200" kern="0" dirty="0" err="1">
+                <a:solidFill>
+                  <a:srgbClr val="C75252"/>
+                </a:solidFill>
+                <a:latin typeface="맑은 고딕" panose="020B0503020000020004" pitchFamily="50" charset="-127"/>
+                <a:ea typeface="맑은 고딕" panose="020B0503020000020004" pitchFamily="50" charset="-127"/>
+              </a:rPr>
+              <a:t>콜드브루</a:t>
+            </a:r>
+            <a:endParaRPr lang="en-US" altLang="ko-KR" sz="1200" kern="0" dirty="0">
+              <a:solidFill>
+                <a:srgbClr val="C75252"/>
+              </a:solidFill>
+              <a:latin typeface="맑은 고딕" panose="020B0503020000020004" pitchFamily="50" charset="-127"/>
+              <a:ea typeface="맑은 고딕" panose="020B0503020000020004" pitchFamily="50" charset="-127"/>
+            </a:endParaRPr>
+          </a:p>
+        </p:txBody>
+      </p:sp>
+      <p:sp>
+        <p:nvSpPr>
+          <p:cNvPr id="47" name="TextBox 46">
+            <a:extLst>
+              <a:ext uri="{FF2B5EF4-FFF2-40B4-BE49-F238E27FC236}">
+                <a16:creationId xmlns:a16="http://schemas.microsoft.com/office/drawing/2014/main" id="{2DAF22DF-102B-4E71-BE52-A81798F89A17}"/>
+              </a:ext>
+            </a:extLst>
+          </p:cNvPr>
+          <p:cNvSpPr txBox="1"/>
+          <p:nvPr/>
+        </p:nvSpPr>
+        <p:spPr>
+          <a:xfrm>
+            <a:off x="6079586" y="3919765"/>
+            <a:ext cx="809114" cy="276999"/>
+          </a:xfrm>
+          <a:prstGeom prst="rect">
+            <a:avLst/>
+          </a:prstGeom>
+          <a:noFill/>
+        </p:spPr>
+        <p:txBody>
+          <a:bodyPr wrap="square">
+            <a:spAutoFit/>
+          </a:bodyPr>
+          <a:lstStyle/>
+          <a:p>
+            <a:pPr algn="ctr"/>
+            <a:r>
+              <a:rPr lang="ko-KR" altLang="en-US" sz="1200" kern="0" dirty="0">
+                <a:solidFill>
+                  <a:srgbClr val="C75252"/>
+                </a:solidFill>
+                <a:latin typeface="맑은 고딕" panose="020B0503020000020004" pitchFamily="50" charset="-127"/>
+                <a:ea typeface="맑은 고딕" panose="020B0503020000020004" pitchFamily="50" charset="-127"/>
+              </a:rPr>
+              <a:t>시즌메뉴</a:t>
+            </a:r>
+            <a:endParaRPr lang="en-US" altLang="ko-KR" sz="1200" kern="0" dirty="0">
+              <a:solidFill>
+                <a:srgbClr val="C75252"/>
+              </a:solidFill>
+              <a:latin typeface="맑은 고딕" panose="020B0503020000020004" pitchFamily="50" charset="-127"/>
+              <a:ea typeface="맑은 고딕" panose="020B0503020000020004" pitchFamily="50" charset="-127"/>
+            </a:endParaRPr>
+          </a:p>
+        </p:txBody>
+      </p:sp>
+      <p:sp>
+        <p:nvSpPr>
+          <p:cNvPr id="48" name="TextBox 47">
+            <a:extLst>
+              <a:ext uri="{FF2B5EF4-FFF2-40B4-BE49-F238E27FC236}">
+                <a16:creationId xmlns:a16="http://schemas.microsoft.com/office/drawing/2014/main" id="{209FAE5A-A2E0-4FDC-8EDD-CFBB37458436}"/>
+              </a:ext>
+            </a:extLst>
+          </p:cNvPr>
+          <p:cNvSpPr txBox="1"/>
+          <p:nvPr/>
+        </p:nvSpPr>
+        <p:spPr>
+          <a:xfrm>
+            <a:off x="5411286" y="4262690"/>
+            <a:ext cx="809114" cy="276999"/>
+          </a:xfrm>
+          <a:prstGeom prst="rect">
+            <a:avLst/>
+          </a:prstGeom>
+          <a:noFill/>
+        </p:spPr>
+        <p:txBody>
+          <a:bodyPr wrap="square">
+            <a:spAutoFit/>
+          </a:bodyPr>
+          <a:lstStyle/>
+          <a:p>
+            <a:pPr algn="ctr"/>
+            <a:r>
+              <a:rPr lang="ko-KR" altLang="en-US" sz="1200" kern="0" dirty="0">
+                <a:solidFill>
+                  <a:srgbClr val="C75252"/>
+                </a:solidFill>
+                <a:latin typeface="맑은 고딕" panose="020B0503020000020004" pitchFamily="50" charset="-127"/>
+                <a:ea typeface="맑은 고딕" panose="020B0503020000020004" pitchFamily="50" charset="-127"/>
+              </a:rPr>
+              <a:t>인테리어</a:t>
+            </a:r>
+            <a:endParaRPr lang="ko-KR" altLang="en-US" sz="1200" dirty="0"/>
+          </a:p>
+        </p:txBody>
+      </p:sp>
+      <p:sp>
+        <p:nvSpPr>
+          <p:cNvPr id="49" name="TextBox 48">
+            <a:extLst>
+              <a:ext uri="{FF2B5EF4-FFF2-40B4-BE49-F238E27FC236}">
+                <a16:creationId xmlns:a16="http://schemas.microsoft.com/office/drawing/2014/main" id="{FE60CE96-4395-4723-9A58-F330C73E0591}"/>
+              </a:ext>
+            </a:extLst>
+          </p:cNvPr>
+          <p:cNvSpPr txBox="1"/>
+          <p:nvPr/>
+        </p:nvSpPr>
+        <p:spPr>
+          <a:xfrm>
+            <a:off x="5340880" y="3839299"/>
+            <a:ext cx="809113" cy="276999"/>
+          </a:xfrm>
+          <a:prstGeom prst="rect">
+            <a:avLst/>
+          </a:prstGeom>
+          <a:noFill/>
+        </p:spPr>
+        <p:txBody>
+          <a:bodyPr wrap="square">
+            <a:spAutoFit/>
+          </a:bodyPr>
+          <a:lstStyle/>
+          <a:p>
+            <a:pPr algn="ctr"/>
+            <a:r>
+              <a:rPr lang="ko-KR" altLang="en-US" sz="1200" kern="0" dirty="0" err="1">
+                <a:solidFill>
+                  <a:srgbClr val="C75252"/>
+                </a:solidFill>
+                <a:latin typeface="맑은 고딕" panose="020B0503020000020004" pitchFamily="50" charset="-127"/>
+                <a:ea typeface="맑은 고딕" panose="020B0503020000020004" pitchFamily="50" charset="-127"/>
+              </a:rPr>
+              <a:t>빅사이즈</a:t>
+            </a:r>
+            <a:endParaRPr lang="ko-KR" altLang="en-US" sz="1200" dirty="0"/>
+          </a:p>
+        </p:txBody>
+      </p:sp>
+      <p:sp>
+        <p:nvSpPr>
+          <p:cNvPr id="50" name="TextBox 49">
+            <a:extLst>
+              <a:ext uri="{FF2B5EF4-FFF2-40B4-BE49-F238E27FC236}">
+                <a16:creationId xmlns:a16="http://schemas.microsoft.com/office/drawing/2014/main" id="{CB73F091-A6F0-4762-9A45-EF156C232D91}"/>
+              </a:ext>
+            </a:extLst>
+          </p:cNvPr>
+          <p:cNvSpPr txBox="1"/>
+          <p:nvPr/>
+        </p:nvSpPr>
+        <p:spPr>
+          <a:xfrm>
+            <a:off x="6260782" y="4166165"/>
+            <a:ext cx="685688" cy="276999"/>
+          </a:xfrm>
+          <a:prstGeom prst="rect">
+            <a:avLst/>
+          </a:prstGeom>
+          <a:noFill/>
+        </p:spPr>
+        <p:txBody>
+          <a:bodyPr wrap="square">
+            <a:spAutoFit/>
+          </a:bodyPr>
+          <a:lstStyle/>
+          <a:p>
+            <a:pPr algn="ctr"/>
+            <a:r>
+              <a:rPr lang="ko-KR" altLang="en-US" sz="1200" kern="0" dirty="0">
+                <a:solidFill>
+                  <a:srgbClr val="C75252"/>
+                </a:solidFill>
+                <a:latin typeface="맑은 고딕" panose="020B0503020000020004" pitchFamily="50" charset="-127"/>
+                <a:ea typeface="맑은 고딕" panose="020B0503020000020004" pitchFamily="50" charset="-127"/>
+              </a:rPr>
+              <a:t>원두</a:t>
+            </a:r>
+            <a:endParaRPr lang="ko-KR" altLang="en-US" sz="1200" dirty="0"/>
+          </a:p>
+        </p:txBody>
+      </p:sp>
+      <p:sp>
+        <p:nvSpPr>
+          <p:cNvPr id="51" name="TextBox 50">
+            <a:extLst>
+              <a:ext uri="{FF2B5EF4-FFF2-40B4-BE49-F238E27FC236}">
+                <a16:creationId xmlns:a16="http://schemas.microsoft.com/office/drawing/2014/main" id="{0648E207-A6C0-4F3F-9D36-8233E5BA6BBF}"/>
+              </a:ext>
+            </a:extLst>
+          </p:cNvPr>
+          <p:cNvSpPr txBox="1"/>
+          <p:nvPr/>
+        </p:nvSpPr>
+        <p:spPr>
+          <a:xfrm>
+            <a:off x="5473385" y="4067875"/>
+            <a:ext cx="921634" cy="276999"/>
+          </a:xfrm>
+          <a:prstGeom prst="rect">
+            <a:avLst/>
+          </a:prstGeom>
+          <a:noFill/>
+        </p:spPr>
+        <p:txBody>
+          <a:bodyPr wrap="square">
+            <a:spAutoFit/>
+          </a:bodyPr>
+          <a:lstStyle/>
+          <a:p>
+            <a:pPr algn="ctr"/>
+            <a:r>
+              <a:rPr lang="ko-KR" altLang="en-US" sz="1200" kern="0" dirty="0">
+                <a:solidFill>
+                  <a:srgbClr val="C75252"/>
+                </a:solidFill>
+                <a:latin typeface="맑은 고딕" panose="020B0503020000020004" pitchFamily="50" charset="-127"/>
+                <a:ea typeface="맑은 고딕" panose="020B0503020000020004" pitchFamily="50" charset="-127"/>
+              </a:rPr>
+              <a:t>매장 찾기</a:t>
+            </a:r>
+            <a:endParaRPr lang="en-US" altLang="ko-KR" sz="1200" kern="0" dirty="0">
+              <a:solidFill>
+                <a:srgbClr val="C75252"/>
+              </a:solidFill>
+              <a:latin typeface="맑은 고딕" panose="020B0503020000020004" pitchFamily="50" charset="-127"/>
+              <a:ea typeface="맑은 고딕" panose="020B0503020000020004" pitchFamily="50" charset="-127"/>
+            </a:endParaRPr>
+          </a:p>
+        </p:txBody>
+      </p:sp>
+      <p:sp>
+        <p:nvSpPr>
+          <p:cNvPr id="52" name="TextBox 51">
+            <a:extLst>
+              <a:ext uri="{FF2B5EF4-FFF2-40B4-BE49-F238E27FC236}">
+                <a16:creationId xmlns:a16="http://schemas.microsoft.com/office/drawing/2014/main" id="{1A1E758A-E97A-4509-87FD-A9CA54F59775}"/>
+              </a:ext>
+            </a:extLst>
+          </p:cNvPr>
+          <p:cNvSpPr txBox="1"/>
+          <p:nvPr/>
+        </p:nvSpPr>
+        <p:spPr>
+          <a:xfrm flipH="1">
+            <a:off x="5568772" y="4758361"/>
+            <a:ext cx="972177" cy="276999"/>
+          </a:xfrm>
+          <a:prstGeom prst="rect">
+            <a:avLst/>
+          </a:prstGeom>
+          <a:noFill/>
+        </p:spPr>
+        <p:txBody>
+          <a:bodyPr wrap="square">
+            <a:spAutoFit/>
+          </a:bodyPr>
+          <a:lstStyle/>
+          <a:p>
+            <a:pPr algn="ctr"/>
+            <a:r>
+              <a:rPr lang="ko-KR" altLang="en-US" sz="1200" kern="0" dirty="0" err="1">
+                <a:solidFill>
+                  <a:srgbClr val="C75252"/>
+                </a:solidFill>
+                <a:latin typeface="맑은 고딕" panose="020B0503020000020004" pitchFamily="50" charset="-127"/>
+                <a:ea typeface="맑은 고딕" panose="020B0503020000020004" pitchFamily="50" charset="-127"/>
+              </a:rPr>
+              <a:t>프렌차이즈</a:t>
+            </a:r>
+            <a:endParaRPr lang="en-US" altLang="ko-KR" sz="1200" kern="0" dirty="0">
+              <a:solidFill>
+                <a:srgbClr val="C75252"/>
+              </a:solidFill>
+              <a:latin typeface="맑은 고딕" panose="020B0503020000020004" pitchFamily="50" charset="-127"/>
+              <a:ea typeface="맑은 고딕" panose="020B0503020000020004" pitchFamily="50" charset="-127"/>
+            </a:endParaRPr>
+          </a:p>
+        </p:txBody>
+      </p:sp>
+      <p:sp>
+        <p:nvSpPr>
+          <p:cNvPr id="53" name="TextBox 52">
+            <a:extLst>
+              <a:ext uri="{FF2B5EF4-FFF2-40B4-BE49-F238E27FC236}">
+                <a16:creationId xmlns:a16="http://schemas.microsoft.com/office/drawing/2014/main" id="{0DF0BCF1-3EB7-4762-9E90-A43557293799}"/>
+              </a:ext>
+            </a:extLst>
+          </p:cNvPr>
+          <p:cNvSpPr txBox="1"/>
+          <p:nvPr/>
+        </p:nvSpPr>
+        <p:spPr>
+          <a:xfrm>
+            <a:off x="6760505" y="3055222"/>
+            <a:ext cx="685688" cy="276999"/>
+          </a:xfrm>
+          <a:prstGeom prst="rect">
+            <a:avLst/>
+          </a:prstGeom>
+          <a:noFill/>
+        </p:spPr>
+        <p:txBody>
+          <a:bodyPr wrap="square">
+            <a:spAutoFit/>
+          </a:bodyPr>
+          <a:lstStyle/>
+          <a:p>
+            <a:pPr algn="ctr"/>
+            <a:r>
+              <a:rPr lang="ko-KR" altLang="en-US" sz="1200" kern="0" dirty="0" err="1">
+                <a:solidFill>
+                  <a:srgbClr val="C75252"/>
+                </a:solidFill>
+                <a:latin typeface="맑은 고딕" panose="020B0503020000020004" pitchFamily="50" charset="-127"/>
+                <a:ea typeface="맑은 고딕" panose="020B0503020000020004" pitchFamily="50" charset="-127"/>
+              </a:rPr>
+              <a:t>프라페</a:t>
+            </a:r>
+            <a:endParaRPr lang="ko-KR" altLang="en-US" sz="1200" dirty="0"/>
+          </a:p>
+        </p:txBody>
+      </p:sp>
+      <p:sp>
+        <p:nvSpPr>
+          <p:cNvPr id="54" name="TextBox 53">
+            <a:extLst>
+              <a:ext uri="{FF2B5EF4-FFF2-40B4-BE49-F238E27FC236}">
+                <a16:creationId xmlns:a16="http://schemas.microsoft.com/office/drawing/2014/main" id="{C4504E35-EF5C-4AF8-B3E9-0C197FD8DF08}"/>
+              </a:ext>
+            </a:extLst>
+          </p:cNvPr>
+          <p:cNvSpPr txBox="1"/>
+          <p:nvPr/>
+        </p:nvSpPr>
+        <p:spPr>
+          <a:xfrm>
+            <a:off x="5888620" y="4445878"/>
+            <a:ext cx="685688" cy="276999"/>
+          </a:xfrm>
+          <a:prstGeom prst="rect">
+            <a:avLst/>
+          </a:prstGeom>
+          <a:noFill/>
+        </p:spPr>
+        <p:txBody>
+          <a:bodyPr wrap="square">
+            <a:spAutoFit/>
+          </a:bodyPr>
+          <a:lstStyle/>
+          <a:p>
+            <a:pPr algn="ctr"/>
+            <a:r>
+              <a:rPr lang="ko-KR" altLang="en-US" sz="1200" kern="0" dirty="0">
+                <a:solidFill>
+                  <a:srgbClr val="C75252"/>
+                </a:solidFill>
+                <a:latin typeface="맑은 고딕" panose="020B0503020000020004" pitchFamily="50" charset="-127"/>
+                <a:ea typeface="맑은 고딕" panose="020B0503020000020004" pitchFamily="50" charset="-127"/>
+              </a:rPr>
+              <a:t>대용량</a:t>
+            </a:r>
+            <a:endParaRPr lang="ko-KR" altLang="en-US" sz="1200" dirty="0"/>
+          </a:p>
+        </p:txBody>
+      </p:sp>
+      <p:sp>
+        <p:nvSpPr>
+          <p:cNvPr id="55" name="TextBox 54">
+            <a:extLst>
+              <a:ext uri="{FF2B5EF4-FFF2-40B4-BE49-F238E27FC236}">
+                <a16:creationId xmlns:a16="http://schemas.microsoft.com/office/drawing/2014/main" id="{D3E88C0F-490B-4A70-825D-0457D7362AF5}"/>
+              </a:ext>
+            </a:extLst>
+          </p:cNvPr>
+          <p:cNvSpPr txBox="1"/>
+          <p:nvPr/>
+        </p:nvSpPr>
+        <p:spPr>
+          <a:xfrm>
+            <a:off x="5697057" y="2650107"/>
+            <a:ext cx="817355" cy="276999"/>
+          </a:xfrm>
+          <a:prstGeom prst="rect">
+            <a:avLst/>
+          </a:prstGeom>
+          <a:noFill/>
+        </p:spPr>
+        <p:txBody>
+          <a:bodyPr wrap="square">
+            <a:spAutoFit/>
+          </a:bodyPr>
+          <a:lstStyle/>
+          <a:p>
+            <a:pPr algn="ctr"/>
+            <a:r>
+              <a:rPr lang="ko-KR" altLang="en-US" sz="1200" kern="0" dirty="0">
+                <a:solidFill>
+                  <a:srgbClr val="C75252"/>
+                </a:solidFill>
+                <a:latin typeface="맑은 고딕" panose="020B0503020000020004" pitchFamily="50" charset="-127"/>
+                <a:ea typeface="맑은 고딕" panose="020B0503020000020004" pitchFamily="50" charset="-127"/>
+              </a:rPr>
+              <a:t>추천메뉴</a:t>
+            </a:r>
+            <a:endParaRPr lang="ko-KR" altLang="en-US" sz="1200" dirty="0"/>
+          </a:p>
+        </p:txBody>
+      </p:sp>
+      <p:sp>
+        <p:nvSpPr>
+          <p:cNvPr id="56" name="TextBox 55">
+            <a:extLst>
+              <a:ext uri="{FF2B5EF4-FFF2-40B4-BE49-F238E27FC236}">
+                <a16:creationId xmlns:a16="http://schemas.microsoft.com/office/drawing/2014/main" id="{17AA81BD-8300-4942-81C7-6CF97755C4C3}"/>
+              </a:ext>
+            </a:extLst>
+          </p:cNvPr>
+          <p:cNvSpPr txBox="1"/>
+          <p:nvPr/>
+        </p:nvSpPr>
+        <p:spPr>
+          <a:xfrm>
+            <a:off x="5902582" y="2984445"/>
+            <a:ext cx="685688" cy="276999"/>
+          </a:xfrm>
+          <a:prstGeom prst="rect">
+            <a:avLst/>
+          </a:prstGeom>
+          <a:noFill/>
+        </p:spPr>
+        <p:txBody>
+          <a:bodyPr wrap="square">
+            <a:spAutoFit/>
+          </a:bodyPr>
+          <a:lstStyle/>
+          <a:p>
+            <a:pPr algn="ctr"/>
+            <a:r>
+              <a:rPr lang="ko-KR" altLang="en-US" sz="1200" kern="0" dirty="0" err="1">
+                <a:solidFill>
+                  <a:srgbClr val="C75252"/>
+                </a:solidFill>
+                <a:latin typeface="맑은 고딕" panose="020B0503020000020004" pitchFamily="50" charset="-127"/>
+                <a:ea typeface="맑은 고딕" panose="020B0503020000020004" pitchFamily="50" charset="-127"/>
+              </a:rPr>
+              <a:t>가성비</a:t>
+            </a:r>
+            <a:endParaRPr lang="ko-KR" altLang="en-US" sz="1200" dirty="0"/>
+          </a:p>
+        </p:txBody>
+      </p:sp>
+      <p:sp>
+        <p:nvSpPr>
+          <p:cNvPr id="57" name="TextBox 56">
+            <a:extLst>
+              <a:ext uri="{FF2B5EF4-FFF2-40B4-BE49-F238E27FC236}">
+                <a16:creationId xmlns:a16="http://schemas.microsoft.com/office/drawing/2014/main" id="{5CA11926-77EE-43E4-9595-FC19BF9C108B}"/>
+              </a:ext>
+            </a:extLst>
+          </p:cNvPr>
+          <p:cNvSpPr txBox="1"/>
+          <p:nvPr/>
+        </p:nvSpPr>
+        <p:spPr>
+          <a:xfrm>
+            <a:off x="5272264" y="3522447"/>
+            <a:ext cx="891344" cy="276999"/>
+          </a:xfrm>
+          <a:prstGeom prst="rect">
+            <a:avLst/>
+          </a:prstGeom>
+          <a:noFill/>
+        </p:spPr>
+        <p:txBody>
+          <a:bodyPr wrap="square">
+            <a:spAutoFit/>
+          </a:bodyPr>
+          <a:lstStyle/>
+          <a:p>
+            <a:pPr algn="ctr"/>
+            <a:r>
+              <a:rPr lang="ko-KR" altLang="en-US" sz="1200" kern="0" dirty="0" err="1">
+                <a:solidFill>
+                  <a:srgbClr val="C75252"/>
+                </a:solidFill>
+                <a:latin typeface="맑은 고딕" panose="020B0503020000020004" pitchFamily="50" charset="-127"/>
+                <a:ea typeface="맑은 고딕" panose="020B0503020000020004" pitchFamily="50" charset="-127"/>
+              </a:rPr>
+              <a:t>창업초보</a:t>
+            </a:r>
+            <a:endParaRPr lang="ko-KR" altLang="en-US" sz="1200" dirty="0"/>
+          </a:p>
+        </p:txBody>
+      </p:sp>
+      <p:sp>
+        <p:nvSpPr>
+          <p:cNvPr id="58" name="TextBox 57">
+            <a:extLst>
+              <a:ext uri="{FF2B5EF4-FFF2-40B4-BE49-F238E27FC236}">
+                <a16:creationId xmlns:a16="http://schemas.microsoft.com/office/drawing/2014/main" id="{7D2DCD48-3155-4D95-B1F4-FB8B31CDC53E}"/>
+              </a:ext>
+            </a:extLst>
+          </p:cNvPr>
+          <p:cNvSpPr txBox="1"/>
+          <p:nvPr/>
+        </p:nvSpPr>
+        <p:spPr>
+          <a:xfrm>
+            <a:off x="5107485" y="3197683"/>
+            <a:ext cx="813157" cy="276999"/>
+          </a:xfrm>
+          <a:prstGeom prst="rect">
+            <a:avLst/>
+          </a:prstGeom>
+          <a:noFill/>
+        </p:spPr>
+        <p:txBody>
+          <a:bodyPr wrap="square">
+            <a:spAutoFit/>
+          </a:bodyPr>
+          <a:lstStyle/>
+          <a:p>
+            <a:pPr algn="ctr"/>
+            <a:r>
+              <a:rPr lang="ko-KR" altLang="en-US" sz="1200" kern="0">
+                <a:solidFill>
+                  <a:srgbClr val="C75252"/>
+                </a:solidFill>
+                <a:latin typeface="맑은 고딕" panose="020B0503020000020004" pitchFamily="50" charset="-127"/>
+                <a:ea typeface="맑은 고딕" panose="020B0503020000020004" pitchFamily="50" charset="-127"/>
+              </a:rPr>
+              <a:t>커피배달</a:t>
+            </a:r>
+            <a:endParaRPr lang="ko-KR" altLang="en-US" sz="1200" dirty="0"/>
+          </a:p>
+        </p:txBody>
+      </p:sp>
+      <p:sp>
+        <p:nvSpPr>
+          <p:cNvPr id="59" name="TextBox 58">
+            <a:extLst>
+              <a:ext uri="{FF2B5EF4-FFF2-40B4-BE49-F238E27FC236}">
+                <a16:creationId xmlns:a16="http://schemas.microsoft.com/office/drawing/2014/main" id="{D8423C12-BA6C-414C-83C9-4A3D9E5CDCF9}"/>
+              </a:ext>
+            </a:extLst>
+          </p:cNvPr>
+          <p:cNvSpPr txBox="1"/>
+          <p:nvPr/>
+        </p:nvSpPr>
+        <p:spPr>
+          <a:xfrm>
+            <a:off x="6705014" y="3839298"/>
+            <a:ext cx="1053059" cy="276999"/>
+          </a:xfrm>
+          <a:prstGeom prst="rect">
+            <a:avLst/>
+          </a:prstGeom>
+          <a:noFill/>
+        </p:spPr>
+        <p:txBody>
+          <a:bodyPr wrap="square">
+            <a:spAutoFit/>
+          </a:bodyPr>
+          <a:lstStyle/>
+          <a:p>
+            <a:pPr algn="ctr"/>
+            <a:r>
+              <a:rPr lang="ko-KR" altLang="en-US" sz="1200" kern="0" dirty="0" err="1">
+                <a:solidFill>
+                  <a:srgbClr val="C75252"/>
+                </a:solidFill>
+                <a:latin typeface="맑은 고딕" panose="020B0503020000020004" pitchFamily="50" charset="-127"/>
+                <a:ea typeface="맑은 고딕" panose="020B0503020000020004" pitchFamily="50" charset="-127"/>
+              </a:rPr>
+              <a:t>메가커피앱</a:t>
+            </a:r>
+            <a:endParaRPr lang="ko-KR" altLang="en-US" sz="1200" dirty="0"/>
+          </a:p>
+        </p:txBody>
+      </p:sp>
+      <p:sp>
+        <p:nvSpPr>
+          <p:cNvPr id="60" name="TextBox 59">
+            <a:extLst>
+              <a:ext uri="{FF2B5EF4-FFF2-40B4-BE49-F238E27FC236}">
+                <a16:creationId xmlns:a16="http://schemas.microsoft.com/office/drawing/2014/main" id="{57021B58-175C-4D86-9B61-5AE0B73C48ED}"/>
+              </a:ext>
+            </a:extLst>
+          </p:cNvPr>
+          <p:cNvSpPr txBox="1"/>
+          <p:nvPr/>
+        </p:nvSpPr>
+        <p:spPr>
+          <a:xfrm>
+            <a:off x="7220386" y="2644481"/>
+            <a:ext cx="685688" cy="276999"/>
+          </a:xfrm>
+          <a:prstGeom prst="rect">
+            <a:avLst/>
+          </a:prstGeom>
+          <a:noFill/>
+        </p:spPr>
+        <p:txBody>
+          <a:bodyPr wrap="square">
+            <a:spAutoFit/>
+          </a:bodyPr>
+          <a:lstStyle/>
+          <a:p>
+            <a:pPr algn="ctr"/>
+            <a:r>
+              <a:rPr lang="ko-KR" altLang="en-US" sz="1200" kern="0" dirty="0" err="1">
+                <a:solidFill>
+                  <a:srgbClr val="C75252"/>
+                </a:solidFill>
+                <a:latin typeface="맑은 고딕" panose="020B0503020000020004" pitchFamily="50" charset="-127"/>
+                <a:ea typeface="맑은 고딕" panose="020B0503020000020004" pitchFamily="50" charset="-127"/>
+              </a:rPr>
+              <a:t>스무디</a:t>
+            </a:r>
+            <a:endParaRPr lang="ko-KR" altLang="en-US" sz="1200" dirty="0"/>
+          </a:p>
+        </p:txBody>
+      </p:sp>
+      <p:sp>
+        <p:nvSpPr>
+          <p:cNvPr id="61" name="TextBox 60">
+            <a:extLst>
+              <a:ext uri="{FF2B5EF4-FFF2-40B4-BE49-F238E27FC236}">
+                <a16:creationId xmlns:a16="http://schemas.microsoft.com/office/drawing/2014/main" id="{7C8D48D1-8A67-4234-BF8A-9E64AB98AE39}"/>
+              </a:ext>
+            </a:extLst>
+          </p:cNvPr>
+          <p:cNvSpPr txBox="1"/>
+          <p:nvPr/>
+        </p:nvSpPr>
+        <p:spPr>
+          <a:xfrm>
+            <a:off x="6838720" y="2373108"/>
+            <a:ext cx="685688" cy="276999"/>
+          </a:xfrm>
+          <a:prstGeom prst="rect">
+            <a:avLst/>
+          </a:prstGeom>
+          <a:noFill/>
+        </p:spPr>
+        <p:txBody>
+          <a:bodyPr wrap="square">
+            <a:spAutoFit/>
+          </a:bodyPr>
+          <a:lstStyle/>
+          <a:p>
+            <a:pPr algn="ctr"/>
+            <a:r>
+              <a:rPr lang="ko-KR" altLang="en-US" sz="1200" kern="0" dirty="0">
+                <a:solidFill>
+                  <a:srgbClr val="C75252"/>
+                </a:solidFill>
+                <a:latin typeface="맑은 고딕" panose="020B0503020000020004" pitchFamily="50" charset="-127"/>
+                <a:ea typeface="맑은 고딕" panose="020B0503020000020004" pitchFamily="50" charset="-127"/>
+              </a:rPr>
+              <a:t>에이드</a:t>
+            </a:r>
+            <a:endParaRPr lang="ko-KR" altLang="en-US" sz="1200" dirty="0"/>
+          </a:p>
+        </p:txBody>
+      </p:sp>
+      <p:sp>
+        <p:nvSpPr>
+          <p:cNvPr id="62" name="TextBox 61">
+            <a:extLst>
+              <a:ext uri="{FF2B5EF4-FFF2-40B4-BE49-F238E27FC236}">
+                <a16:creationId xmlns:a16="http://schemas.microsoft.com/office/drawing/2014/main" id="{249FACAA-AE37-4EDC-BEBE-286F3AF84310}"/>
+              </a:ext>
+            </a:extLst>
+          </p:cNvPr>
+          <p:cNvSpPr txBox="1"/>
+          <p:nvPr/>
+        </p:nvSpPr>
+        <p:spPr>
+          <a:xfrm>
+            <a:off x="5931373" y="5098868"/>
+            <a:ext cx="685688" cy="276999"/>
+          </a:xfrm>
+          <a:prstGeom prst="rect">
+            <a:avLst/>
+          </a:prstGeom>
+          <a:noFill/>
+        </p:spPr>
+        <p:txBody>
+          <a:bodyPr wrap="square">
+            <a:spAutoFit/>
+          </a:bodyPr>
+          <a:lstStyle/>
+          <a:p>
+            <a:pPr algn="ctr"/>
+            <a:r>
+              <a:rPr lang="ko-KR" altLang="en-US" sz="1200" kern="0" dirty="0">
+                <a:solidFill>
+                  <a:srgbClr val="C75252"/>
+                </a:solidFill>
+                <a:latin typeface="맑은 고딕" panose="020B0503020000020004" pitchFamily="50" charset="-127"/>
+                <a:ea typeface="맑은 고딕" panose="020B0503020000020004" pitchFamily="50" charset="-127"/>
+              </a:rPr>
+              <a:t>멤버십</a:t>
+            </a:r>
+            <a:endParaRPr lang="ko-KR" altLang="en-US" sz="1200" dirty="0"/>
+          </a:p>
+        </p:txBody>
+      </p:sp>
+      <p:sp>
+        <p:nvSpPr>
+          <p:cNvPr id="63" name="TextBox 62">
+            <a:extLst>
+              <a:ext uri="{FF2B5EF4-FFF2-40B4-BE49-F238E27FC236}">
+                <a16:creationId xmlns:a16="http://schemas.microsoft.com/office/drawing/2014/main" id="{3865366F-CF53-4999-A89D-34197A09F85F}"/>
+              </a:ext>
+            </a:extLst>
+          </p:cNvPr>
+          <p:cNvSpPr txBox="1"/>
+          <p:nvPr/>
+        </p:nvSpPr>
+        <p:spPr>
+          <a:xfrm>
+            <a:off x="7366987" y="2986490"/>
+            <a:ext cx="685688" cy="276999"/>
+          </a:xfrm>
+          <a:prstGeom prst="rect">
+            <a:avLst/>
+          </a:prstGeom>
+          <a:noFill/>
+        </p:spPr>
+        <p:txBody>
+          <a:bodyPr wrap="square">
+            <a:spAutoFit/>
+          </a:bodyPr>
+          <a:lstStyle/>
+          <a:p>
+            <a:pPr algn="ctr"/>
+            <a:r>
+              <a:rPr lang="ko-KR" altLang="en-US" sz="1200" kern="0" dirty="0">
+                <a:solidFill>
+                  <a:srgbClr val="C75252"/>
+                </a:solidFill>
+                <a:latin typeface="맑은 고딕" panose="020B0503020000020004" pitchFamily="50" charset="-127"/>
+                <a:ea typeface="맑은 고딕" panose="020B0503020000020004" pitchFamily="50" charset="-127"/>
+              </a:rPr>
+              <a:t>커피</a:t>
+            </a:r>
+            <a:endParaRPr lang="ko-KR" altLang="en-US" sz="1200" dirty="0"/>
+          </a:p>
+        </p:txBody>
+      </p:sp>
+      <p:sp>
+        <p:nvSpPr>
+          <p:cNvPr id="64" name="타원 63">
+            <a:extLst>
+              <a:ext uri="{FF2B5EF4-FFF2-40B4-BE49-F238E27FC236}">
+                <a16:creationId xmlns:a16="http://schemas.microsoft.com/office/drawing/2014/main" id="{0E54BD7A-4607-4318-A0CC-A89A67B12D85}"/>
+              </a:ext>
+            </a:extLst>
+          </p:cNvPr>
+          <p:cNvSpPr/>
+          <p:nvPr/>
+        </p:nvSpPr>
+        <p:spPr>
+          <a:xfrm>
+            <a:off x="5191091" y="4174516"/>
+            <a:ext cx="1221575" cy="1208708"/>
+          </a:xfrm>
+          <a:prstGeom prst="ellipse">
+            <a:avLst/>
+          </a:prstGeom>
+          <a:noFill/>
+        </p:spPr>
+        <p:style>
+          <a:lnRef idx="2">
+            <a:schemeClr val="accent1">
+              <a:shade val="50000"/>
+            </a:schemeClr>
+          </a:lnRef>
+          <a:fillRef idx="1">
+            <a:schemeClr val="accent1"/>
+          </a:fillRef>
+          <a:effectRef idx="0">
+            <a:schemeClr val="accent1"/>
+          </a:effectRef>
+          <a:fontRef idx="minor">
+            <a:schemeClr val="lt1"/>
+          </a:fontRef>
+        </p:style>
+        <p:txBody>
+          <a:bodyPr rtlCol="0" anchor="ctr"/>
+          <a:lstStyle/>
+          <a:p>
+            <a:pPr algn="ctr"/>
+            <a:endParaRPr lang="ko-KR" altLang="en-US"/>
+          </a:p>
+        </p:txBody>
+      </p:sp>
+      <p:sp>
+        <p:nvSpPr>
+          <p:cNvPr id="65" name="타원 64">
+            <a:extLst>
+              <a:ext uri="{FF2B5EF4-FFF2-40B4-BE49-F238E27FC236}">
+                <a16:creationId xmlns:a16="http://schemas.microsoft.com/office/drawing/2014/main" id="{5B9C79EC-54B9-4448-A41B-49168463E8C2}"/>
+              </a:ext>
+            </a:extLst>
+          </p:cNvPr>
+          <p:cNvSpPr/>
+          <p:nvPr/>
+        </p:nvSpPr>
+        <p:spPr>
+          <a:xfrm>
+            <a:off x="6023166" y="2375777"/>
+            <a:ext cx="1017712" cy="986114"/>
+          </a:xfrm>
+          <a:prstGeom prst="ellipse">
+            <a:avLst/>
+          </a:prstGeom>
+          <a:noFill/>
+          <a:ln>
+            <a:solidFill>
+              <a:srgbClr val="FF0000"/>
+            </a:solidFill>
+          </a:ln>
+        </p:spPr>
+        <p:style>
+          <a:lnRef idx="2">
+            <a:schemeClr val="accent1">
+              <a:shade val="50000"/>
+            </a:schemeClr>
+          </a:lnRef>
+          <a:fillRef idx="1">
+            <a:schemeClr val="accent1"/>
+          </a:fillRef>
+          <a:effectRef idx="0">
+            <a:schemeClr val="accent1"/>
+          </a:effectRef>
+          <a:fontRef idx="minor">
+            <a:schemeClr val="lt1"/>
+          </a:fontRef>
+        </p:style>
+        <p:txBody>
+          <a:bodyPr rtlCol="0" anchor="ctr"/>
+          <a:lstStyle/>
+          <a:p>
+            <a:pPr algn="ctr"/>
+            <a:endParaRPr lang="ko-KR" altLang="en-US"/>
+          </a:p>
+        </p:txBody>
+      </p:sp>
+      <p:sp>
+        <p:nvSpPr>
+          <p:cNvPr id="66" name="화살표: 아래쪽 65">
+            <a:extLst>
+              <a:ext uri="{FF2B5EF4-FFF2-40B4-BE49-F238E27FC236}">
+                <a16:creationId xmlns:a16="http://schemas.microsoft.com/office/drawing/2014/main" id="{6C80C1CA-D47C-44F2-A936-D1E71ABBEBAD}"/>
+              </a:ext>
+            </a:extLst>
+          </p:cNvPr>
+          <p:cNvSpPr/>
+          <p:nvPr/>
+        </p:nvSpPr>
+        <p:spPr>
+          <a:xfrm rot="12223570">
+            <a:off x="5990719" y="3186212"/>
+            <a:ext cx="342844" cy="1184112"/>
+          </a:xfrm>
+          <a:prstGeom prst="downArrow">
+            <a:avLst>
+              <a:gd name="adj1" fmla="val 50000"/>
+              <a:gd name="adj2" fmla="val 57768"/>
+            </a:avLst>
+          </a:prstGeom>
+          <a:noFill/>
+          <a:ln>
+            <a:solidFill>
+              <a:srgbClr val="FFC000"/>
+            </a:solidFill>
+          </a:ln>
+        </p:spPr>
+        <p:style>
+          <a:lnRef idx="2">
+            <a:schemeClr val="accent1">
+              <a:shade val="50000"/>
+            </a:schemeClr>
+          </a:lnRef>
+          <a:fillRef idx="1">
+            <a:schemeClr val="accent1"/>
+          </a:fillRef>
+          <a:effectRef idx="0">
+            <a:schemeClr val="accent1"/>
+          </a:effectRef>
+          <a:fontRef idx="minor">
+            <a:schemeClr val="lt1"/>
+          </a:fontRef>
+        </p:style>
+        <p:txBody>
+          <a:bodyPr rtlCol="0" anchor="ctr"/>
+          <a:lstStyle/>
+          <a:p>
+            <a:pPr algn="ctr"/>
+            <a:endParaRPr lang="ko-KR" altLang="en-US"/>
+          </a:p>
+        </p:txBody>
+      </p:sp>
+      <p:sp>
+        <p:nvSpPr>
+          <p:cNvPr id="67" name="TextBox 66">
+            <a:extLst>
+              <a:ext uri="{FF2B5EF4-FFF2-40B4-BE49-F238E27FC236}">
+                <a16:creationId xmlns:a16="http://schemas.microsoft.com/office/drawing/2014/main" id="{7BD43923-68AC-420C-A549-5142769C4189}"/>
+              </a:ext>
+            </a:extLst>
+          </p:cNvPr>
+          <p:cNvSpPr txBox="1"/>
+          <p:nvPr/>
+        </p:nvSpPr>
+        <p:spPr>
+          <a:xfrm>
+            <a:off x="860098" y="2721711"/>
+            <a:ext cx="809114" cy="276999"/>
+          </a:xfrm>
+          <a:prstGeom prst="rect">
+            <a:avLst/>
+          </a:prstGeom>
+          <a:noFill/>
+        </p:spPr>
+        <p:txBody>
+          <a:bodyPr wrap="square">
+            <a:spAutoFit/>
+          </a:bodyPr>
+          <a:lstStyle/>
+          <a:p>
+            <a:pPr algn="ctr"/>
+            <a:r>
+              <a:rPr lang="ko-KR" altLang="en-US" sz="1200" kern="0" dirty="0">
+                <a:solidFill>
+                  <a:srgbClr val="C75252"/>
+                </a:solidFill>
+                <a:latin typeface="맑은 고딕" panose="020B0503020000020004" pitchFamily="50" charset="-127"/>
+                <a:ea typeface="맑은 고딕" panose="020B0503020000020004" pitchFamily="50" charset="-127"/>
+              </a:rPr>
+              <a:t>메가커피</a:t>
+            </a:r>
+            <a:endParaRPr lang="en-US" altLang="ko-KR" sz="1200" kern="0" dirty="0">
+              <a:solidFill>
+                <a:srgbClr val="C75252"/>
+              </a:solidFill>
+              <a:latin typeface="맑은 고딕" panose="020B0503020000020004" pitchFamily="50" charset="-127"/>
+              <a:ea typeface="맑은 고딕" panose="020B0503020000020004" pitchFamily="50" charset="-127"/>
+            </a:endParaRPr>
+          </a:p>
+        </p:txBody>
+      </p:sp>
+      <p:sp>
+        <p:nvSpPr>
+          <p:cNvPr id="68" name="TextBox 67">
+            <a:extLst>
+              <a:ext uri="{FF2B5EF4-FFF2-40B4-BE49-F238E27FC236}">
+                <a16:creationId xmlns:a16="http://schemas.microsoft.com/office/drawing/2014/main" id="{CBA232D3-8D80-4F0F-91A9-71A6130885A6}"/>
+              </a:ext>
+            </a:extLst>
+          </p:cNvPr>
+          <p:cNvSpPr txBox="1"/>
+          <p:nvPr/>
+        </p:nvSpPr>
+        <p:spPr>
+          <a:xfrm>
+            <a:off x="2677842" y="4226243"/>
+            <a:ext cx="685688" cy="276999"/>
+          </a:xfrm>
+          <a:prstGeom prst="rect">
+            <a:avLst/>
+          </a:prstGeom>
+          <a:noFill/>
+        </p:spPr>
+        <p:txBody>
+          <a:bodyPr wrap="square">
+            <a:spAutoFit/>
+          </a:bodyPr>
+          <a:lstStyle/>
+          <a:p>
+            <a:pPr algn="ctr"/>
+            <a:r>
+              <a:rPr lang="ko-KR" altLang="en-US" sz="1200" kern="0" dirty="0" err="1">
+                <a:solidFill>
+                  <a:srgbClr val="C75252"/>
+                </a:solidFill>
+                <a:latin typeface="맑은 고딕" panose="020B0503020000020004" pitchFamily="50" charset="-127"/>
+                <a:ea typeface="맑은 고딕" panose="020B0503020000020004" pitchFamily="50" charset="-127"/>
+              </a:rPr>
+              <a:t>스무디</a:t>
+            </a:r>
+            <a:endParaRPr lang="ko-KR" altLang="en-US" sz="1200" dirty="0"/>
+          </a:p>
+        </p:txBody>
+      </p:sp>
+      <p:sp>
+        <p:nvSpPr>
+          <p:cNvPr id="69" name="TextBox 68">
+            <a:extLst>
+              <a:ext uri="{FF2B5EF4-FFF2-40B4-BE49-F238E27FC236}">
+                <a16:creationId xmlns:a16="http://schemas.microsoft.com/office/drawing/2014/main" id="{01CF71E9-0003-465D-83A1-B8AC14B0A24E}"/>
+              </a:ext>
+            </a:extLst>
+          </p:cNvPr>
+          <p:cNvSpPr txBox="1"/>
+          <p:nvPr/>
+        </p:nvSpPr>
+        <p:spPr>
+          <a:xfrm>
+            <a:off x="2204925" y="2730969"/>
+            <a:ext cx="805857" cy="276999"/>
+          </a:xfrm>
+          <a:prstGeom prst="rect">
+            <a:avLst/>
+          </a:prstGeom>
+          <a:noFill/>
+        </p:spPr>
+        <p:txBody>
+          <a:bodyPr wrap="square">
+            <a:spAutoFit/>
+          </a:bodyPr>
+          <a:lstStyle/>
+          <a:p>
+            <a:pPr algn="ctr"/>
+            <a:r>
+              <a:rPr lang="ko-KR" altLang="en-US" sz="1200" kern="0" dirty="0">
+                <a:solidFill>
+                  <a:srgbClr val="C75252"/>
+                </a:solidFill>
+                <a:latin typeface="맑은 고딕" panose="020B0503020000020004" pitchFamily="50" charset="-127"/>
+                <a:ea typeface="맑은 고딕" panose="020B0503020000020004" pitchFamily="50" charset="-127"/>
+              </a:rPr>
+              <a:t>커피메뉴</a:t>
+            </a:r>
+            <a:endParaRPr lang="en-US" altLang="ko-KR" sz="1200" kern="0" dirty="0">
+              <a:solidFill>
+                <a:srgbClr val="C75252"/>
+              </a:solidFill>
+              <a:latin typeface="맑은 고딕" panose="020B0503020000020004" pitchFamily="50" charset="-127"/>
+              <a:ea typeface="맑은 고딕" panose="020B0503020000020004" pitchFamily="50" charset="-127"/>
+            </a:endParaRPr>
+          </a:p>
+        </p:txBody>
+      </p:sp>
+      <p:sp>
+        <p:nvSpPr>
+          <p:cNvPr id="70" name="TextBox 69">
+            <a:extLst>
+              <a:ext uri="{FF2B5EF4-FFF2-40B4-BE49-F238E27FC236}">
+                <a16:creationId xmlns:a16="http://schemas.microsoft.com/office/drawing/2014/main" id="{53A081D6-A144-4EFB-8495-7241EF6F5665}"/>
+              </a:ext>
+            </a:extLst>
+          </p:cNvPr>
+          <p:cNvSpPr txBox="1"/>
+          <p:nvPr/>
+        </p:nvSpPr>
+        <p:spPr>
+          <a:xfrm>
+            <a:off x="2861167" y="2751779"/>
+            <a:ext cx="685688" cy="276999"/>
+          </a:xfrm>
+          <a:prstGeom prst="rect">
+            <a:avLst/>
+          </a:prstGeom>
+          <a:noFill/>
+        </p:spPr>
+        <p:txBody>
+          <a:bodyPr wrap="square">
+            <a:spAutoFit/>
+          </a:bodyPr>
+          <a:lstStyle/>
+          <a:p>
+            <a:pPr algn="ctr"/>
+            <a:r>
+              <a:rPr lang="ko-KR" altLang="en-US" sz="1200" kern="0" dirty="0">
+                <a:solidFill>
+                  <a:srgbClr val="C75252"/>
+                </a:solidFill>
+                <a:latin typeface="맑은 고딕" panose="020B0503020000020004" pitchFamily="50" charset="-127"/>
+                <a:ea typeface="맑은 고딕" panose="020B0503020000020004" pitchFamily="50" charset="-127"/>
+              </a:rPr>
+              <a:t>음료</a:t>
+            </a:r>
+            <a:endParaRPr lang="ko-KR" altLang="en-US" sz="1200" dirty="0"/>
+          </a:p>
+        </p:txBody>
+      </p:sp>
+      <p:sp>
+        <p:nvSpPr>
+          <p:cNvPr id="71" name="TextBox 70">
+            <a:extLst>
+              <a:ext uri="{FF2B5EF4-FFF2-40B4-BE49-F238E27FC236}">
+                <a16:creationId xmlns:a16="http://schemas.microsoft.com/office/drawing/2014/main" id="{C1380B4A-403F-46BE-9C76-A62F05B0771B}"/>
+              </a:ext>
+            </a:extLst>
+          </p:cNvPr>
+          <p:cNvSpPr txBox="1"/>
+          <p:nvPr/>
+        </p:nvSpPr>
+        <p:spPr>
+          <a:xfrm>
+            <a:off x="818898" y="3028778"/>
+            <a:ext cx="891514" cy="276999"/>
+          </a:xfrm>
+          <a:prstGeom prst="rect">
+            <a:avLst/>
+          </a:prstGeom>
+          <a:noFill/>
+        </p:spPr>
+        <p:txBody>
+          <a:bodyPr wrap="square">
+            <a:spAutoFit/>
+          </a:bodyPr>
+          <a:lstStyle/>
+          <a:p>
+            <a:pPr algn="ctr"/>
+            <a:r>
+              <a:rPr lang="ko-KR" altLang="en-US" sz="1200" kern="0" dirty="0">
+                <a:solidFill>
+                  <a:srgbClr val="C75252"/>
+                </a:solidFill>
+                <a:latin typeface="맑은 고딕" panose="020B0503020000020004" pitchFamily="50" charset="-127"/>
+                <a:ea typeface="맑은 고딕" panose="020B0503020000020004" pitchFamily="50" charset="-127"/>
+              </a:rPr>
+              <a:t>카페 창업</a:t>
+            </a:r>
+            <a:endParaRPr lang="ko-KR" altLang="en-US" sz="1200" dirty="0"/>
+          </a:p>
+        </p:txBody>
+      </p:sp>
+      <p:sp>
+        <p:nvSpPr>
+          <p:cNvPr id="72" name="TextBox 71">
+            <a:extLst>
+              <a:ext uri="{FF2B5EF4-FFF2-40B4-BE49-F238E27FC236}">
+                <a16:creationId xmlns:a16="http://schemas.microsoft.com/office/drawing/2014/main" id="{2B428A2F-2904-416B-9F89-EBFEC8F2454E}"/>
+              </a:ext>
+            </a:extLst>
+          </p:cNvPr>
+          <p:cNvSpPr txBox="1"/>
+          <p:nvPr/>
+        </p:nvSpPr>
+        <p:spPr>
+          <a:xfrm>
+            <a:off x="2287044" y="3054925"/>
+            <a:ext cx="685688" cy="276999"/>
+          </a:xfrm>
+          <a:prstGeom prst="rect">
+            <a:avLst/>
+          </a:prstGeom>
+          <a:noFill/>
+        </p:spPr>
+        <p:txBody>
+          <a:bodyPr wrap="square">
+            <a:spAutoFit/>
+          </a:bodyPr>
+          <a:lstStyle/>
+          <a:p>
+            <a:pPr algn="ctr"/>
+            <a:r>
+              <a:rPr lang="ko-KR" altLang="en-US" sz="1200" kern="0" dirty="0">
+                <a:solidFill>
+                  <a:srgbClr val="C75252"/>
+                </a:solidFill>
+                <a:latin typeface="맑은 고딕" panose="020B0503020000020004" pitchFamily="50" charset="-127"/>
+                <a:ea typeface="맑은 고딕" panose="020B0503020000020004" pitchFamily="50" charset="-127"/>
+              </a:rPr>
+              <a:t>소자본</a:t>
+            </a:r>
+            <a:endParaRPr lang="en-US" altLang="ko-KR" sz="1200" kern="0" dirty="0">
+              <a:solidFill>
+                <a:srgbClr val="C75252"/>
+              </a:solidFill>
+              <a:latin typeface="맑은 고딕" panose="020B0503020000020004" pitchFamily="50" charset="-127"/>
+              <a:ea typeface="맑은 고딕" panose="020B0503020000020004" pitchFamily="50" charset="-127"/>
+            </a:endParaRPr>
+          </a:p>
+        </p:txBody>
+      </p:sp>
+      <p:sp>
+        <p:nvSpPr>
+          <p:cNvPr id="73" name="TextBox 72">
+            <a:extLst>
+              <a:ext uri="{FF2B5EF4-FFF2-40B4-BE49-F238E27FC236}">
+                <a16:creationId xmlns:a16="http://schemas.microsoft.com/office/drawing/2014/main" id="{50CC2E6A-ACDA-40A4-A5E8-EE2A3067D142}"/>
+              </a:ext>
+            </a:extLst>
+          </p:cNvPr>
+          <p:cNvSpPr txBox="1"/>
+          <p:nvPr/>
+        </p:nvSpPr>
+        <p:spPr>
+          <a:xfrm>
+            <a:off x="1686028" y="3038036"/>
+            <a:ext cx="685688" cy="276999"/>
+          </a:xfrm>
+          <a:prstGeom prst="rect">
+            <a:avLst/>
+          </a:prstGeom>
+          <a:noFill/>
+        </p:spPr>
+        <p:txBody>
+          <a:bodyPr wrap="square">
+            <a:spAutoFit/>
+          </a:bodyPr>
+          <a:lstStyle/>
+          <a:p>
+            <a:pPr algn="ctr"/>
+            <a:r>
+              <a:rPr lang="ko-KR" altLang="en-US" sz="1200" kern="0" dirty="0">
+                <a:solidFill>
+                  <a:srgbClr val="C75252"/>
+                </a:solidFill>
+                <a:latin typeface="맑은 고딕" panose="020B0503020000020004" pitchFamily="50" charset="-127"/>
+                <a:ea typeface="맑은 고딕" panose="020B0503020000020004" pitchFamily="50" charset="-127"/>
+              </a:rPr>
+              <a:t>디저트</a:t>
+            </a:r>
+            <a:endParaRPr lang="ko-KR" altLang="en-US" sz="1200" dirty="0"/>
+          </a:p>
+        </p:txBody>
+      </p:sp>
+      <p:sp>
+        <p:nvSpPr>
+          <p:cNvPr id="74" name="TextBox 73">
+            <a:extLst>
+              <a:ext uri="{FF2B5EF4-FFF2-40B4-BE49-F238E27FC236}">
+                <a16:creationId xmlns:a16="http://schemas.microsoft.com/office/drawing/2014/main" id="{F7935803-EC75-4099-8D67-D9E2FF964378}"/>
+              </a:ext>
+            </a:extLst>
+          </p:cNvPr>
+          <p:cNvSpPr txBox="1"/>
+          <p:nvPr/>
+        </p:nvSpPr>
+        <p:spPr>
+          <a:xfrm flipH="1">
+            <a:off x="1542783" y="3655704"/>
+            <a:ext cx="972177" cy="276999"/>
+          </a:xfrm>
+          <a:prstGeom prst="rect">
+            <a:avLst/>
+          </a:prstGeom>
+          <a:noFill/>
+        </p:spPr>
+        <p:txBody>
+          <a:bodyPr wrap="square">
+            <a:spAutoFit/>
+          </a:bodyPr>
+          <a:lstStyle/>
+          <a:p>
+            <a:pPr algn="ctr"/>
+            <a:r>
+              <a:rPr lang="ko-KR" altLang="en-US" sz="1200" kern="0" dirty="0" err="1">
+                <a:solidFill>
+                  <a:srgbClr val="C75252"/>
+                </a:solidFill>
+                <a:latin typeface="맑은 고딕" panose="020B0503020000020004" pitchFamily="50" charset="-127"/>
+                <a:ea typeface="맑은 고딕" panose="020B0503020000020004" pitchFamily="50" charset="-127"/>
+              </a:rPr>
+              <a:t>프렌차이즈</a:t>
+            </a:r>
+            <a:endParaRPr lang="en-US" altLang="ko-KR" sz="1200" kern="0" dirty="0">
+              <a:solidFill>
+                <a:srgbClr val="C75252"/>
+              </a:solidFill>
+              <a:latin typeface="맑은 고딕" panose="020B0503020000020004" pitchFamily="50" charset="-127"/>
+              <a:ea typeface="맑은 고딕" panose="020B0503020000020004" pitchFamily="50" charset="-127"/>
+            </a:endParaRPr>
+          </a:p>
+        </p:txBody>
+      </p:sp>
+      <p:sp>
+        <p:nvSpPr>
+          <p:cNvPr id="75" name="TextBox 74">
+            <a:extLst>
+              <a:ext uri="{FF2B5EF4-FFF2-40B4-BE49-F238E27FC236}">
+                <a16:creationId xmlns:a16="http://schemas.microsoft.com/office/drawing/2014/main" id="{034A4901-2B0C-48FA-8C53-E415F1C28274}"/>
+              </a:ext>
+            </a:extLst>
+          </p:cNvPr>
+          <p:cNvSpPr txBox="1"/>
+          <p:nvPr/>
+        </p:nvSpPr>
+        <p:spPr>
+          <a:xfrm>
+            <a:off x="749444" y="3339379"/>
+            <a:ext cx="809114" cy="276999"/>
+          </a:xfrm>
+          <a:prstGeom prst="rect">
+            <a:avLst/>
+          </a:prstGeom>
+          <a:noFill/>
+        </p:spPr>
+        <p:txBody>
+          <a:bodyPr wrap="square">
+            <a:spAutoFit/>
+          </a:bodyPr>
+          <a:lstStyle/>
+          <a:p>
+            <a:pPr algn="ctr"/>
+            <a:r>
+              <a:rPr lang="ko-KR" altLang="en-US" sz="1200" kern="0" dirty="0">
+                <a:solidFill>
+                  <a:srgbClr val="C75252"/>
+                </a:solidFill>
+                <a:latin typeface="맑은 고딕" panose="020B0503020000020004" pitchFamily="50" charset="-127"/>
+                <a:ea typeface="맑은 고딕" panose="020B0503020000020004" pitchFamily="50" charset="-127"/>
+              </a:rPr>
+              <a:t>시즌메뉴</a:t>
+            </a:r>
+            <a:endParaRPr lang="en-US" altLang="ko-KR" sz="1200" kern="0" dirty="0">
+              <a:solidFill>
+                <a:srgbClr val="C75252"/>
+              </a:solidFill>
+              <a:latin typeface="맑은 고딕" panose="020B0503020000020004" pitchFamily="50" charset="-127"/>
+              <a:ea typeface="맑은 고딕" panose="020B0503020000020004" pitchFamily="50" charset="-127"/>
+            </a:endParaRPr>
+          </a:p>
+        </p:txBody>
+      </p:sp>
+      <p:sp>
+        <p:nvSpPr>
+          <p:cNvPr id="76" name="TextBox 75">
+            <a:extLst>
+              <a:ext uri="{FF2B5EF4-FFF2-40B4-BE49-F238E27FC236}">
+                <a16:creationId xmlns:a16="http://schemas.microsoft.com/office/drawing/2014/main" id="{3271F18B-672D-44AB-A398-9582C97C4AD6}"/>
+              </a:ext>
+            </a:extLst>
+          </p:cNvPr>
+          <p:cNvSpPr txBox="1"/>
+          <p:nvPr/>
+        </p:nvSpPr>
+        <p:spPr>
+          <a:xfrm>
+            <a:off x="729626" y="3649613"/>
+            <a:ext cx="921634" cy="276999"/>
+          </a:xfrm>
+          <a:prstGeom prst="rect">
+            <a:avLst/>
+          </a:prstGeom>
+          <a:noFill/>
+        </p:spPr>
+        <p:txBody>
+          <a:bodyPr wrap="square">
+            <a:spAutoFit/>
+          </a:bodyPr>
+          <a:lstStyle/>
+          <a:p>
+            <a:pPr algn="ctr"/>
+            <a:r>
+              <a:rPr lang="ko-KR" altLang="en-US" sz="1200" kern="0" dirty="0">
+                <a:solidFill>
+                  <a:srgbClr val="C75252"/>
+                </a:solidFill>
+                <a:latin typeface="맑은 고딕" panose="020B0503020000020004" pitchFamily="50" charset="-127"/>
+                <a:ea typeface="맑은 고딕" panose="020B0503020000020004" pitchFamily="50" charset="-127"/>
+              </a:rPr>
+              <a:t>매장 찾기</a:t>
+            </a:r>
+            <a:endParaRPr lang="en-US" altLang="ko-KR" sz="1200" kern="0" dirty="0">
+              <a:solidFill>
+                <a:srgbClr val="C75252"/>
+              </a:solidFill>
+              <a:latin typeface="맑은 고딕" panose="020B0503020000020004" pitchFamily="50" charset="-127"/>
+              <a:ea typeface="맑은 고딕" panose="020B0503020000020004" pitchFamily="50" charset="-127"/>
+            </a:endParaRPr>
+          </a:p>
+        </p:txBody>
+      </p:sp>
+      <p:sp>
+        <p:nvSpPr>
+          <p:cNvPr id="77" name="TextBox 76">
+            <a:extLst>
+              <a:ext uri="{FF2B5EF4-FFF2-40B4-BE49-F238E27FC236}">
+                <a16:creationId xmlns:a16="http://schemas.microsoft.com/office/drawing/2014/main" id="{E6ED28D0-0FC0-47AE-A746-77A5D4A292EC}"/>
+              </a:ext>
+            </a:extLst>
+          </p:cNvPr>
+          <p:cNvSpPr txBox="1"/>
+          <p:nvPr/>
+        </p:nvSpPr>
+        <p:spPr>
+          <a:xfrm>
+            <a:off x="2287044" y="3378659"/>
+            <a:ext cx="809113" cy="276999"/>
+          </a:xfrm>
+          <a:prstGeom prst="rect">
+            <a:avLst/>
+          </a:prstGeom>
+          <a:noFill/>
+        </p:spPr>
+        <p:txBody>
+          <a:bodyPr wrap="square">
+            <a:spAutoFit/>
+          </a:bodyPr>
+          <a:lstStyle/>
+          <a:p>
+            <a:pPr algn="ctr"/>
+            <a:r>
+              <a:rPr lang="ko-KR" altLang="en-US" sz="1200" kern="0" dirty="0" err="1">
+                <a:solidFill>
+                  <a:srgbClr val="C75252"/>
+                </a:solidFill>
+                <a:latin typeface="맑은 고딕" panose="020B0503020000020004" pitchFamily="50" charset="-127"/>
+                <a:ea typeface="맑은 고딕" panose="020B0503020000020004" pitchFamily="50" charset="-127"/>
+              </a:rPr>
+              <a:t>빅사이즈</a:t>
+            </a:r>
+            <a:endParaRPr lang="ko-KR" altLang="en-US" sz="1200" dirty="0"/>
+          </a:p>
+        </p:txBody>
+      </p:sp>
+      <p:sp>
+        <p:nvSpPr>
+          <p:cNvPr id="78" name="TextBox 77">
+            <a:extLst>
+              <a:ext uri="{FF2B5EF4-FFF2-40B4-BE49-F238E27FC236}">
+                <a16:creationId xmlns:a16="http://schemas.microsoft.com/office/drawing/2014/main" id="{B8127747-855C-45D2-96FC-4AB7DE4E8DE4}"/>
+              </a:ext>
+            </a:extLst>
+          </p:cNvPr>
+          <p:cNvSpPr txBox="1"/>
+          <p:nvPr/>
+        </p:nvSpPr>
+        <p:spPr>
+          <a:xfrm>
+            <a:off x="1484433" y="3352269"/>
+            <a:ext cx="809114" cy="276999"/>
+          </a:xfrm>
+          <a:prstGeom prst="rect">
+            <a:avLst/>
+          </a:prstGeom>
+          <a:noFill/>
+        </p:spPr>
+        <p:txBody>
+          <a:bodyPr wrap="square">
+            <a:spAutoFit/>
+          </a:bodyPr>
+          <a:lstStyle/>
+          <a:p>
+            <a:pPr algn="ctr"/>
+            <a:r>
+              <a:rPr lang="ko-KR" altLang="en-US" sz="1200" kern="0" dirty="0">
+                <a:solidFill>
+                  <a:srgbClr val="C75252"/>
+                </a:solidFill>
+                <a:latin typeface="맑은 고딕" panose="020B0503020000020004" pitchFamily="50" charset="-127"/>
+                <a:ea typeface="맑은 고딕" panose="020B0503020000020004" pitchFamily="50" charset="-127"/>
+              </a:rPr>
+              <a:t>인테리어</a:t>
+            </a:r>
+            <a:endParaRPr lang="ko-KR" altLang="en-US" sz="1200" dirty="0"/>
+          </a:p>
+        </p:txBody>
+      </p:sp>
+      <p:sp>
+        <p:nvSpPr>
+          <p:cNvPr id="79" name="TextBox 78">
+            <a:extLst>
+              <a:ext uri="{FF2B5EF4-FFF2-40B4-BE49-F238E27FC236}">
+                <a16:creationId xmlns:a16="http://schemas.microsoft.com/office/drawing/2014/main" id="{6F40ACF2-ACC7-4FE6-A0B2-BC1C4AE6C227}"/>
+              </a:ext>
+            </a:extLst>
+          </p:cNvPr>
+          <p:cNvSpPr txBox="1"/>
+          <p:nvPr/>
+        </p:nvSpPr>
+        <p:spPr>
+          <a:xfrm>
+            <a:off x="764708" y="3936269"/>
+            <a:ext cx="685688" cy="276999"/>
+          </a:xfrm>
+          <a:prstGeom prst="rect">
+            <a:avLst/>
+          </a:prstGeom>
+          <a:noFill/>
+        </p:spPr>
+        <p:txBody>
+          <a:bodyPr wrap="square">
+            <a:spAutoFit/>
+          </a:bodyPr>
+          <a:lstStyle/>
+          <a:p>
+            <a:pPr algn="ctr"/>
+            <a:r>
+              <a:rPr lang="ko-KR" altLang="en-US" sz="1200" kern="0" dirty="0">
+                <a:solidFill>
+                  <a:srgbClr val="C75252"/>
+                </a:solidFill>
+                <a:latin typeface="맑은 고딕" panose="020B0503020000020004" pitchFamily="50" charset="-127"/>
+                <a:ea typeface="맑은 고딕" panose="020B0503020000020004" pitchFamily="50" charset="-127"/>
+              </a:rPr>
+              <a:t>대용량</a:t>
+            </a:r>
+            <a:endParaRPr lang="ko-KR" altLang="en-US" sz="1200" dirty="0"/>
+          </a:p>
+        </p:txBody>
+      </p:sp>
+      <p:sp>
+        <p:nvSpPr>
+          <p:cNvPr id="80" name="TextBox 79">
+            <a:extLst>
+              <a:ext uri="{FF2B5EF4-FFF2-40B4-BE49-F238E27FC236}">
+                <a16:creationId xmlns:a16="http://schemas.microsoft.com/office/drawing/2014/main" id="{6B8A7C2A-9233-474A-BA41-A928BA00C71C}"/>
+              </a:ext>
+            </a:extLst>
+          </p:cNvPr>
+          <p:cNvSpPr txBox="1"/>
+          <p:nvPr/>
+        </p:nvSpPr>
+        <p:spPr>
+          <a:xfrm>
+            <a:off x="2426691" y="3646466"/>
+            <a:ext cx="685688" cy="276999"/>
+          </a:xfrm>
+          <a:prstGeom prst="rect">
+            <a:avLst/>
+          </a:prstGeom>
+          <a:noFill/>
+        </p:spPr>
+        <p:txBody>
+          <a:bodyPr wrap="square">
+            <a:spAutoFit/>
+          </a:bodyPr>
+          <a:lstStyle/>
+          <a:p>
+            <a:pPr algn="ctr"/>
+            <a:r>
+              <a:rPr lang="ko-KR" altLang="en-US" sz="1200" kern="0" dirty="0" err="1">
+                <a:solidFill>
+                  <a:srgbClr val="C75252"/>
+                </a:solidFill>
+                <a:latin typeface="맑은 고딕" panose="020B0503020000020004" pitchFamily="50" charset="-127"/>
+                <a:ea typeface="맑은 고딕" panose="020B0503020000020004" pitchFamily="50" charset="-127"/>
+              </a:rPr>
+              <a:t>프라페</a:t>
+            </a:r>
+            <a:endParaRPr lang="ko-KR" altLang="en-US" sz="1200" dirty="0"/>
+          </a:p>
+        </p:txBody>
+      </p:sp>
+      <p:sp>
+        <p:nvSpPr>
+          <p:cNvPr id="81" name="TextBox 80">
+            <a:extLst>
+              <a:ext uri="{FF2B5EF4-FFF2-40B4-BE49-F238E27FC236}">
+                <a16:creationId xmlns:a16="http://schemas.microsoft.com/office/drawing/2014/main" id="{5DF5CE14-B6D5-4D7B-B43F-8A8A7DD9F364}"/>
+              </a:ext>
+            </a:extLst>
+          </p:cNvPr>
+          <p:cNvSpPr txBox="1"/>
+          <p:nvPr/>
+        </p:nvSpPr>
+        <p:spPr>
+          <a:xfrm>
+            <a:off x="2705820" y="3944917"/>
+            <a:ext cx="891344" cy="276999"/>
+          </a:xfrm>
+          <a:prstGeom prst="rect">
+            <a:avLst/>
+          </a:prstGeom>
+          <a:noFill/>
+        </p:spPr>
+        <p:txBody>
+          <a:bodyPr wrap="square">
+            <a:spAutoFit/>
+          </a:bodyPr>
+          <a:lstStyle/>
+          <a:p>
+            <a:pPr algn="ctr"/>
+            <a:r>
+              <a:rPr lang="ko-KR" altLang="en-US" sz="1200" kern="0" dirty="0" err="1">
+                <a:solidFill>
+                  <a:srgbClr val="C75252"/>
+                </a:solidFill>
+                <a:latin typeface="맑은 고딕" panose="020B0503020000020004" pitchFamily="50" charset="-127"/>
+                <a:ea typeface="맑은 고딕" panose="020B0503020000020004" pitchFamily="50" charset="-127"/>
+              </a:rPr>
+              <a:t>창업초보</a:t>
+            </a:r>
+            <a:endParaRPr lang="ko-KR" altLang="en-US" sz="1200" dirty="0"/>
+          </a:p>
+        </p:txBody>
+      </p:sp>
+      <p:sp>
+        <p:nvSpPr>
+          <p:cNvPr id="82" name="TextBox 81">
+            <a:extLst>
+              <a:ext uri="{FF2B5EF4-FFF2-40B4-BE49-F238E27FC236}">
+                <a16:creationId xmlns:a16="http://schemas.microsoft.com/office/drawing/2014/main" id="{8DBACA12-7469-4784-B4AD-5D94AC2960FB}"/>
+              </a:ext>
+            </a:extLst>
+          </p:cNvPr>
+          <p:cNvSpPr txBox="1"/>
+          <p:nvPr/>
+        </p:nvSpPr>
+        <p:spPr>
+          <a:xfrm>
+            <a:off x="1686756" y="4216896"/>
+            <a:ext cx="1053059" cy="276999"/>
+          </a:xfrm>
+          <a:prstGeom prst="rect">
+            <a:avLst/>
+          </a:prstGeom>
+          <a:noFill/>
+        </p:spPr>
+        <p:txBody>
+          <a:bodyPr wrap="square">
+            <a:spAutoFit/>
+          </a:bodyPr>
+          <a:lstStyle/>
+          <a:p>
+            <a:pPr algn="ctr"/>
+            <a:r>
+              <a:rPr lang="ko-KR" altLang="en-US" sz="1200" kern="0" dirty="0" err="1">
+                <a:solidFill>
+                  <a:srgbClr val="C75252"/>
+                </a:solidFill>
+                <a:latin typeface="맑은 고딕" panose="020B0503020000020004" pitchFamily="50" charset="-127"/>
+                <a:ea typeface="맑은 고딕" panose="020B0503020000020004" pitchFamily="50" charset="-127"/>
+              </a:rPr>
+              <a:t>메가커피앱</a:t>
+            </a:r>
+            <a:endParaRPr lang="ko-KR" altLang="en-US" sz="1200" dirty="0"/>
+          </a:p>
+        </p:txBody>
+      </p:sp>
+      <p:sp>
+        <p:nvSpPr>
+          <p:cNvPr id="83" name="TextBox 82">
+            <a:extLst>
+              <a:ext uri="{FF2B5EF4-FFF2-40B4-BE49-F238E27FC236}">
+                <a16:creationId xmlns:a16="http://schemas.microsoft.com/office/drawing/2014/main" id="{F0AAB577-75DC-4B22-9ABE-ED1D9FF6E568}"/>
+              </a:ext>
+            </a:extLst>
+          </p:cNvPr>
+          <p:cNvSpPr txBox="1"/>
+          <p:nvPr/>
+        </p:nvSpPr>
+        <p:spPr>
+          <a:xfrm>
+            <a:off x="1585736" y="4536438"/>
+            <a:ext cx="685688" cy="276999"/>
+          </a:xfrm>
+          <a:prstGeom prst="rect">
+            <a:avLst/>
+          </a:prstGeom>
+          <a:noFill/>
+        </p:spPr>
+        <p:txBody>
+          <a:bodyPr wrap="square">
+            <a:spAutoFit/>
+          </a:bodyPr>
+          <a:lstStyle/>
+          <a:p>
+            <a:pPr algn="ctr"/>
+            <a:r>
+              <a:rPr lang="ko-KR" altLang="en-US" sz="1200" kern="0" dirty="0">
+                <a:solidFill>
+                  <a:srgbClr val="C75252"/>
+                </a:solidFill>
+                <a:latin typeface="맑은 고딕" panose="020B0503020000020004" pitchFamily="50" charset="-127"/>
+                <a:ea typeface="맑은 고딕" panose="020B0503020000020004" pitchFamily="50" charset="-127"/>
+              </a:rPr>
+              <a:t>멤버십</a:t>
+            </a:r>
+            <a:endParaRPr lang="ko-KR" altLang="en-US" sz="1200" dirty="0"/>
+          </a:p>
+        </p:txBody>
+      </p:sp>
+      <p:sp>
+        <p:nvSpPr>
+          <p:cNvPr id="84" name="TextBox 83">
+            <a:extLst>
+              <a:ext uri="{FF2B5EF4-FFF2-40B4-BE49-F238E27FC236}">
+                <a16:creationId xmlns:a16="http://schemas.microsoft.com/office/drawing/2014/main" id="{CA824F8A-BF26-497F-A05D-312291AFFDA6}"/>
+              </a:ext>
+            </a:extLst>
+          </p:cNvPr>
+          <p:cNvSpPr txBox="1"/>
+          <p:nvPr/>
+        </p:nvSpPr>
+        <p:spPr>
+          <a:xfrm>
+            <a:off x="1396395" y="3942757"/>
+            <a:ext cx="817355" cy="276999"/>
+          </a:xfrm>
+          <a:prstGeom prst="rect">
+            <a:avLst/>
+          </a:prstGeom>
+          <a:noFill/>
+        </p:spPr>
+        <p:txBody>
+          <a:bodyPr wrap="square">
+            <a:spAutoFit/>
+          </a:bodyPr>
+          <a:lstStyle/>
+          <a:p>
+            <a:pPr algn="ctr"/>
+            <a:r>
+              <a:rPr lang="ko-KR" altLang="en-US" sz="1200" kern="0" dirty="0">
+                <a:solidFill>
+                  <a:srgbClr val="C75252"/>
+                </a:solidFill>
+                <a:latin typeface="맑은 고딕" panose="020B0503020000020004" pitchFamily="50" charset="-127"/>
+                <a:ea typeface="맑은 고딕" panose="020B0503020000020004" pitchFamily="50" charset="-127"/>
+              </a:rPr>
+              <a:t>추천메뉴</a:t>
+            </a:r>
+            <a:endParaRPr lang="ko-KR" altLang="en-US" sz="1200" dirty="0"/>
+          </a:p>
+        </p:txBody>
+      </p:sp>
+      <p:sp>
+        <p:nvSpPr>
+          <p:cNvPr id="85" name="TextBox 84">
+            <a:extLst>
+              <a:ext uri="{FF2B5EF4-FFF2-40B4-BE49-F238E27FC236}">
+                <a16:creationId xmlns:a16="http://schemas.microsoft.com/office/drawing/2014/main" id="{C7B022C6-9A4E-4B4B-B76D-EE5D623C47C4}"/>
+              </a:ext>
+            </a:extLst>
+          </p:cNvPr>
+          <p:cNvSpPr txBox="1"/>
+          <p:nvPr/>
+        </p:nvSpPr>
+        <p:spPr>
+          <a:xfrm>
+            <a:off x="2155592" y="3948848"/>
+            <a:ext cx="685688" cy="276999"/>
+          </a:xfrm>
+          <a:prstGeom prst="rect">
+            <a:avLst/>
+          </a:prstGeom>
+          <a:noFill/>
+        </p:spPr>
+        <p:txBody>
+          <a:bodyPr wrap="square">
+            <a:spAutoFit/>
+          </a:bodyPr>
+          <a:lstStyle/>
+          <a:p>
+            <a:pPr algn="ctr"/>
+            <a:r>
+              <a:rPr lang="ko-KR" altLang="en-US" sz="1200" kern="0" dirty="0" err="1">
+                <a:solidFill>
+                  <a:srgbClr val="C75252"/>
+                </a:solidFill>
+                <a:latin typeface="맑은 고딕" panose="020B0503020000020004" pitchFamily="50" charset="-127"/>
+                <a:ea typeface="맑은 고딕" panose="020B0503020000020004" pitchFamily="50" charset="-127"/>
+              </a:rPr>
+              <a:t>가성비</a:t>
+            </a:r>
+            <a:endParaRPr lang="ko-KR" altLang="en-US" sz="1200" dirty="0"/>
+          </a:p>
+        </p:txBody>
+      </p:sp>
+      <p:sp>
+        <p:nvSpPr>
+          <p:cNvPr id="86" name="TextBox 85">
+            <a:extLst>
+              <a:ext uri="{FF2B5EF4-FFF2-40B4-BE49-F238E27FC236}">
+                <a16:creationId xmlns:a16="http://schemas.microsoft.com/office/drawing/2014/main" id="{77310C3B-F35F-4301-A06D-C53A8AC25014}"/>
+              </a:ext>
+            </a:extLst>
+          </p:cNvPr>
+          <p:cNvSpPr txBox="1"/>
+          <p:nvPr/>
+        </p:nvSpPr>
+        <p:spPr>
+          <a:xfrm>
+            <a:off x="729625" y="4226244"/>
+            <a:ext cx="813157" cy="276999"/>
+          </a:xfrm>
+          <a:prstGeom prst="rect">
+            <a:avLst/>
+          </a:prstGeom>
+          <a:noFill/>
+        </p:spPr>
+        <p:txBody>
+          <a:bodyPr wrap="square">
+            <a:spAutoFit/>
+          </a:bodyPr>
+          <a:lstStyle/>
+          <a:p>
+            <a:pPr algn="ctr"/>
+            <a:r>
+              <a:rPr lang="ko-KR" altLang="en-US" sz="1200" kern="0">
+                <a:solidFill>
+                  <a:srgbClr val="C75252"/>
+                </a:solidFill>
+                <a:latin typeface="맑은 고딕" panose="020B0503020000020004" pitchFamily="50" charset="-127"/>
+                <a:ea typeface="맑은 고딕" panose="020B0503020000020004" pitchFamily="50" charset="-127"/>
+              </a:rPr>
+              <a:t>커피배달</a:t>
+            </a:r>
+            <a:endParaRPr lang="ko-KR" altLang="en-US" sz="1200" dirty="0"/>
+          </a:p>
+        </p:txBody>
+      </p:sp>
+      <p:sp>
+        <p:nvSpPr>
+          <p:cNvPr id="87" name="TextBox 86">
+            <a:extLst>
+              <a:ext uri="{FF2B5EF4-FFF2-40B4-BE49-F238E27FC236}">
+                <a16:creationId xmlns:a16="http://schemas.microsoft.com/office/drawing/2014/main" id="{AD4E7C8C-748C-4DBF-942C-AADE9BAAA9D1}"/>
+              </a:ext>
+            </a:extLst>
+          </p:cNvPr>
+          <p:cNvSpPr txBox="1"/>
+          <p:nvPr/>
+        </p:nvSpPr>
+        <p:spPr>
+          <a:xfrm>
+            <a:off x="814837" y="4549340"/>
+            <a:ext cx="685688" cy="276999"/>
+          </a:xfrm>
+          <a:prstGeom prst="rect">
+            <a:avLst/>
+          </a:prstGeom>
+          <a:noFill/>
+        </p:spPr>
+        <p:txBody>
+          <a:bodyPr wrap="square">
+            <a:spAutoFit/>
+          </a:bodyPr>
+          <a:lstStyle/>
+          <a:p>
+            <a:pPr algn="ctr"/>
+            <a:r>
+              <a:rPr lang="ko-KR" altLang="en-US" sz="1200" kern="0" dirty="0">
+                <a:solidFill>
+                  <a:srgbClr val="C75252"/>
+                </a:solidFill>
+                <a:latin typeface="맑은 고딕" panose="020B0503020000020004" pitchFamily="50" charset="-127"/>
+                <a:ea typeface="맑은 고딕" panose="020B0503020000020004" pitchFamily="50" charset="-127"/>
+              </a:rPr>
+              <a:t>에이드</a:t>
+            </a:r>
+            <a:endParaRPr lang="ko-KR" altLang="en-US" sz="1200" dirty="0"/>
+          </a:p>
+        </p:txBody>
+      </p:sp>
+      <p:sp>
+        <p:nvSpPr>
+          <p:cNvPr id="88" name="TextBox 87">
+            <a:extLst>
+              <a:ext uri="{FF2B5EF4-FFF2-40B4-BE49-F238E27FC236}">
+                <a16:creationId xmlns:a16="http://schemas.microsoft.com/office/drawing/2014/main" id="{FCE40B33-55E9-48D8-B070-6EFC3C6681B8}"/>
+              </a:ext>
+            </a:extLst>
+          </p:cNvPr>
+          <p:cNvSpPr txBox="1"/>
+          <p:nvPr/>
+        </p:nvSpPr>
+        <p:spPr>
+          <a:xfrm>
+            <a:off x="1500525" y="2733292"/>
+            <a:ext cx="809114" cy="276999"/>
+          </a:xfrm>
+          <a:prstGeom prst="rect">
+            <a:avLst/>
+          </a:prstGeom>
+          <a:noFill/>
+        </p:spPr>
+        <p:txBody>
+          <a:bodyPr wrap="square">
+            <a:spAutoFit/>
+          </a:bodyPr>
+          <a:lstStyle/>
+          <a:p>
+            <a:pPr algn="ctr"/>
+            <a:r>
+              <a:rPr lang="ko-KR" altLang="en-US" sz="1200" kern="0" dirty="0">
+                <a:solidFill>
+                  <a:srgbClr val="C75252"/>
+                </a:solidFill>
+                <a:latin typeface="맑은 고딕" panose="020B0503020000020004" pitchFamily="50" charset="-127"/>
+                <a:ea typeface="맑은 고딕" panose="020B0503020000020004" pitchFamily="50" charset="-127"/>
+              </a:rPr>
+              <a:t>카페</a:t>
+            </a:r>
+            <a:endParaRPr lang="en-US" altLang="ko-KR" sz="1200" kern="0" dirty="0">
+              <a:solidFill>
+                <a:srgbClr val="C75252"/>
+              </a:solidFill>
+              <a:latin typeface="맑은 고딕" panose="020B0503020000020004" pitchFamily="50" charset="-127"/>
+              <a:ea typeface="맑은 고딕" panose="020B0503020000020004" pitchFamily="50" charset="-127"/>
+            </a:endParaRPr>
+          </a:p>
+        </p:txBody>
+      </p:sp>
+      <p:sp>
+        <p:nvSpPr>
+          <p:cNvPr id="89" name="TextBox 88">
+            <a:extLst>
+              <a:ext uri="{FF2B5EF4-FFF2-40B4-BE49-F238E27FC236}">
+                <a16:creationId xmlns:a16="http://schemas.microsoft.com/office/drawing/2014/main" id="{F99FAF8C-810B-4F6C-B4AC-D59017C34566}"/>
+              </a:ext>
+            </a:extLst>
+          </p:cNvPr>
+          <p:cNvSpPr txBox="1"/>
+          <p:nvPr/>
+        </p:nvSpPr>
+        <p:spPr>
+          <a:xfrm>
+            <a:off x="2317726" y="4573286"/>
+            <a:ext cx="685688" cy="276999"/>
+          </a:xfrm>
+          <a:prstGeom prst="rect">
+            <a:avLst/>
+          </a:prstGeom>
+          <a:noFill/>
+        </p:spPr>
+        <p:txBody>
+          <a:bodyPr wrap="square">
+            <a:spAutoFit/>
+          </a:bodyPr>
+          <a:lstStyle/>
+          <a:p>
+            <a:pPr algn="ctr"/>
+            <a:r>
+              <a:rPr lang="ko-KR" altLang="en-US" sz="1200" kern="0" dirty="0">
+                <a:solidFill>
+                  <a:srgbClr val="C75252"/>
+                </a:solidFill>
+                <a:latin typeface="맑은 고딕" panose="020B0503020000020004" pitchFamily="50" charset="-127"/>
+                <a:ea typeface="맑은 고딕" panose="020B0503020000020004" pitchFamily="50" charset="-127"/>
+              </a:rPr>
+              <a:t>커피</a:t>
+            </a:r>
+            <a:endParaRPr lang="ko-KR" altLang="en-US" sz="1200" dirty="0"/>
           </a:p>
         </p:txBody>
       </p:sp>
@@ -15012,6 +18493,314 @@
           </a:p>
         </p:txBody>
       </p:sp>
+      <p:sp>
+        <p:nvSpPr>
+          <p:cNvPr id="6" name="타원 5">
+            <a:extLst>
+              <a:ext uri="{FF2B5EF4-FFF2-40B4-BE49-F238E27FC236}">
+                <a16:creationId xmlns:a16="http://schemas.microsoft.com/office/drawing/2014/main" id="{9379E66C-A3DE-4E12-BEAF-D49E03027FCE}"/>
+              </a:ext>
+            </a:extLst>
+          </p:cNvPr>
+          <p:cNvSpPr/>
+          <p:nvPr/>
+        </p:nvSpPr>
+        <p:spPr>
+          <a:xfrm>
+            <a:off x="1506858" y="4364858"/>
+            <a:ext cx="1221575" cy="1208708"/>
+          </a:xfrm>
+          <a:prstGeom prst="ellipse">
+            <a:avLst/>
+          </a:prstGeom>
+          <a:noFill/>
+        </p:spPr>
+        <p:style>
+          <a:lnRef idx="2">
+            <a:schemeClr val="accent1">
+              <a:shade val="50000"/>
+            </a:schemeClr>
+          </a:lnRef>
+          <a:fillRef idx="1">
+            <a:schemeClr val="accent1"/>
+          </a:fillRef>
+          <a:effectRef idx="0">
+            <a:schemeClr val="accent1"/>
+          </a:effectRef>
+          <a:fontRef idx="minor">
+            <a:schemeClr val="lt1"/>
+          </a:fontRef>
+        </p:style>
+        <p:txBody>
+          <a:bodyPr rtlCol="0" anchor="ctr"/>
+          <a:lstStyle/>
+          <a:p>
+            <a:pPr algn="ctr"/>
+            <a:endParaRPr lang="ko-KR" altLang="en-US"/>
+          </a:p>
+        </p:txBody>
+      </p:sp>
+      <p:sp>
+        <p:nvSpPr>
+          <p:cNvPr id="7" name="타원 6">
+            <a:extLst>
+              <a:ext uri="{FF2B5EF4-FFF2-40B4-BE49-F238E27FC236}">
+                <a16:creationId xmlns:a16="http://schemas.microsoft.com/office/drawing/2014/main" id="{25213229-A10D-411E-91A1-19BDD23691B7}"/>
+              </a:ext>
+            </a:extLst>
+          </p:cNvPr>
+          <p:cNvSpPr/>
+          <p:nvPr/>
+        </p:nvSpPr>
+        <p:spPr>
+          <a:xfrm>
+            <a:off x="2265412" y="2599082"/>
+            <a:ext cx="1017712" cy="986114"/>
+          </a:xfrm>
+          <a:prstGeom prst="ellipse">
+            <a:avLst/>
+          </a:prstGeom>
+          <a:noFill/>
+          <a:ln>
+            <a:solidFill>
+              <a:srgbClr val="FF0000"/>
+            </a:solidFill>
+          </a:ln>
+        </p:spPr>
+        <p:style>
+          <a:lnRef idx="2">
+            <a:schemeClr val="accent1">
+              <a:shade val="50000"/>
+            </a:schemeClr>
+          </a:lnRef>
+          <a:fillRef idx="1">
+            <a:schemeClr val="accent1"/>
+          </a:fillRef>
+          <a:effectRef idx="0">
+            <a:schemeClr val="accent1"/>
+          </a:effectRef>
+          <a:fontRef idx="minor">
+            <a:schemeClr val="lt1"/>
+          </a:fontRef>
+        </p:style>
+        <p:txBody>
+          <a:bodyPr rtlCol="0" anchor="ctr"/>
+          <a:lstStyle/>
+          <a:p>
+            <a:pPr algn="ctr"/>
+            <a:endParaRPr lang="ko-KR" altLang="en-US"/>
+          </a:p>
+        </p:txBody>
+      </p:sp>
+      <p:sp>
+        <p:nvSpPr>
+          <p:cNvPr id="8" name="화살표: 아래쪽 7">
+            <a:extLst>
+              <a:ext uri="{FF2B5EF4-FFF2-40B4-BE49-F238E27FC236}">
+                <a16:creationId xmlns:a16="http://schemas.microsoft.com/office/drawing/2014/main" id="{7D2370D6-EA9D-4D51-9BBB-53B54987C642}"/>
+              </a:ext>
+            </a:extLst>
+          </p:cNvPr>
+          <p:cNvSpPr/>
+          <p:nvPr/>
+        </p:nvSpPr>
+        <p:spPr>
+          <a:xfrm rot="12067468">
+            <a:off x="2317219" y="3382971"/>
+            <a:ext cx="342844" cy="1184112"/>
+          </a:xfrm>
+          <a:prstGeom prst="downArrow">
+            <a:avLst>
+              <a:gd name="adj1" fmla="val 50000"/>
+              <a:gd name="adj2" fmla="val 57768"/>
+            </a:avLst>
+          </a:prstGeom>
+          <a:noFill/>
+          <a:ln>
+            <a:solidFill>
+              <a:srgbClr val="FFC000"/>
+            </a:solidFill>
+          </a:ln>
+        </p:spPr>
+        <p:style>
+          <a:lnRef idx="2">
+            <a:schemeClr val="accent1">
+              <a:shade val="50000"/>
+            </a:schemeClr>
+          </a:lnRef>
+          <a:fillRef idx="1">
+            <a:schemeClr val="accent1"/>
+          </a:fillRef>
+          <a:effectRef idx="0">
+            <a:schemeClr val="accent1"/>
+          </a:effectRef>
+          <a:fontRef idx="minor">
+            <a:schemeClr val="lt1"/>
+          </a:fontRef>
+        </p:style>
+        <p:txBody>
+          <a:bodyPr rtlCol="0" anchor="ctr"/>
+          <a:lstStyle/>
+          <a:p>
+            <a:pPr algn="ctr"/>
+            <a:endParaRPr lang="ko-KR" altLang="en-US"/>
+          </a:p>
+        </p:txBody>
+      </p:sp>
+      <p:sp>
+        <p:nvSpPr>
+          <p:cNvPr id="9" name="타원 8">
+            <a:extLst>
+              <a:ext uri="{FF2B5EF4-FFF2-40B4-BE49-F238E27FC236}">
+                <a16:creationId xmlns:a16="http://schemas.microsoft.com/office/drawing/2014/main" id="{0245243A-5822-47E6-AB94-110D3FB52FE1}"/>
+              </a:ext>
+            </a:extLst>
+          </p:cNvPr>
+          <p:cNvSpPr/>
+          <p:nvPr/>
+        </p:nvSpPr>
+        <p:spPr>
+          <a:xfrm>
+            <a:off x="6285530" y="4364858"/>
+            <a:ext cx="1221575" cy="1208708"/>
+          </a:xfrm>
+          <a:prstGeom prst="ellipse">
+            <a:avLst/>
+          </a:prstGeom>
+          <a:noFill/>
+        </p:spPr>
+        <p:style>
+          <a:lnRef idx="2">
+            <a:schemeClr val="accent1">
+              <a:shade val="50000"/>
+            </a:schemeClr>
+          </a:lnRef>
+          <a:fillRef idx="1">
+            <a:schemeClr val="accent1"/>
+          </a:fillRef>
+          <a:effectRef idx="0">
+            <a:schemeClr val="accent1"/>
+          </a:effectRef>
+          <a:fontRef idx="minor">
+            <a:schemeClr val="lt1"/>
+          </a:fontRef>
+        </p:style>
+        <p:txBody>
+          <a:bodyPr rtlCol="0" anchor="ctr"/>
+          <a:lstStyle/>
+          <a:p>
+            <a:pPr algn="ctr"/>
+            <a:endParaRPr lang="ko-KR" altLang="en-US"/>
+          </a:p>
+        </p:txBody>
+      </p:sp>
+      <p:sp>
+        <p:nvSpPr>
+          <p:cNvPr id="10" name="타원 9">
+            <a:extLst>
+              <a:ext uri="{FF2B5EF4-FFF2-40B4-BE49-F238E27FC236}">
+                <a16:creationId xmlns:a16="http://schemas.microsoft.com/office/drawing/2014/main" id="{93115A1E-6E20-4CE3-BC72-3A34C73F69CA}"/>
+              </a:ext>
+            </a:extLst>
+          </p:cNvPr>
+          <p:cNvSpPr/>
+          <p:nvPr/>
+        </p:nvSpPr>
+        <p:spPr>
+          <a:xfrm>
+            <a:off x="7044084" y="2599082"/>
+            <a:ext cx="1017712" cy="986114"/>
+          </a:xfrm>
+          <a:prstGeom prst="ellipse">
+            <a:avLst/>
+          </a:prstGeom>
+          <a:noFill/>
+          <a:ln>
+            <a:solidFill>
+              <a:srgbClr val="FF0000"/>
+            </a:solidFill>
+          </a:ln>
+        </p:spPr>
+        <p:style>
+          <a:lnRef idx="2">
+            <a:schemeClr val="accent1">
+              <a:shade val="50000"/>
+            </a:schemeClr>
+          </a:lnRef>
+          <a:fillRef idx="1">
+            <a:schemeClr val="accent1"/>
+          </a:fillRef>
+          <a:effectRef idx="0">
+            <a:schemeClr val="accent1"/>
+          </a:effectRef>
+          <a:fontRef idx="minor">
+            <a:schemeClr val="lt1"/>
+          </a:fontRef>
+        </p:style>
+        <p:txBody>
+          <a:bodyPr rtlCol="0" anchor="ctr"/>
+          <a:lstStyle/>
+          <a:p>
+            <a:pPr algn="ctr"/>
+            <a:endParaRPr lang="ko-KR" altLang="en-US"/>
+          </a:p>
+        </p:txBody>
+      </p:sp>
+      <p:sp>
+        <p:nvSpPr>
+          <p:cNvPr id="11" name="화살표: 아래쪽 10">
+            <a:extLst>
+              <a:ext uri="{FF2B5EF4-FFF2-40B4-BE49-F238E27FC236}">
+                <a16:creationId xmlns:a16="http://schemas.microsoft.com/office/drawing/2014/main" id="{2642EB6A-5542-4DEA-9355-7EA6F84F2209}"/>
+              </a:ext>
+            </a:extLst>
+          </p:cNvPr>
+          <p:cNvSpPr/>
+          <p:nvPr/>
+        </p:nvSpPr>
+        <p:spPr>
+          <a:xfrm rot="12067468">
+            <a:off x="7095891" y="3382971"/>
+            <a:ext cx="342844" cy="1184112"/>
+          </a:xfrm>
+          <a:prstGeom prst="downArrow">
+            <a:avLst>
+              <a:gd name="adj1" fmla="val 50000"/>
+              <a:gd name="adj2" fmla="val 57768"/>
+            </a:avLst>
+          </a:prstGeom>
+          <a:noFill/>
+          <a:ln>
+            <a:solidFill>
+              <a:srgbClr val="FFC000"/>
+            </a:solidFill>
+          </a:ln>
+        </p:spPr>
+        <p:style>
+          <a:lnRef idx="2">
+            <a:schemeClr val="accent1">
+              <a:shade val="50000"/>
+            </a:schemeClr>
+          </a:lnRef>
+          <a:fillRef idx="1">
+            <a:schemeClr val="accent1"/>
+          </a:fillRef>
+          <a:effectRef idx="0">
+            <a:schemeClr val="accent1"/>
+          </a:effectRef>
+          <a:fontRef idx="minor">
+            <a:schemeClr val="lt1"/>
+          </a:fontRef>
+        </p:style>
+        <p:txBody>
+          <a:bodyPr rtlCol="0" anchor="ctr"/>
+          <a:lstStyle/>
+          <a:p>
+            <a:pPr algn="ctr"/>
+            <a:endParaRPr lang="ko-KR" altLang="en-US"/>
+          </a:p>
+        </p:txBody>
+      </p:sp>
     </p:spTree>
     <p:extLst>
       <p:ext uri="{BB962C8B-B14F-4D97-AF65-F5344CB8AC3E}">
@@ -15226,7 +19015,7 @@
         <p:spPr>
           <a:xfrm>
             <a:off x="5073650" y="2819400"/>
-            <a:ext cx="4013200" cy="276999"/>
+            <a:ext cx="4013200" cy="1991956"/>
           </a:xfrm>
           <a:prstGeom prst="rect">
             <a:avLst/>
@@ -15239,6 +19028,11 @@
           </a:bodyPr>
           <a:lstStyle/>
           <a:p>
+            <a:pPr fontAlgn="base">
+              <a:lnSpc>
+                <a:spcPct val="130000"/>
+              </a:lnSpc>
+            </a:pPr>
             <a:r>
               <a:rPr lang="en-US" altLang="ko-KR" sz="1200" dirty="0">
                 <a:solidFill>
@@ -15251,16 +19045,466 @@
               <a:t>- </a:t>
             </a:r>
             <a:r>
-              <a:rPr lang="ko-KR" altLang="en-US" sz="1200" dirty="0">
+              <a:rPr lang="ko-KR" altLang="en-US" sz="1200" kern="0" dirty="0">
                 <a:solidFill>
-                  <a:schemeClr val="tx1">
-                    <a:lumMod val="75000"/>
-                    <a:lumOff val="25000"/>
+                  <a:schemeClr val="bg1">
+                    <a:lumMod val="50000"/>
                   </a:schemeClr>
                 </a:solidFill>
+                <a:latin typeface="맑은 고딕" panose="020B0503020000020004" pitchFamily="50" charset="-127"/>
               </a:rPr>
-              <a:t>정리</a:t>
+              <a:t>주요 핵심 키워드 방향은 대부분 정적이고</a:t>
             </a:r>
+            <a:r>
+              <a:rPr lang="en-US" altLang="ko-KR" sz="1200" kern="0" dirty="0">
+                <a:solidFill>
+                  <a:schemeClr val="bg1">
+                    <a:lumMod val="50000"/>
+                  </a:schemeClr>
+                </a:solidFill>
+                <a:latin typeface="맑은 고딕" panose="020B0503020000020004" pitchFamily="50" charset="-127"/>
+              </a:rPr>
+              <a:t>, </a:t>
+            </a:r>
+            <a:r>
+              <a:rPr lang="ko-KR" altLang="en-US" sz="1200" kern="0" dirty="0">
+                <a:solidFill>
+                  <a:schemeClr val="bg1">
+                    <a:lumMod val="50000"/>
+                  </a:schemeClr>
+                </a:solidFill>
+                <a:latin typeface="맑은 고딕" panose="020B0503020000020004" pitchFamily="50" charset="-127"/>
+              </a:rPr>
+              <a:t>딱딱한</a:t>
+            </a:r>
+            <a:endParaRPr lang="en-US" altLang="ko-KR" sz="1200" kern="0" dirty="0">
+              <a:solidFill>
+                <a:schemeClr val="bg1">
+                  <a:lumMod val="50000"/>
+                </a:schemeClr>
+              </a:solidFill>
+              <a:latin typeface="맑은 고딕" panose="020B0503020000020004" pitchFamily="50" charset="-127"/>
+            </a:endParaRPr>
+          </a:p>
+          <a:p>
+            <a:pPr fontAlgn="base">
+              <a:lnSpc>
+                <a:spcPct val="130000"/>
+              </a:lnSpc>
+            </a:pPr>
+            <a:r>
+              <a:rPr lang="ko-KR" altLang="en-US" sz="1200" kern="0" dirty="0">
+                <a:solidFill>
+                  <a:schemeClr val="bg1">
+                    <a:lumMod val="50000"/>
+                  </a:schemeClr>
+                </a:solidFill>
+                <a:latin typeface="맑은 고딕" panose="020B0503020000020004" pitchFamily="50" charset="-127"/>
+              </a:rPr>
+              <a:t>부분이 많았으나 주 소비자 층 고객을 통해 </a:t>
+            </a:r>
+            <a:endParaRPr lang="en-US" altLang="ko-KR" sz="1200" kern="0" dirty="0">
+              <a:solidFill>
+                <a:schemeClr val="bg1">
+                  <a:lumMod val="50000"/>
+                </a:schemeClr>
+              </a:solidFill>
+              <a:latin typeface="맑은 고딕" panose="020B0503020000020004" pitchFamily="50" charset="-127"/>
+            </a:endParaRPr>
+          </a:p>
+          <a:p>
+            <a:pPr fontAlgn="base">
+              <a:lnSpc>
+                <a:spcPct val="130000"/>
+              </a:lnSpc>
+            </a:pPr>
+            <a:r>
+              <a:rPr lang="ko-KR" altLang="en-US" sz="1200" kern="0" dirty="0">
+                <a:solidFill>
+                  <a:schemeClr val="bg1">
+                    <a:lumMod val="50000"/>
+                  </a:schemeClr>
+                </a:solidFill>
+                <a:latin typeface="맑은 고딕" panose="020B0503020000020004" pitchFamily="50" charset="-127"/>
+              </a:rPr>
+              <a:t>편안하고 접근하기 친근한 이미지를 가질 수 있는 컨셉을 도출하며</a:t>
+            </a:r>
+            <a:r>
+              <a:rPr lang="en-US" altLang="ko-KR" sz="1200" kern="0" dirty="0">
+                <a:solidFill>
+                  <a:schemeClr val="bg1">
+                    <a:lumMod val="50000"/>
+                  </a:schemeClr>
+                </a:solidFill>
+                <a:latin typeface="맑은 고딕" panose="020B0503020000020004" pitchFamily="50" charset="-127"/>
+              </a:rPr>
+              <a:t>, </a:t>
+            </a:r>
+            <a:r>
+              <a:rPr lang="ko-KR" altLang="en-US" sz="1200" kern="0" dirty="0">
+                <a:solidFill>
+                  <a:schemeClr val="bg1">
+                    <a:lumMod val="50000"/>
+                  </a:schemeClr>
+                </a:solidFill>
+                <a:latin typeface="맑은 고딕" panose="020B0503020000020004" pitchFamily="50" charset="-127"/>
+              </a:rPr>
+              <a:t>주요 컬러는 브랜드의</a:t>
+            </a:r>
+            <a:endParaRPr lang="en-US" altLang="ko-KR" sz="1200" kern="0" dirty="0">
+              <a:solidFill>
+                <a:schemeClr val="bg1">
+                  <a:lumMod val="50000"/>
+                </a:schemeClr>
+              </a:solidFill>
+              <a:latin typeface="맑은 고딕" panose="020B0503020000020004" pitchFamily="50" charset="-127"/>
+            </a:endParaRPr>
+          </a:p>
+          <a:p>
+            <a:pPr fontAlgn="base">
+              <a:lnSpc>
+                <a:spcPct val="130000"/>
+              </a:lnSpc>
+            </a:pPr>
+            <a:r>
+              <a:rPr lang="ko-KR" altLang="en-US" sz="1200" kern="0" dirty="0">
+                <a:solidFill>
+                  <a:schemeClr val="bg1">
+                    <a:lumMod val="50000"/>
+                  </a:schemeClr>
+                </a:solidFill>
+                <a:latin typeface="맑은 고딕" panose="020B0503020000020004" pitchFamily="50" charset="-127"/>
+              </a:rPr>
+              <a:t>주 컬러인 </a:t>
+            </a:r>
+            <a:r>
+              <a:rPr lang="ko-KR" altLang="en-US" sz="1200" kern="0" dirty="0" err="1">
+                <a:solidFill>
+                  <a:schemeClr val="bg1">
+                    <a:lumMod val="50000"/>
+                  </a:schemeClr>
+                </a:solidFill>
+                <a:latin typeface="맑은 고딕" panose="020B0503020000020004" pitchFamily="50" charset="-127"/>
+              </a:rPr>
+              <a:t>옐로우</a:t>
+            </a:r>
+            <a:r>
+              <a:rPr lang="en-US" altLang="ko-KR" sz="1200" kern="0" dirty="0">
+                <a:solidFill>
+                  <a:schemeClr val="bg1">
+                    <a:lumMod val="50000"/>
+                  </a:schemeClr>
+                </a:solidFill>
+                <a:latin typeface="맑은 고딕" panose="020B0503020000020004" pitchFamily="50" charset="-127"/>
+              </a:rPr>
+              <a:t>,</a:t>
+            </a:r>
+            <a:r>
+              <a:rPr lang="ko-KR" altLang="en-US" sz="1200" kern="0" dirty="0">
+                <a:solidFill>
+                  <a:schemeClr val="bg1">
+                    <a:lumMod val="50000"/>
+                  </a:schemeClr>
+                </a:solidFill>
+                <a:latin typeface="맑은 고딕" panose="020B0503020000020004" pitchFamily="50" charset="-127"/>
+              </a:rPr>
+              <a:t>브라운 색상과 더불어 </a:t>
+            </a:r>
+            <a:endParaRPr lang="en-US" altLang="ko-KR" sz="1200" kern="0" dirty="0">
+              <a:solidFill>
+                <a:schemeClr val="bg1">
+                  <a:lumMod val="50000"/>
+                </a:schemeClr>
+              </a:solidFill>
+              <a:latin typeface="맑은 고딕" panose="020B0503020000020004" pitchFamily="50" charset="-127"/>
+            </a:endParaRPr>
+          </a:p>
+          <a:p>
+            <a:pPr fontAlgn="base">
+              <a:lnSpc>
+                <a:spcPct val="130000"/>
+              </a:lnSpc>
+            </a:pPr>
+            <a:r>
+              <a:rPr lang="ko-KR" altLang="en-US" sz="1200" kern="0" dirty="0">
+                <a:solidFill>
+                  <a:schemeClr val="bg1">
+                    <a:lumMod val="50000"/>
+                  </a:schemeClr>
+                </a:solidFill>
+                <a:latin typeface="맑은 고딕" panose="020B0503020000020004" pitchFamily="50" charset="-127"/>
+              </a:rPr>
+              <a:t>화이트</a:t>
+            </a:r>
+            <a:r>
+              <a:rPr lang="en-US" altLang="ko-KR" sz="1200" kern="0" dirty="0">
+                <a:solidFill>
+                  <a:schemeClr val="bg1">
+                    <a:lumMod val="50000"/>
+                  </a:schemeClr>
+                </a:solidFill>
+                <a:latin typeface="맑은 고딕" panose="020B0503020000020004" pitchFamily="50" charset="-127"/>
+              </a:rPr>
+              <a:t>,</a:t>
+            </a:r>
+            <a:r>
+              <a:rPr lang="ko-KR" altLang="en-US" sz="1200" kern="0" dirty="0" err="1">
+                <a:solidFill>
+                  <a:schemeClr val="bg1">
+                    <a:lumMod val="50000"/>
+                  </a:schemeClr>
+                </a:solidFill>
+                <a:latin typeface="맑은 고딕" panose="020B0503020000020004" pitchFamily="50" charset="-127"/>
+              </a:rPr>
+              <a:t>밝은브라운</a:t>
+            </a:r>
+            <a:r>
+              <a:rPr lang="ko-KR" altLang="en-US" sz="1200" kern="0" dirty="0">
+                <a:solidFill>
+                  <a:schemeClr val="bg1">
+                    <a:lumMod val="50000"/>
+                  </a:schemeClr>
+                </a:solidFill>
+                <a:latin typeface="맑은 고딕" panose="020B0503020000020004" pitchFamily="50" charset="-127"/>
+              </a:rPr>
+              <a:t> 계열의 색상을 사용하여</a:t>
+            </a:r>
+            <a:endParaRPr lang="en-US" altLang="ko-KR" sz="1200" kern="0" dirty="0">
+              <a:solidFill>
+                <a:schemeClr val="bg1">
+                  <a:lumMod val="50000"/>
+                </a:schemeClr>
+              </a:solidFill>
+              <a:latin typeface="맑은 고딕" panose="020B0503020000020004" pitchFamily="50" charset="-127"/>
+            </a:endParaRPr>
+          </a:p>
+          <a:p>
+            <a:pPr fontAlgn="base">
+              <a:lnSpc>
+                <a:spcPct val="130000"/>
+              </a:lnSpc>
+            </a:pPr>
+            <a:r>
+              <a:rPr lang="ko-KR" altLang="en-US" sz="1200" kern="0" dirty="0">
+                <a:solidFill>
+                  <a:schemeClr val="bg1">
+                    <a:lumMod val="50000"/>
+                  </a:schemeClr>
+                </a:solidFill>
+                <a:latin typeface="맑은 고딕" panose="020B0503020000020004" pitchFamily="50" charset="-127"/>
+              </a:rPr>
+              <a:t>카페</a:t>
+            </a:r>
+            <a:r>
+              <a:rPr lang="en-US" altLang="ko-KR" sz="1200" kern="0" dirty="0">
+                <a:solidFill>
+                  <a:schemeClr val="bg1">
+                    <a:lumMod val="50000"/>
+                  </a:schemeClr>
+                </a:solidFill>
+                <a:latin typeface="맑은 고딕" panose="020B0503020000020004" pitchFamily="50" charset="-127"/>
+              </a:rPr>
+              <a:t>/</a:t>
+            </a:r>
+            <a:r>
+              <a:rPr lang="ko-KR" altLang="en-US" sz="1200" kern="0" dirty="0">
+                <a:solidFill>
+                  <a:schemeClr val="bg1">
+                    <a:lumMod val="50000"/>
+                  </a:schemeClr>
+                </a:solidFill>
+                <a:latin typeface="맑은 고딕" panose="020B0503020000020004" pitchFamily="50" charset="-127"/>
+              </a:rPr>
+              <a:t>커피 이미지와 어울리는 감성적이고 </a:t>
+            </a:r>
+            <a:endParaRPr lang="en-US" altLang="ko-KR" sz="1200" kern="0" dirty="0">
+              <a:solidFill>
+                <a:schemeClr val="bg1">
+                  <a:lumMod val="50000"/>
+                </a:schemeClr>
+              </a:solidFill>
+              <a:latin typeface="맑은 고딕" panose="020B0503020000020004" pitchFamily="50" charset="-127"/>
+            </a:endParaRPr>
+          </a:p>
+          <a:p>
+            <a:pPr fontAlgn="base">
+              <a:lnSpc>
+                <a:spcPct val="130000"/>
+              </a:lnSpc>
+            </a:pPr>
+            <a:r>
+              <a:rPr lang="ko-KR" altLang="en-US" sz="1200" kern="0" dirty="0">
+                <a:solidFill>
+                  <a:schemeClr val="bg1">
+                    <a:lumMod val="50000"/>
+                  </a:schemeClr>
+                </a:solidFill>
+                <a:latin typeface="맑은 고딕" panose="020B0503020000020004" pitchFamily="50" charset="-127"/>
+              </a:rPr>
+              <a:t>친근함 쪽으로 설정하였음</a:t>
+            </a:r>
+            <a:endParaRPr lang="ko-KR" altLang="en-US" sz="1200" dirty="0">
+              <a:solidFill>
+                <a:schemeClr val="tx1">
+                  <a:lumMod val="75000"/>
+                  <a:lumOff val="25000"/>
+                </a:schemeClr>
+              </a:solidFill>
+            </a:endParaRPr>
+          </a:p>
+        </p:txBody>
+      </p:sp>
+      <p:sp>
+        <p:nvSpPr>
+          <p:cNvPr id="7" name="타원 6">
+            <a:extLst>
+              <a:ext uri="{FF2B5EF4-FFF2-40B4-BE49-F238E27FC236}">
+                <a16:creationId xmlns:a16="http://schemas.microsoft.com/office/drawing/2014/main" id="{42734689-4E47-4F7B-B008-412850E5819E}"/>
+              </a:ext>
+            </a:extLst>
+          </p:cNvPr>
+          <p:cNvSpPr/>
+          <p:nvPr/>
+        </p:nvSpPr>
+        <p:spPr>
+          <a:xfrm>
+            <a:off x="1453592" y="4432879"/>
+            <a:ext cx="1221575" cy="1208708"/>
+          </a:xfrm>
+          <a:prstGeom prst="ellipse">
+            <a:avLst/>
+          </a:prstGeom>
+          <a:noFill/>
+        </p:spPr>
+        <p:style>
+          <a:lnRef idx="2">
+            <a:schemeClr val="accent1">
+              <a:shade val="50000"/>
+            </a:schemeClr>
+          </a:lnRef>
+          <a:fillRef idx="1">
+            <a:schemeClr val="accent1"/>
+          </a:fillRef>
+          <a:effectRef idx="0">
+            <a:schemeClr val="accent1"/>
+          </a:effectRef>
+          <a:fontRef idx="minor">
+            <a:schemeClr val="lt1"/>
+          </a:fontRef>
+        </p:style>
+        <p:txBody>
+          <a:bodyPr rtlCol="0" anchor="ctr"/>
+          <a:lstStyle/>
+          <a:p>
+            <a:pPr algn="ctr"/>
+            <a:endParaRPr lang="ko-KR" altLang="en-US"/>
+          </a:p>
+        </p:txBody>
+      </p:sp>
+      <p:sp>
+        <p:nvSpPr>
+          <p:cNvPr id="8" name="타원 7">
+            <a:extLst>
+              <a:ext uri="{FF2B5EF4-FFF2-40B4-BE49-F238E27FC236}">
+                <a16:creationId xmlns:a16="http://schemas.microsoft.com/office/drawing/2014/main" id="{24BB62A7-6784-4422-AE45-C7C69E4617A6}"/>
+              </a:ext>
+            </a:extLst>
+          </p:cNvPr>
+          <p:cNvSpPr/>
+          <p:nvPr/>
+        </p:nvSpPr>
+        <p:spPr>
+          <a:xfrm>
+            <a:off x="2212146" y="2667103"/>
+            <a:ext cx="1017712" cy="986114"/>
+          </a:xfrm>
+          <a:prstGeom prst="ellipse">
+            <a:avLst/>
+          </a:prstGeom>
+          <a:noFill/>
+          <a:ln>
+            <a:solidFill>
+              <a:srgbClr val="FF0000"/>
+            </a:solidFill>
+          </a:ln>
+        </p:spPr>
+        <p:style>
+          <a:lnRef idx="2">
+            <a:schemeClr val="accent1">
+              <a:shade val="50000"/>
+            </a:schemeClr>
+          </a:lnRef>
+          <a:fillRef idx="1">
+            <a:schemeClr val="accent1"/>
+          </a:fillRef>
+          <a:effectRef idx="0">
+            <a:schemeClr val="accent1"/>
+          </a:effectRef>
+          <a:fontRef idx="minor">
+            <a:schemeClr val="lt1"/>
+          </a:fontRef>
+        </p:style>
+        <p:txBody>
+          <a:bodyPr rtlCol="0" anchor="ctr"/>
+          <a:lstStyle/>
+          <a:p>
+            <a:pPr algn="ctr"/>
+            <a:endParaRPr lang="ko-KR" altLang="en-US"/>
+          </a:p>
+        </p:txBody>
+      </p:sp>
+      <p:sp>
+        <p:nvSpPr>
+          <p:cNvPr id="9" name="화살표: 아래쪽 8">
+            <a:extLst>
+              <a:ext uri="{FF2B5EF4-FFF2-40B4-BE49-F238E27FC236}">
+                <a16:creationId xmlns:a16="http://schemas.microsoft.com/office/drawing/2014/main" id="{EA6B60E6-BFC2-4DEF-AC2B-DCB454747EE9}"/>
+              </a:ext>
+            </a:extLst>
+          </p:cNvPr>
+          <p:cNvSpPr/>
+          <p:nvPr/>
+        </p:nvSpPr>
+        <p:spPr>
+          <a:xfrm rot="12067468">
+            <a:off x="2263953" y="3450992"/>
+            <a:ext cx="342844" cy="1184112"/>
+          </a:xfrm>
+          <a:prstGeom prst="downArrow">
+            <a:avLst>
+              <a:gd name="adj1" fmla="val 50000"/>
+              <a:gd name="adj2" fmla="val 57768"/>
+            </a:avLst>
+          </a:prstGeom>
+          <a:noFill/>
+          <a:ln>
+            <a:solidFill>
+              <a:srgbClr val="FFC000"/>
+            </a:solidFill>
+          </a:ln>
+        </p:spPr>
+        <p:style>
+          <a:lnRef idx="2">
+            <a:schemeClr val="accent1">
+              <a:shade val="50000"/>
+            </a:schemeClr>
+          </a:lnRef>
+          <a:fillRef idx="1">
+            <a:schemeClr val="accent1"/>
+          </a:fillRef>
+          <a:effectRef idx="0">
+            <a:schemeClr val="accent1"/>
+          </a:effectRef>
+          <a:fontRef idx="minor">
+            <a:schemeClr val="lt1"/>
+          </a:fontRef>
+        </p:style>
+        <p:txBody>
+          <a:bodyPr rtlCol="0" anchor="ctr"/>
+          <a:lstStyle/>
+          <a:p>
+            <a:pPr algn="ctr"/>
+            <a:endParaRPr lang="ko-KR" altLang="en-US"/>
           </a:p>
         </p:txBody>
       </p:sp>
@@ -15513,7 +19757,7 @@
           <p:nvPr>
             <p:extLst>
               <p:ext uri="{D42A27DB-BD31-4B8C-83A1-F6EECF244321}">
-                <p14:modId xmlns:p14="http://schemas.microsoft.com/office/powerpoint/2010/main" val="164716920"/>
+                <p14:modId xmlns:p14="http://schemas.microsoft.com/office/powerpoint/2010/main" val="3171353282"/>
               </p:ext>
             </p:extLst>
           </p:nvPr>
@@ -15640,7 +19884,19 @@
                           <a:spcPts val="0"/>
                         </a:spcAft>
                       </a:pPr>
-                      <a:endParaRPr lang="ko-KR" altLang="en-US" sz="1200" b="0" kern="0" spc="0" dirty="0">
+                      <a:r>
+                        <a:rPr lang="ko-KR" altLang="en-US" sz="1200" b="1" kern="0" spc="0" dirty="0">
+                          <a:solidFill>
+                            <a:schemeClr val="bg1">
+                              <a:lumMod val="50000"/>
+                            </a:schemeClr>
+                          </a:solidFill>
+                          <a:effectLst/>
+                          <a:latin typeface="맑은 고딕" panose="020B0503020000020004" pitchFamily="50" charset="-127"/>
+                        </a:rPr>
+                        <a:t>제작 핵심</a:t>
+                      </a:r>
+                      <a:endParaRPr lang="en-US" altLang="ko-KR" sz="1200" b="1" kern="0" spc="0" dirty="0">
                         <a:solidFill>
                           <a:schemeClr val="bg1">
                             <a:lumMod val="50000"/>
@@ -15649,6 +19905,589 @@
                         <a:effectLst/>
                         <a:latin typeface="맑은 고딕" panose="020B0503020000020004" pitchFamily="50" charset="-127"/>
                       </a:endParaRPr>
+                    </a:p>
+                    <a:p>
+                      <a:pPr marL="171450" marR="0" indent="-171450" algn="l" fontAlgn="base" latinLnBrk="0">
+                        <a:lnSpc>
+                          <a:spcPct val="130000"/>
+                        </a:lnSpc>
+                        <a:spcBef>
+                          <a:spcPts val="0"/>
+                        </a:spcBef>
+                        <a:spcAft>
+                          <a:spcPts val="0"/>
+                        </a:spcAft>
+                        <a:buFont typeface="Arial" panose="020B0604020202020204" pitchFamily="34" charset="0"/>
+                        <a:buChar char="•"/>
+                      </a:pPr>
+                      <a:r>
+                        <a:rPr lang="ko-KR" altLang="en-US" sz="1200" b="0" kern="0" spc="0" dirty="0">
+                          <a:solidFill>
+                            <a:schemeClr val="bg1">
+                              <a:lumMod val="50000"/>
+                            </a:schemeClr>
+                          </a:solidFill>
+                          <a:effectLst/>
+                          <a:latin typeface="맑은 고딕" panose="020B0503020000020004" pitchFamily="50" charset="-127"/>
+                        </a:rPr>
+                        <a:t>찾기 편하고 정돈된 페이지</a:t>
+                      </a:r>
+                      <a:endParaRPr lang="en-US" altLang="ko-KR" sz="1200" b="0" kern="0" spc="0" dirty="0">
+                        <a:solidFill>
+                          <a:schemeClr val="bg1">
+                            <a:lumMod val="50000"/>
+                          </a:schemeClr>
+                        </a:solidFill>
+                        <a:effectLst/>
+                        <a:latin typeface="맑은 고딕" panose="020B0503020000020004" pitchFamily="50" charset="-127"/>
+                      </a:endParaRPr>
+                    </a:p>
+                    <a:p>
+                      <a:pPr marL="171450" marR="0" indent="-171450" algn="l" fontAlgn="base" latinLnBrk="0">
+                        <a:lnSpc>
+                          <a:spcPct val="130000"/>
+                        </a:lnSpc>
+                        <a:spcBef>
+                          <a:spcPts val="0"/>
+                        </a:spcBef>
+                        <a:spcAft>
+                          <a:spcPts val="0"/>
+                        </a:spcAft>
+                        <a:buFont typeface="Arial" panose="020B0604020202020204" pitchFamily="34" charset="0"/>
+                        <a:buChar char="•"/>
+                      </a:pPr>
+                      <a:r>
+                        <a:rPr lang="ko-KR" altLang="en-US" sz="1200" b="0" kern="0" spc="0" dirty="0">
+                          <a:solidFill>
+                            <a:schemeClr val="bg1">
+                              <a:lumMod val="50000"/>
+                            </a:schemeClr>
+                          </a:solidFill>
+                          <a:effectLst/>
+                          <a:latin typeface="맑은 고딕" panose="020B0503020000020004" pitchFamily="50" charset="-127"/>
+                        </a:rPr>
+                        <a:t>필요한 제품</a:t>
+                      </a:r>
+                      <a:r>
+                        <a:rPr lang="en-US" altLang="ko-KR" sz="1200" b="0" kern="0" spc="0" dirty="0">
+                          <a:solidFill>
+                            <a:schemeClr val="bg1">
+                              <a:lumMod val="50000"/>
+                            </a:schemeClr>
+                          </a:solidFill>
+                          <a:effectLst/>
+                          <a:latin typeface="맑은 고딕" panose="020B0503020000020004" pitchFamily="50" charset="-127"/>
+                        </a:rPr>
+                        <a:t>/</a:t>
+                      </a:r>
+                      <a:r>
+                        <a:rPr lang="ko-KR" altLang="en-US" sz="1200" b="0" kern="0" spc="0" dirty="0">
+                          <a:solidFill>
+                            <a:schemeClr val="bg1">
+                              <a:lumMod val="50000"/>
+                            </a:schemeClr>
+                          </a:solidFill>
+                          <a:effectLst/>
+                          <a:latin typeface="맑은 고딕" panose="020B0503020000020004" pitchFamily="50" charset="-127"/>
+                        </a:rPr>
+                        <a:t>자료를 검색하기 용이하게 처리</a:t>
+                      </a:r>
+                      <a:endParaRPr lang="en-US" altLang="ko-KR" sz="1200" b="0" kern="0" spc="0" dirty="0">
+                        <a:solidFill>
+                          <a:schemeClr val="bg1">
+                            <a:lumMod val="50000"/>
+                          </a:schemeClr>
+                        </a:solidFill>
+                        <a:effectLst/>
+                        <a:latin typeface="맑은 고딕" panose="020B0503020000020004" pitchFamily="50" charset="-127"/>
+                      </a:endParaRPr>
+                    </a:p>
+                    <a:p>
+                      <a:pPr marL="171450" marR="0" indent="-171450" algn="l" fontAlgn="base" latinLnBrk="0">
+                        <a:lnSpc>
+                          <a:spcPct val="130000"/>
+                        </a:lnSpc>
+                        <a:spcBef>
+                          <a:spcPts val="0"/>
+                        </a:spcBef>
+                        <a:spcAft>
+                          <a:spcPts val="0"/>
+                        </a:spcAft>
+                        <a:buFont typeface="Arial" panose="020B0604020202020204" pitchFamily="34" charset="0"/>
+                        <a:buChar char="•"/>
+                      </a:pPr>
+                      <a:r>
+                        <a:rPr lang="ko-KR" altLang="en-US" sz="1200" b="0" kern="0" spc="0" dirty="0" err="1">
+                          <a:solidFill>
+                            <a:schemeClr val="bg1">
+                              <a:lumMod val="50000"/>
+                            </a:schemeClr>
+                          </a:solidFill>
+                          <a:effectLst/>
+                          <a:latin typeface="맑은 고딕" panose="020B0503020000020004" pitchFamily="50" charset="-127"/>
+                        </a:rPr>
+                        <a:t>인플루언서들의</a:t>
+                      </a:r>
+                      <a:r>
+                        <a:rPr lang="ko-KR" altLang="en-US" sz="1200" b="0" kern="0" spc="0" dirty="0">
+                          <a:solidFill>
+                            <a:schemeClr val="bg1">
+                              <a:lumMod val="50000"/>
+                            </a:schemeClr>
+                          </a:solidFill>
+                          <a:effectLst/>
+                          <a:latin typeface="맑은 고딕" panose="020B0503020000020004" pitchFamily="50" charset="-127"/>
+                        </a:rPr>
+                        <a:t> 추천상품 홍보자료 카테고리 별도</a:t>
+                      </a:r>
+                      <a:endParaRPr lang="en-US" altLang="ko-KR" sz="1200" b="0" kern="0" spc="0" dirty="0">
+                        <a:solidFill>
+                          <a:schemeClr val="bg1">
+                            <a:lumMod val="50000"/>
+                          </a:schemeClr>
+                        </a:solidFill>
+                        <a:effectLst/>
+                        <a:latin typeface="맑은 고딕" panose="020B0503020000020004" pitchFamily="50" charset="-127"/>
+                      </a:endParaRPr>
+                    </a:p>
+                    <a:p>
+                      <a:pPr marL="0" marR="0" indent="0" algn="l" fontAlgn="base" latinLnBrk="0">
+                        <a:lnSpc>
+                          <a:spcPct val="130000"/>
+                        </a:lnSpc>
+                        <a:spcBef>
+                          <a:spcPts val="0"/>
+                        </a:spcBef>
+                        <a:spcAft>
+                          <a:spcPts val="0"/>
+                        </a:spcAft>
+                      </a:pPr>
+                      <a:endParaRPr lang="en-US" altLang="ko-KR" sz="1200" b="0" kern="0" spc="0" dirty="0">
+                        <a:solidFill>
+                          <a:schemeClr val="bg1">
+                            <a:lumMod val="50000"/>
+                          </a:schemeClr>
+                        </a:solidFill>
+                        <a:effectLst/>
+                        <a:latin typeface="맑은 고딕" panose="020B0503020000020004" pitchFamily="50" charset="-127"/>
+                      </a:endParaRPr>
+                    </a:p>
+                    <a:p>
+                      <a:pPr marL="0" marR="0" indent="0" algn="l" fontAlgn="base" latinLnBrk="0">
+                        <a:lnSpc>
+                          <a:spcPct val="130000"/>
+                        </a:lnSpc>
+                        <a:spcBef>
+                          <a:spcPts val="0"/>
+                        </a:spcBef>
+                        <a:spcAft>
+                          <a:spcPts val="0"/>
+                        </a:spcAft>
+                      </a:pPr>
+                      <a:r>
+                        <a:rPr lang="ko-KR" altLang="en-US" sz="1200" b="1" kern="0" spc="0" dirty="0">
+                          <a:solidFill>
+                            <a:schemeClr val="bg1">
+                              <a:lumMod val="50000"/>
+                            </a:schemeClr>
+                          </a:solidFill>
+                          <a:effectLst/>
+                          <a:latin typeface="맑은 고딕" panose="020B0503020000020004" pitchFamily="50" charset="-127"/>
+                        </a:rPr>
+                        <a:t>제작 방향</a:t>
+                      </a:r>
+                      <a:endParaRPr lang="en-US" altLang="ko-KR" sz="1200" b="1" kern="0" spc="0" dirty="0">
+                        <a:solidFill>
+                          <a:schemeClr val="bg1">
+                            <a:lumMod val="50000"/>
+                          </a:schemeClr>
+                        </a:solidFill>
+                        <a:effectLst/>
+                        <a:latin typeface="맑은 고딕" panose="020B0503020000020004" pitchFamily="50" charset="-127"/>
+                      </a:endParaRPr>
+                    </a:p>
+                    <a:p>
+                      <a:pPr marL="171450" marR="0" indent="-171450" algn="l" fontAlgn="base" latinLnBrk="0">
+                        <a:lnSpc>
+                          <a:spcPct val="130000"/>
+                        </a:lnSpc>
+                        <a:spcBef>
+                          <a:spcPts val="0"/>
+                        </a:spcBef>
+                        <a:spcAft>
+                          <a:spcPts val="0"/>
+                        </a:spcAft>
+                        <a:buFont typeface="Arial" panose="020B0604020202020204" pitchFamily="34" charset="0"/>
+                        <a:buChar char="•"/>
+                      </a:pPr>
+                      <a:r>
+                        <a:rPr lang="ko-KR" altLang="en-US" sz="1200" b="0" kern="0" spc="0" dirty="0">
+                          <a:solidFill>
+                            <a:schemeClr val="bg1">
+                              <a:lumMod val="50000"/>
+                            </a:schemeClr>
+                          </a:solidFill>
+                          <a:effectLst/>
+                          <a:latin typeface="맑은 고딕" panose="020B0503020000020004" pitchFamily="50" charset="-127"/>
+                        </a:rPr>
+                        <a:t>새로운 제품홍보를 위한 참여형 페이지로 구성</a:t>
+                      </a:r>
+                      <a:endParaRPr lang="en-US" altLang="ko-KR" sz="1200" b="0" kern="0" spc="0" dirty="0">
+                        <a:solidFill>
+                          <a:schemeClr val="bg1">
+                            <a:lumMod val="50000"/>
+                          </a:schemeClr>
+                        </a:solidFill>
+                        <a:effectLst/>
+                        <a:latin typeface="맑은 고딕" panose="020B0503020000020004" pitchFamily="50" charset="-127"/>
+                      </a:endParaRPr>
+                    </a:p>
+                    <a:p>
+                      <a:pPr marL="171450" marR="0" indent="-171450" algn="l" fontAlgn="base" latinLnBrk="0">
+                        <a:lnSpc>
+                          <a:spcPct val="130000"/>
+                        </a:lnSpc>
+                        <a:spcBef>
+                          <a:spcPts val="0"/>
+                        </a:spcBef>
+                        <a:spcAft>
+                          <a:spcPts val="0"/>
+                        </a:spcAft>
+                        <a:buFont typeface="Arial" panose="020B0604020202020204" pitchFamily="34" charset="0"/>
+                        <a:buChar char="•"/>
+                      </a:pPr>
+                      <a:r>
+                        <a:rPr lang="ko-KR" altLang="en-US" sz="1200" b="0" kern="0" spc="0" dirty="0" err="1">
+                          <a:solidFill>
+                            <a:schemeClr val="bg1">
+                              <a:lumMod val="50000"/>
+                            </a:schemeClr>
+                          </a:solidFill>
+                          <a:effectLst/>
+                          <a:latin typeface="맑은 고딕" panose="020B0503020000020004" pitchFamily="50" charset="-127"/>
+                        </a:rPr>
+                        <a:t>주요컨셉</a:t>
+                      </a:r>
+                      <a:r>
+                        <a:rPr lang="en-US" altLang="ko-KR" sz="1200" b="0" kern="0" spc="0" dirty="0">
+                          <a:solidFill>
+                            <a:schemeClr val="bg1">
+                              <a:lumMod val="50000"/>
+                            </a:schemeClr>
+                          </a:solidFill>
+                          <a:effectLst/>
+                          <a:latin typeface="맑은 고딕" panose="020B0503020000020004" pitchFamily="50" charset="-127"/>
+                        </a:rPr>
+                        <a:t> : </a:t>
+                      </a:r>
+                      <a:r>
+                        <a:rPr lang="ko-KR" altLang="en-US" sz="1200" b="0" kern="0" spc="0" dirty="0">
+                          <a:solidFill>
+                            <a:schemeClr val="bg1">
+                              <a:lumMod val="50000"/>
+                            </a:schemeClr>
+                          </a:solidFill>
+                          <a:effectLst/>
+                          <a:latin typeface="맑은 고딕" panose="020B0503020000020004" pitchFamily="50" charset="-127"/>
+                        </a:rPr>
+                        <a:t>경쾌한 느낌</a:t>
+                      </a:r>
+                      <a:r>
+                        <a:rPr lang="en-US" altLang="ko-KR" sz="1200" b="0" kern="0" spc="0" dirty="0">
+                          <a:solidFill>
+                            <a:schemeClr val="bg1">
+                              <a:lumMod val="50000"/>
+                            </a:schemeClr>
+                          </a:solidFill>
+                          <a:effectLst/>
+                          <a:latin typeface="맑은 고딕" panose="020B0503020000020004" pitchFamily="50" charset="-127"/>
+                        </a:rPr>
+                        <a:t>, </a:t>
+                      </a:r>
+                      <a:r>
+                        <a:rPr lang="ko-KR" altLang="en-US" sz="1200" b="0" kern="0" spc="0" dirty="0">
+                          <a:solidFill>
+                            <a:schemeClr val="bg1">
+                              <a:lumMod val="50000"/>
+                            </a:schemeClr>
+                          </a:solidFill>
+                          <a:effectLst/>
+                          <a:latin typeface="맑은 고딕" panose="020B0503020000020004" pitchFamily="50" charset="-127"/>
+                        </a:rPr>
+                        <a:t>새로움을 강조</a:t>
+                      </a:r>
+                      <a:r>
+                        <a:rPr lang="en-US" altLang="ko-KR" sz="1200" b="0" kern="0" spc="0" dirty="0">
+                          <a:solidFill>
+                            <a:schemeClr val="bg1">
+                              <a:lumMod val="50000"/>
+                            </a:schemeClr>
+                          </a:solidFill>
+                          <a:effectLst/>
+                          <a:latin typeface="맑은 고딕" panose="020B0503020000020004" pitchFamily="50" charset="-127"/>
+                        </a:rPr>
+                        <a:t>, </a:t>
+                      </a:r>
+                      <a:r>
+                        <a:rPr lang="ko-KR" altLang="en-US" sz="1200" b="0" kern="0" spc="0" dirty="0">
+                          <a:solidFill>
+                            <a:schemeClr val="bg1">
+                              <a:lumMod val="50000"/>
+                            </a:schemeClr>
+                          </a:solidFill>
+                          <a:effectLst/>
+                          <a:latin typeface="맑은 고딕" panose="020B0503020000020004" pitchFamily="50" charset="-127"/>
+                        </a:rPr>
+                        <a:t>여유</a:t>
+                      </a:r>
+                      <a:endParaRPr lang="en-US" altLang="ko-KR" sz="1200" b="0" kern="0" spc="0" dirty="0">
+                        <a:solidFill>
+                          <a:schemeClr val="bg1">
+                            <a:lumMod val="50000"/>
+                          </a:schemeClr>
+                        </a:solidFill>
+                        <a:effectLst/>
+                        <a:latin typeface="맑은 고딕" panose="020B0503020000020004" pitchFamily="50" charset="-127"/>
+                      </a:endParaRPr>
+                    </a:p>
+                    <a:p>
+                      <a:pPr marL="0" marR="0" indent="0" algn="l" fontAlgn="base" latinLnBrk="0">
+                        <a:lnSpc>
+                          <a:spcPct val="130000"/>
+                        </a:lnSpc>
+                        <a:spcBef>
+                          <a:spcPts val="0"/>
+                        </a:spcBef>
+                        <a:spcAft>
+                          <a:spcPts val="0"/>
+                        </a:spcAft>
+                      </a:pPr>
+                      <a:endParaRPr lang="en-US" altLang="ko-KR" sz="1200" b="0" kern="0" spc="0" dirty="0">
+                        <a:solidFill>
+                          <a:schemeClr val="bg1">
+                            <a:lumMod val="50000"/>
+                          </a:schemeClr>
+                        </a:solidFill>
+                        <a:effectLst/>
+                        <a:latin typeface="맑은 고딕" panose="020B0503020000020004" pitchFamily="50" charset="-127"/>
+                      </a:endParaRPr>
+                    </a:p>
+                    <a:p>
+                      <a:pPr marL="0" marR="0" indent="0" algn="l" fontAlgn="base" latinLnBrk="0">
+                        <a:lnSpc>
+                          <a:spcPct val="130000"/>
+                        </a:lnSpc>
+                        <a:spcBef>
+                          <a:spcPts val="0"/>
+                        </a:spcBef>
+                        <a:spcAft>
+                          <a:spcPts val="0"/>
+                        </a:spcAft>
+                      </a:pPr>
+                      <a:r>
+                        <a:rPr lang="ko-KR" altLang="en-US" sz="1200" b="1" kern="0" spc="0" dirty="0">
+                          <a:solidFill>
+                            <a:schemeClr val="bg1">
+                              <a:lumMod val="50000"/>
+                            </a:schemeClr>
+                          </a:solidFill>
+                          <a:effectLst/>
+                          <a:latin typeface="맑은 고딕" panose="020B0503020000020004" pitchFamily="50" charset="-127"/>
+                        </a:rPr>
+                        <a:t>제작 컬러</a:t>
+                      </a:r>
+                      <a:endParaRPr lang="en-US" altLang="ko-KR" sz="1200" b="1" kern="0" spc="0" dirty="0">
+                        <a:solidFill>
+                          <a:schemeClr val="bg1">
+                            <a:lumMod val="50000"/>
+                          </a:schemeClr>
+                        </a:solidFill>
+                        <a:effectLst/>
+                        <a:latin typeface="맑은 고딕" panose="020B0503020000020004" pitchFamily="50" charset="-127"/>
+                      </a:endParaRPr>
+                    </a:p>
+                    <a:p>
+                      <a:pPr marL="171450" marR="0" indent="-171450" algn="l" fontAlgn="base" latinLnBrk="0">
+                        <a:lnSpc>
+                          <a:spcPct val="130000"/>
+                        </a:lnSpc>
+                        <a:spcBef>
+                          <a:spcPts val="0"/>
+                        </a:spcBef>
+                        <a:spcAft>
+                          <a:spcPts val="0"/>
+                        </a:spcAft>
+                        <a:buFont typeface="Arial" panose="020B0604020202020204" pitchFamily="34" charset="0"/>
+                        <a:buChar char="•"/>
+                      </a:pPr>
+                      <a:r>
+                        <a:rPr lang="ko-KR" altLang="en-US" sz="1200" b="0" kern="0" spc="0" dirty="0">
+                          <a:solidFill>
+                            <a:schemeClr val="bg1">
+                              <a:lumMod val="50000"/>
+                            </a:schemeClr>
+                          </a:solidFill>
+                          <a:effectLst/>
+                          <a:latin typeface="맑은 고딕" panose="020B0503020000020004" pitchFamily="50" charset="-127"/>
+                        </a:rPr>
+                        <a:t>주요 컬러 </a:t>
+                      </a:r>
+                      <a:r>
+                        <a:rPr lang="en-US" altLang="ko-KR" sz="1200" b="0" kern="0" spc="0" dirty="0">
+                          <a:solidFill>
+                            <a:schemeClr val="bg1">
+                              <a:lumMod val="50000"/>
+                            </a:schemeClr>
+                          </a:solidFill>
+                          <a:effectLst/>
+                          <a:latin typeface="맑은 고딕" panose="020B0503020000020004" pitchFamily="50" charset="-127"/>
+                        </a:rPr>
+                        <a:t>: </a:t>
+                      </a:r>
+                      <a:r>
+                        <a:rPr lang="ko-KR" altLang="en-US" sz="1200" b="0" kern="0" spc="0" dirty="0">
+                          <a:solidFill>
+                            <a:schemeClr val="bg1">
+                              <a:lumMod val="50000"/>
+                            </a:schemeClr>
+                          </a:solidFill>
+                          <a:effectLst/>
+                          <a:latin typeface="맑은 고딕" panose="020B0503020000020004" pitchFamily="50" charset="-127"/>
+                        </a:rPr>
+                        <a:t>그린</a:t>
+                      </a:r>
+                      <a:r>
+                        <a:rPr lang="en-US" altLang="ko-KR" sz="1200" b="0" kern="0" spc="0" dirty="0">
+                          <a:solidFill>
+                            <a:schemeClr val="bg1">
+                              <a:lumMod val="50000"/>
+                            </a:schemeClr>
+                          </a:solidFill>
+                          <a:effectLst/>
+                          <a:latin typeface="맑은 고딕" panose="020B0503020000020004" pitchFamily="50" charset="-127"/>
+                        </a:rPr>
+                        <a:t>/</a:t>
+                      </a:r>
+                      <a:r>
+                        <a:rPr lang="ko-KR" altLang="en-US" sz="1200" b="0" kern="0" spc="0" dirty="0">
+                          <a:solidFill>
+                            <a:schemeClr val="bg1">
+                              <a:lumMod val="50000"/>
+                            </a:schemeClr>
+                          </a:solidFill>
+                          <a:effectLst/>
+                          <a:latin typeface="맑은 고딕" panose="020B0503020000020004" pitchFamily="50" charset="-127"/>
+                        </a:rPr>
+                        <a:t>자주</a:t>
+                      </a:r>
+                      <a:r>
+                        <a:rPr lang="en-US" altLang="ko-KR" sz="1200" b="0" kern="0" spc="0" dirty="0">
+                          <a:solidFill>
+                            <a:schemeClr val="bg1">
+                              <a:lumMod val="50000"/>
+                            </a:schemeClr>
+                          </a:solidFill>
+                          <a:effectLst/>
+                          <a:latin typeface="맑은 고딕" panose="020B0503020000020004" pitchFamily="50" charset="-127"/>
+                        </a:rPr>
+                        <a:t>/</a:t>
+                      </a:r>
+                      <a:r>
+                        <a:rPr lang="ko-KR" altLang="en-US" sz="1200" b="0" kern="0" spc="0" dirty="0">
+                          <a:solidFill>
+                            <a:schemeClr val="bg1">
+                              <a:lumMod val="50000"/>
+                            </a:schemeClr>
+                          </a:solidFill>
+                          <a:effectLst/>
+                          <a:latin typeface="맑은 고딕" panose="020B0503020000020004" pitchFamily="50" charset="-127"/>
+                        </a:rPr>
+                        <a:t>민트</a:t>
+                      </a:r>
+                      <a:endParaRPr lang="en-US" altLang="ko-KR" sz="1200" b="0" kern="0" spc="0" dirty="0">
+                        <a:solidFill>
+                          <a:schemeClr val="bg1">
+                            <a:lumMod val="50000"/>
+                          </a:schemeClr>
+                        </a:solidFill>
+                        <a:effectLst/>
+                        <a:latin typeface="맑은 고딕" panose="020B0503020000020004" pitchFamily="50" charset="-127"/>
+                      </a:endParaRPr>
+                    </a:p>
+                    <a:p>
+                      <a:pPr marL="171450" marR="0" indent="-171450" algn="l" fontAlgn="base" latinLnBrk="0">
+                        <a:lnSpc>
+                          <a:spcPct val="130000"/>
+                        </a:lnSpc>
+                        <a:spcBef>
+                          <a:spcPts val="0"/>
+                        </a:spcBef>
+                        <a:spcAft>
+                          <a:spcPts val="0"/>
+                        </a:spcAft>
+                        <a:buFont typeface="Arial" panose="020B0604020202020204" pitchFamily="34" charset="0"/>
+                        <a:buChar char="•"/>
+                      </a:pPr>
+                      <a:r>
+                        <a:rPr lang="ko-KR" altLang="en-US" sz="1200" b="0" kern="0" spc="0" dirty="0">
+                          <a:solidFill>
+                            <a:schemeClr val="bg1">
+                              <a:lumMod val="50000"/>
+                            </a:schemeClr>
+                          </a:solidFill>
+                          <a:effectLst/>
+                          <a:latin typeface="맑은 고딕" panose="020B0503020000020004" pitchFamily="50" charset="-127"/>
+                        </a:rPr>
+                        <a:t>배색 </a:t>
+                      </a:r>
+                      <a:r>
+                        <a:rPr lang="en-US" altLang="ko-KR" sz="1200" b="0" kern="0" spc="0" dirty="0">
+                          <a:solidFill>
+                            <a:schemeClr val="bg1">
+                              <a:lumMod val="50000"/>
+                            </a:schemeClr>
+                          </a:solidFill>
+                          <a:effectLst/>
+                          <a:latin typeface="맑은 고딕" panose="020B0503020000020004" pitchFamily="50" charset="-127"/>
+                        </a:rPr>
+                        <a:t>: IT</a:t>
+                      </a:r>
+                      <a:r>
+                        <a:rPr lang="ko-KR" altLang="en-US" sz="1200" b="0" kern="0" spc="0" dirty="0">
+                          <a:solidFill>
+                            <a:schemeClr val="bg1">
+                              <a:lumMod val="50000"/>
+                            </a:schemeClr>
+                          </a:solidFill>
+                          <a:effectLst/>
+                          <a:latin typeface="맑은 고딕" panose="020B0503020000020004" pitchFamily="50" charset="-127"/>
+                        </a:rPr>
+                        <a:t>기기의 특징을 살린 화이트</a:t>
+                      </a:r>
+                      <a:r>
+                        <a:rPr lang="en-US" altLang="ko-KR" sz="1200" b="0" kern="0" spc="0" dirty="0">
+                          <a:solidFill>
+                            <a:schemeClr val="bg1">
+                              <a:lumMod val="50000"/>
+                            </a:schemeClr>
+                          </a:solidFill>
+                          <a:effectLst/>
+                          <a:latin typeface="맑은 고딕" panose="020B0503020000020004" pitchFamily="50" charset="-127"/>
+                        </a:rPr>
+                        <a:t>/</a:t>
+                      </a:r>
+                      <a:r>
+                        <a:rPr lang="ko-KR" altLang="en-US" sz="1200" b="0" kern="0" spc="0" dirty="0">
+                          <a:solidFill>
+                            <a:schemeClr val="bg1">
+                              <a:lumMod val="50000"/>
+                            </a:schemeClr>
+                          </a:solidFill>
+                          <a:effectLst/>
+                          <a:latin typeface="맑은 고딕" panose="020B0503020000020004" pitchFamily="50" charset="-127"/>
+                        </a:rPr>
+                        <a:t>블루</a:t>
+                      </a:r>
                     </a:p>
                   </a:txBody>
                   <a:tcPr marL="52626" marR="52626" marT="14549" marB="14549">
@@ -15970,290 +20809,36 @@
           </a:p>
         </p:txBody>
       </p:sp>
-      <p:grpSp>
-        <p:nvGrpSpPr>
-          <p:cNvPr id="5" name="그룹 4">
+      <p:pic>
+        <p:nvPicPr>
+          <p:cNvPr id="12" name="그림 11">
             <a:extLst>
               <a:ext uri="{FF2B5EF4-FFF2-40B4-BE49-F238E27FC236}">
-                <a16:creationId xmlns:a16="http://schemas.microsoft.com/office/drawing/2014/main" id="{7C4E7D32-99F8-4C83-8288-54C5A7B5EA4B}"/>
+                <a16:creationId xmlns:a16="http://schemas.microsoft.com/office/drawing/2014/main" id="{F50A66A4-8997-464D-826C-99BFA56BFDC8}"/>
               </a:ext>
             </a:extLst>
           </p:cNvPr>
-          <p:cNvGrpSpPr/>
+          <p:cNvPicPr>
+            <a:picLocks noChangeAspect="1"/>
+          </p:cNvPicPr>
           <p:nvPr/>
-        </p:nvGrpSpPr>
-        <p:grpSpPr>
+        </p:nvPicPr>
+        <p:blipFill>
+          <a:blip r:embed="rId2"/>
+          <a:stretch>
+            <a:fillRect/>
+          </a:stretch>
+        </p:blipFill>
+        <p:spPr>
           <a:xfrm>
-            <a:off x="1387565" y="1761439"/>
-            <a:ext cx="5643835" cy="4344082"/>
-            <a:chOff x="1387565" y="1761439"/>
-            <a:chExt cx="5643835" cy="4344082"/>
+            <a:off x="1904808" y="1696811"/>
+            <a:ext cx="6096384" cy="4754412"/>
           </a:xfrm>
-        </p:grpSpPr>
-        <p:pic>
-          <p:nvPicPr>
-            <p:cNvPr id="1030" name="Picture 6" descr="EasyOne Website Flowchart Template | Wireframe design, Web design, Flow  chart template">
-              <a:extLst>
-                <a:ext uri="{FF2B5EF4-FFF2-40B4-BE49-F238E27FC236}">
-                  <a16:creationId xmlns:a16="http://schemas.microsoft.com/office/drawing/2014/main" id="{53D50EC9-F931-4F03-855C-D52702584A73}"/>
-                </a:ext>
-              </a:extLst>
-            </p:cNvPr>
-            <p:cNvPicPr>
-              <a:picLocks noChangeAspect="1" noChangeArrowheads="1"/>
-            </p:cNvPicPr>
-            <p:nvPr/>
-          </p:nvPicPr>
-          <p:blipFill rotWithShape="1">
-            <a:blip r:embed="rId2">
-              <a:extLst>
-                <a:ext uri="{28A0092B-C50C-407E-A947-70E740481C1C}">
-                  <a14:useLocalDpi xmlns:a14="http://schemas.microsoft.com/office/drawing/2010/main" val="0"/>
-                </a:ext>
-              </a:extLst>
-            </a:blip>
-            <a:srcRect t="52500" b="2037"/>
-            <a:stretch/>
-          </p:blipFill>
-          <p:spPr bwMode="auto">
-            <a:xfrm>
-              <a:off x="1387565" y="1761439"/>
-              <a:ext cx="5643835" cy="4023408"/>
-            </a:xfrm>
-            <a:prstGeom prst="rect">
-              <a:avLst/>
-            </a:prstGeom>
-            <a:noFill/>
-            <a:extLst>
-              <a:ext uri="{909E8E84-426E-40DD-AFC4-6F175D3DCCD1}">
-                <a14:hiddenFill xmlns:a14="http://schemas.microsoft.com/office/drawing/2010/main">
-                  <a:solidFill>
-                    <a:srgbClr val="FFFFFF"/>
-                  </a:solidFill>
-                </a14:hiddenFill>
-              </a:ext>
-            </a:extLst>
-          </p:spPr>
-        </p:pic>
-        <p:sp>
-          <p:nvSpPr>
-            <p:cNvPr id="16" name="텍스트 개체 틀 7">
-              <a:extLst>
-                <a:ext uri="{FF2B5EF4-FFF2-40B4-BE49-F238E27FC236}">
-                  <a16:creationId xmlns:a16="http://schemas.microsoft.com/office/drawing/2014/main" id="{748151F9-D153-4CD1-BCEF-DEB0961B8C2D}"/>
-                </a:ext>
-              </a:extLst>
-            </p:cNvPr>
-            <p:cNvSpPr txBox="1">
-              <a:spLocks/>
-            </p:cNvSpPr>
-            <p:nvPr/>
-          </p:nvSpPr>
-          <p:spPr>
-            <a:xfrm>
-              <a:off x="1466851" y="5851975"/>
-              <a:ext cx="5372099" cy="253546"/>
-            </a:xfrm>
-            <a:prstGeom prst="rect">
-              <a:avLst/>
-            </a:prstGeom>
-          </p:spPr>
-          <p:txBody>
-            <a:bodyPr/>
-            <a:lstStyle>
-              <a:lvl1pPr marL="285750" indent="-285750" algn="l" defTabSz="914400" rtl="0" eaLnBrk="1" latinLnBrk="1" hangingPunct="1">
-                <a:lnSpc>
-                  <a:spcPct val="90000"/>
-                </a:lnSpc>
-                <a:spcBef>
-                  <a:spcPts val="1000"/>
-                </a:spcBef>
-                <a:buClr>
-                  <a:srgbClr val="2AB9C7"/>
-                </a:buClr>
-                <a:buSzPct val="80000"/>
-                <a:buFont typeface="Wingdings" panose="05000000000000000000" pitchFamily="2" charset="2"/>
-                <a:buChar char="l"/>
-                <a:defRPr sz="1600" kern="1200">
-                  <a:solidFill>
-                    <a:srgbClr val="595959"/>
-                  </a:solidFill>
-                  <a:latin typeface="+mn-lt"/>
-                  <a:ea typeface="+mn-ea"/>
-                  <a:cs typeface="+mn-cs"/>
-                </a:defRPr>
-              </a:lvl1pPr>
-              <a:lvl2pPr marL="457200" indent="0" algn="l" defTabSz="914400" rtl="0" eaLnBrk="1" latinLnBrk="1" hangingPunct="1">
-                <a:lnSpc>
-                  <a:spcPct val="90000"/>
-                </a:lnSpc>
-                <a:spcBef>
-                  <a:spcPts val="500"/>
-                </a:spcBef>
-                <a:buFont typeface="Arial" panose="020B0604020202020204" pitchFamily="34" charset="0"/>
-                <a:buNone/>
-                <a:defRPr sz="1400" kern="1200">
-                  <a:solidFill>
-                    <a:schemeClr val="tx1"/>
-                  </a:solidFill>
-                  <a:latin typeface="+mn-lt"/>
-                  <a:ea typeface="+mn-ea"/>
-                  <a:cs typeface="+mn-cs"/>
-                </a:defRPr>
-              </a:lvl2pPr>
-              <a:lvl3pPr marL="914400" indent="0" algn="l" defTabSz="914400" rtl="0" eaLnBrk="1" latinLnBrk="1" hangingPunct="1">
-                <a:lnSpc>
-                  <a:spcPct val="90000"/>
-                </a:lnSpc>
-                <a:spcBef>
-                  <a:spcPts val="500"/>
-                </a:spcBef>
-                <a:buFont typeface="Arial" panose="020B0604020202020204" pitchFamily="34" charset="0"/>
-                <a:buNone/>
-                <a:defRPr sz="1200" kern="1200">
-                  <a:solidFill>
-                    <a:schemeClr val="tx1"/>
-                  </a:solidFill>
-                  <a:latin typeface="+mn-lt"/>
-                  <a:ea typeface="+mn-ea"/>
-                  <a:cs typeface="+mn-cs"/>
-                </a:defRPr>
-              </a:lvl3pPr>
-              <a:lvl4pPr marL="1371600" indent="0" algn="l" defTabSz="914400" rtl="0" eaLnBrk="1" latinLnBrk="1" hangingPunct="1">
-                <a:lnSpc>
-                  <a:spcPct val="90000"/>
-                </a:lnSpc>
-                <a:spcBef>
-                  <a:spcPts val="500"/>
-                </a:spcBef>
-                <a:buFont typeface="Arial" panose="020B0604020202020204" pitchFamily="34" charset="0"/>
-                <a:buNone/>
-                <a:defRPr sz="1000" kern="1200">
-                  <a:solidFill>
-                    <a:schemeClr val="tx1"/>
-                  </a:solidFill>
-                  <a:latin typeface="+mn-lt"/>
-                  <a:ea typeface="+mn-ea"/>
-                  <a:cs typeface="+mn-cs"/>
-                </a:defRPr>
-              </a:lvl4pPr>
-              <a:lvl5pPr marL="1828800" indent="0" algn="l" defTabSz="914400" rtl="0" eaLnBrk="1" latinLnBrk="1" hangingPunct="1">
-                <a:lnSpc>
-                  <a:spcPct val="90000"/>
-                </a:lnSpc>
-                <a:spcBef>
-                  <a:spcPts val="500"/>
-                </a:spcBef>
-                <a:buFont typeface="Arial" panose="020B0604020202020204" pitchFamily="34" charset="0"/>
-                <a:buNone/>
-                <a:defRPr sz="1000" kern="1200">
-                  <a:solidFill>
-                    <a:schemeClr val="tx1"/>
-                  </a:solidFill>
-                  <a:latin typeface="+mn-lt"/>
-                  <a:ea typeface="+mn-ea"/>
-                  <a:cs typeface="+mn-cs"/>
-                </a:defRPr>
-              </a:lvl5pPr>
-              <a:lvl6pPr marL="2286000" indent="0" algn="l" defTabSz="914400" rtl="0" eaLnBrk="1" latinLnBrk="1" hangingPunct="1">
-                <a:lnSpc>
-                  <a:spcPct val="90000"/>
-                </a:lnSpc>
-                <a:spcBef>
-                  <a:spcPts val="500"/>
-                </a:spcBef>
-                <a:buFont typeface="Arial" panose="020B0604020202020204" pitchFamily="34" charset="0"/>
-                <a:buNone/>
-                <a:defRPr sz="1000" kern="1200">
-                  <a:solidFill>
-                    <a:schemeClr val="tx1"/>
-                  </a:solidFill>
-                  <a:latin typeface="+mn-lt"/>
-                  <a:ea typeface="+mn-ea"/>
-                  <a:cs typeface="+mn-cs"/>
-                </a:defRPr>
-              </a:lvl6pPr>
-              <a:lvl7pPr marL="2743200" indent="0" algn="l" defTabSz="914400" rtl="0" eaLnBrk="1" latinLnBrk="1" hangingPunct="1">
-                <a:lnSpc>
-                  <a:spcPct val="90000"/>
-                </a:lnSpc>
-                <a:spcBef>
-                  <a:spcPts val="500"/>
-                </a:spcBef>
-                <a:buFont typeface="Arial" panose="020B0604020202020204" pitchFamily="34" charset="0"/>
-                <a:buNone/>
-                <a:defRPr sz="1000" kern="1200">
-                  <a:solidFill>
-                    <a:schemeClr val="tx1"/>
-                  </a:solidFill>
-                  <a:latin typeface="+mn-lt"/>
-                  <a:ea typeface="+mn-ea"/>
-                  <a:cs typeface="+mn-cs"/>
-                </a:defRPr>
-              </a:lvl7pPr>
-              <a:lvl8pPr marL="3200400" indent="0" algn="l" defTabSz="914400" rtl="0" eaLnBrk="1" latinLnBrk="1" hangingPunct="1">
-                <a:lnSpc>
-                  <a:spcPct val="90000"/>
-                </a:lnSpc>
-                <a:spcBef>
-                  <a:spcPts val="500"/>
-                </a:spcBef>
-                <a:buFont typeface="Arial" panose="020B0604020202020204" pitchFamily="34" charset="0"/>
-                <a:buNone/>
-                <a:defRPr sz="1000" kern="1200">
-                  <a:solidFill>
-                    <a:schemeClr val="tx1"/>
-                  </a:solidFill>
-                  <a:latin typeface="+mn-lt"/>
-                  <a:ea typeface="+mn-ea"/>
-                  <a:cs typeface="+mn-cs"/>
-                </a:defRPr>
-              </a:lvl8pPr>
-              <a:lvl9pPr marL="3657600" indent="0" algn="l" defTabSz="914400" rtl="0" eaLnBrk="1" latinLnBrk="1" hangingPunct="1">
-                <a:lnSpc>
-                  <a:spcPct val="90000"/>
-                </a:lnSpc>
-                <a:spcBef>
-                  <a:spcPts val="500"/>
-                </a:spcBef>
-                <a:buFont typeface="Arial" panose="020B0604020202020204" pitchFamily="34" charset="0"/>
-                <a:buNone/>
-                <a:defRPr sz="1000" kern="1200">
-                  <a:solidFill>
-                    <a:schemeClr val="tx1"/>
-                  </a:solidFill>
-                  <a:latin typeface="+mn-lt"/>
-                  <a:ea typeface="+mn-ea"/>
-                  <a:cs typeface="+mn-cs"/>
-                </a:defRPr>
-              </a:lvl9pPr>
-            </a:lstStyle>
-            <a:p>
-              <a:r>
-                <a:rPr lang="ko-KR" altLang="en-US" sz="1000" dirty="0" err="1"/>
-                <a:t>샘플이미지</a:t>
-              </a:r>
-              <a:r>
-                <a:rPr lang="ko-KR" altLang="en-US" sz="1000" dirty="0"/>
-                <a:t> 삭제 후 첨부</a:t>
-              </a:r>
-              <a:r>
-                <a:rPr lang="en-US" altLang="ko-KR" sz="1000" dirty="0"/>
-                <a:t>(</a:t>
-              </a:r>
-              <a:r>
-                <a:rPr lang="ko-KR" altLang="en-US" sz="1000" dirty="0"/>
-                <a:t>이미지가 아닌 텍스트형식으로</a:t>
-              </a:r>
-              <a:r>
-                <a:rPr lang="en-US" altLang="ko-KR" sz="1000" dirty="0"/>
-                <a:t>..)</a:t>
-              </a:r>
-              <a:endParaRPr lang="ko-KR" altLang="en-US" sz="1000" dirty="0"/>
-            </a:p>
-          </p:txBody>
-        </p:sp>
-      </p:grpSp>
+          <a:prstGeom prst="rect">
+            <a:avLst/>
+          </a:prstGeom>
+        </p:spPr>
+      </p:pic>
     </p:spTree>
     <p:extLst>
       <p:ext uri="{BB962C8B-B14F-4D97-AF65-F5344CB8AC3E}">
@@ -16516,290 +21101,36 @@
           </a:p>
         </p:txBody>
       </p:sp>
-      <p:grpSp>
-        <p:nvGrpSpPr>
-          <p:cNvPr id="12" name="그룹 11">
+      <p:pic>
+        <p:nvPicPr>
+          <p:cNvPr id="18" name="그림 17">
             <a:extLst>
               <a:ext uri="{FF2B5EF4-FFF2-40B4-BE49-F238E27FC236}">
-                <a16:creationId xmlns:a16="http://schemas.microsoft.com/office/drawing/2014/main" id="{B169EAC4-C0A4-40DE-A7E0-AE4B5D4FD887}"/>
+                <a16:creationId xmlns:a16="http://schemas.microsoft.com/office/drawing/2014/main" id="{7DB32601-31FB-4E06-8C06-5119A5229547}"/>
               </a:ext>
             </a:extLst>
           </p:cNvPr>
-          <p:cNvGrpSpPr/>
+          <p:cNvPicPr>
+            <a:picLocks noChangeAspect="1"/>
+          </p:cNvPicPr>
           <p:nvPr/>
-        </p:nvGrpSpPr>
-        <p:grpSpPr>
+        </p:nvPicPr>
+        <p:blipFill>
+          <a:blip r:embed="rId2"/>
+          <a:stretch>
+            <a:fillRect/>
+          </a:stretch>
+        </p:blipFill>
+        <p:spPr>
           <a:xfrm>
-            <a:off x="635000" y="1809300"/>
-            <a:ext cx="8636000" cy="4476066"/>
-            <a:chOff x="635000" y="1809300"/>
-            <a:chExt cx="8636000" cy="4476066"/>
+            <a:off x="2169107" y="1696811"/>
+            <a:ext cx="5448486" cy="4760761"/>
           </a:xfrm>
-        </p:grpSpPr>
-        <p:sp>
-          <p:nvSpPr>
-            <p:cNvPr id="14" name="텍스트 개체 틀 7">
-              <a:extLst>
-                <a:ext uri="{FF2B5EF4-FFF2-40B4-BE49-F238E27FC236}">
-                  <a16:creationId xmlns:a16="http://schemas.microsoft.com/office/drawing/2014/main" id="{30BE75C7-DC48-4E24-BCDC-F737B31F507F}"/>
-                </a:ext>
-              </a:extLst>
-            </p:cNvPr>
-            <p:cNvSpPr txBox="1">
-              <a:spLocks/>
-            </p:cNvSpPr>
-            <p:nvPr/>
-          </p:nvSpPr>
-          <p:spPr>
-            <a:xfrm>
-              <a:off x="635000" y="6031820"/>
-              <a:ext cx="7712243" cy="253546"/>
-            </a:xfrm>
-            <a:prstGeom prst="rect">
-              <a:avLst/>
-            </a:prstGeom>
-          </p:spPr>
-          <p:txBody>
-            <a:bodyPr/>
-            <a:lstStyle>
-              <a:lvl1pPr marL="285750" indent="-285750" algn="l" defTabSz="914400" rtl="0" eaLnBrk="1" latinLnBrk="1" hangingPunct="1">
-                <a:lnSpc>
-                  <a:spcPct val="90000"/>
-                </a:lnSpc>
-                <a:spcBef>
-                  <a:spcPts val="1000"/>
-                </a:spcBef>
-                <a:buClr>
-                  <a:srgbClr val="2AB9C7"/>
-                </a:buClr>
-                <a:buSzPct val="80000"/>
-                <a:buFont typeface="Wingdings" panose="05000000000000000000" pitchFamily="2" charset="2"/>
-                <a:buChar char="l"/>
-                <a:defRPr sz="1600" kern="1200">
-                  <a:solidFill>
-                    <a:srgbClr val="595959"/>
-                  </a:solidFill>
-                  <a:latin typeface="+mn-lt"/>
-                  <a:ea typeface="+mn-ea"/>
-                  <a:cs typeface="+mn-cs"/>
-                </a:defRPr>
-              </a:lvl1pPr>
-              <a:lvl2pPr marL="457200" indent="0" algn="l" defTabSz="914400" rtl="0" eaLnBrk="1" latinLnBrk="1" hangingPunct="1">
-                <a:lnSpc>
-                  <a:spcPct val="90000"/>
-                </a:lnSpc>
-                <a:spcBef>
-                  <a:spcPts val="500"/>
-                </a:spcBef>
-                <a:buFont typeface="Arial" panose="020B0604020202020204" pitchFamily="34" charset="0"/>
-                <a:buNone/>
-                <a:defRPr sz="1400" kern="1200">
-                  <a:solidFill>
-                    <a:schemeClr val="tx1"/>
-                  </a:solidFill>
-                  <a:latin typeface="+mn-lt"/>
-                  <a:ea typeface="+mn-ea"/>
-                  <a:cs typeface="+mn-cs"/>
-                </a:defRPr>
-              </a:lvl2pPr>
-              <a:lvl3pPr marL="914400" indent="0" algn="l" defTabSz="914400" rtl="0" eaLnBrk="1" latinLnBrk="1" hangingPunct="1">
-                <a:lnSpc>
-                  <a:spcPct val="90000"/>
-                </a:lnSpc>
-                <a:spcBef>
-                  <a:spcPts val="500"/>
-                </a:spcBef>
-                <a:buFont typeface="Arial" panose="020B0604020202020204" pitchFamily="34" charset="0"/>
-                <a:buNone/>
-                <a:defRPr sz="1200" kern="1200">
-                  <a:solidFill>
-                    <a:schemeClr val="tx1"/>
-                  </a:solidFill>
-                  <a:latin typeface="+mn-lt"/>
-                  <a:ea typeface="+mn-ea"/>
-                  <a:cs typeface="+mn-cs"/>
-                </a:defRPr>
-              </a:lvl3pPr>
-              <a:lvl4pPr marL="1371600" indent="0" algn="l" defTabSz="914400" rtl="0" eaLnBrk="1" latinLnBrk="1" hangingPunct="1">
-                <a:lnSpc>
-                  <a:spcPct val="90000"/>
-                </a:lnSpc>
-                <a:spcBef>
-                  <a:spcPts val="500"/>
-                </a:spcBef>
-                <a:buFont typeface="Arial" panose="020B0604020202020204" pitchFamily="34" charset="0"/>
-                <a:buNone/>
-                <a:defRPr sz="1000" kern="1200">
-                  <a:solidFill>
-                    <a:schemeClr val="tx1"/>
-                  </a:solidFill>
-                  <a:latin typeface="+mn-lt"/>
-                  <a:ea typeface="+mn-ea"/>
-                  <a:cs typeface="+mn-cs"/>
-                </a:defRPr>
-              </a:lvl4pPr>
-              <a:lvl5pPr marL="1828800" indent="0" algn="l" defTabSz="914400" rtl="0" eaLnBrk="1" latinLnBrk="1" hangingPunct="1">
-                <a:lnSpc>
-                  <a:spcPct val="90000"/>
-                </a:lnSpc>
-                <a:spcBef>
-                  <a:spcPts val="500"/>
-                </a:spcBef>
-                <a:buFont typeface="Arial" panose="020B0604020202020204" pitchFamily="34" charset="0"/>
-                <a:buNone/>
-                <a:defRPr sz="1000" kern="1200">
-                  <a:solidFill>
-                    <a:schemeClr val="tx1"/>
-                  </a:solidFill>
-                  <a:latin typeface="+mn-lt"/>
-                  <a:ea typeface="+mn-ea"/>
-                  <a:cs typeface="+mn-cs"/>
-                </a:defRPr>
-              </a:lvl5pPr>
-              <a:lvl6pPr marL="2286000" indent="0" algn="l" defTabSz="914400" rtl="0" eaLnBrk="1" latinLnBrk="1" hangingPunct="1">
-                <a:lnSpc>
-                  <a:spcPct val="90000"/>
-                </a:lnSpc>
-                <a:spcBef>
-                  <a:spcPts val="500"/>
-                </a:spcBef>
-                <a:buFont typeface="Arial" panose="020B0604020202020204" pitchFamily="34" charset="0"/>
-                <a:buNone/>
-                <a:defRPr sz="1000" kern="1200">
-                  <a:solidFill>
-                    <a:schemeClr val="tx1"/>
-                  </a:solidFill>
-                  <a:latin typeface="+mn-lt"/>
-                  <a:ea typeface="+mn-ea"/>
-                  <a:cs typeface="+mn-cs"/>
-                </a:defRPr>
-              </a:lvl6pPr>
-              <a:lvl7pPr marL="2743200" indent="0" algn="l" defTabSz="914400" rtl="0" eaLnBrk="1" latinLnBrk="1" hangingPunct="1">
-                <a:lnSpc>
-                  <a:spcPct val="90000"/>
-                </a:lnSpc>
-                <a:spcBef>
-                  <a:spcPts val="500"/>
-                </a:spcBef>
-                <a:buFont typeface="Arial" panose="020B0604020202020204" pitchFamily="34" charset="0"/>
-                <a:buNone/>
-                <a:defRPr sz="1000" kern="1200">
-                  <a:solidFill>
-                    <a:schemeClr val="tx1"/>
-                  </a:solidFill>
-                  <a:latin typeface="+mn-lt"/>
-                  <a:ea typeface="+mn-ea"/>
-                  <a:cs typeface="+mn-cs"/>
-                </a:defRPr>
-              </a:lvl7pPr>
-              <a:lvl8pPr marL="3200400" indent="0" algn="l" defTabSz="914400" rtl="0" eaLnBrk="1" latinLnBrk="1" hangingPunct="1">
-                <a:lnSpc>
-                  <a:spcPct val="90000"/>
-                </a:lnSpc>
-                <a:spcBef>
-                  <a:spcPts val="500"/>
-                </a:spcBef>
-                <a:buFont typeface="Arial" panose="020B0604020202020204" pitchFamily="34" charset="0"/>
-                <a:buNone/>
-                <a:defRPr sz="1000" kern="1200">
-                  <a:solidFill>
-                    <a:schemeClr val="tx1"/>
-                  </a:solidFill>
-                  <a:latin typeface="+mn-lt"/>
-                  <a:ea typeface="+mn-ea"/>
-                  <a:cs typeface="+mn-cs"/>
-                </a:defRPr>
-              </a:lvl8pPr>
-              <a:lvl9pPr marL="3657600" indent="0" algn="l" defTabSz="914400" rtl="0" eaLnBrk="1" latinLnBrk="1" hangingPunct="1">
-                <a:lnSpc>
-                  <a:spcPct val="90000"/>
-                </a:lnSpc>
-                <a:spcBef>
-                  <a:spcPts val="500"/>
-                </a:spcBef>
-                <a:buFont typeface="Arial" panose="020B0604020202020204" pitchFamily="34" charset="0"/>
-                <a:buNone/>
-                <a:defRPr sz="1000" kern="1200">
-                  <a:solidFill>
-                    <a:schemeClr val="tx1"/>
-                  </a:solidFill>
-                  <a:latin typeface="+mn-lt"/>
-                  <a:ea typeface="+mn-ea"/>
-                  <a:cs typeface="+mn-cs"/>
-                </a:defRPr>
-              </a:lvl9pPr>
-            </a:lstStyle>
-            <a:p>
-              <a:r>
-                <a:rPr lang="ko-KR" altLang="en-US" sz="1000" dirty="0" err="1"/>
-                <a:t>샘플이미지</a:t>
-              </a:r>
-              <a:r>
-                <a:rPr lang="ko-KR" altLang="en-US" sz="1000" dirty="0"/>
-                <a:t> 삭제 후 첨부</a:t>
-              </a:r>
-              <a:r>
-                <a:rPr lang="en-US" altLang="ko-KR" sz="1000" dirty="0"/>
-                <a:t>(</a:t>
-              </a:r>
-              <a:r>
-                <a:rPr lang="ko-KR" altLang="en-US" sz="1000" dirty="0"/>
-                <a:t>이미지가 아닌 텍스트형식으로</a:t>
-              </a:r>
-              <a:r>
-                <a:rPr lang="en-US" altLang="ko-KR" sz="1000" dirty="0"/>
-                <a:t>..)</a:t>
-              </a:r>
-              <a:endParaRPr lang="ko-KR" altLang="en-US" sz="1000" dirty="0"/>
-            </a:p>
-          </p:txBody>
-        </p:sp>
-        <p:pic>
-          <p:nvPicPr>
-            <p:cNvPr id="16" name="Picture 10" descr="Site Map">
-              <a:extLst>
-                <a:ext uri="{FF2B5EF4-FFF2-40B4-BE49-F238E27FC236}">
-                  <a16:creationId xmlns:a16="http://schemas.microsoft.com/office/drawing/2014/main" id="{8EFFB824-4A62-4D85-B224-B678EA0808EA}"/>
-                </a:ext>
-              </a:extLst>
-            </p:cNvPr>
-            <p:cNvPicPr>
-              <a:picLocks noChangeAspect="1" noChangeArrowheads="1"/>
-            </p:cNvPicPr>
-            <p:nvPr/>
-          </p:nvPicPr>
-          <p:blipFill rotWithShape="1">
-            <a:blip r:embed="rId2">
-              <a:extLst>
-                <a:ext uri="{28A0092B-C50C-407E-A947-70E740481C1C}">
-                  <a14:useLocalDpi xmlns:a14="http://schemas.microsoft.com/office/drawing/2010/main" val="0"/>
-                </a:ext>
-              </a:extLst>
-            </a:blip>
-            <a:srcRect t="1137" b="54150"/>
-            <a:stretch/>
-          </p:blipFill>
-          <p:spPr bwMode="auto">
-            <a:xfrm>
-              <a:off x="635000" y="1809300"/>
-              <a:ext cx="8636000" cy="4128976"/>
-            </a:xfrm>
-            <a:prstGeom prst="rect">
-              <a:avLst/>
-            </a:prstGeom>
-            <a:noFill/>
-            <a:extLst>
-              <a:ext uri="{909E8E84-426E-40DD-AFC4-6F175D3DCCD1}">
-                <a14:hiddenFill xmlns:a14="http://schemas.microsoft.com/office/drawing/2010/main">
-                  <a:solidFill>
-                    <a:srgbClr val="FFFFFF"/>
-                  </a:solidFill>
-                </a14:hiddenFill>
-              </a:ext>
-            </a:extLst>
-          </p:spPr>
-        </p:pic>
-      </p:grpSp>
+          <a:prstGeom prst="rect">
+            <a:avLst/>
+          </a:prstGeom>
+        </p:spPr>
+      </p:pic>
     </p:spTree>
     <p:extLst>
       <p:ext uri="{BB962C8B-B14F-4D97-AF65-F5344CB8AC3E}">
@@ -16998,6 +21329,202 @@
                 <a:schemeClr val="accent1"/>
               </a:solidFill>
             </a:endParaRPr>
+          </a:p>
+        </p:txBody>
+      </p:sp>
+      <p:pic>
+        <p:nvPicPr>
+          <p:cNvPr id="9" name="그림 8">
+            <a:extLst>
+              <a:ext uri="{FF2B5EF4-FFF2-40B4-BE49-F238E27FC236}">
+                <a16:creationId xmlns:a16="http://schemas.microsoft.com/office/drawing/2014/main" id="{D5B3076D-15D0-4F07-A993-0EA01B02263D}"/>
+              </a:ext>
+            </a:extLst>
+          </p:cNvPr>
+          <p:cNvPicPr>
+            <a:picLocks noChangeAspect="1"/>
+          </p:cNvPicPr>
+          <p:nvPr/>
+        </p:nvPicPr>
+        <p:blipFill>
+          <a:blip r:embed="rId2"/>
+          <a:stretch>
+            <a:fillRect/>
+          </a:stretch>
+        </p:blipFill>
+        <p:spPr>
+          <a:xfrm>
+            <a:off x="770807" y="2028047"/>
+            <a:ext cx="1603133" cy="4079481"/>
+          </a:xfrm>
+          <a:prstGeom prst="rect">
+            <a:avLst/>
+          </a:prstGeom>
+        </p:spPr>
+      </p:pic>
+      <p:pic>
+        <p:nvPicPr>
+          <p:cNvPr id="10" name="그림 9">
+            <a:extLst>
+              <a:ext uri="{FF2B5EF4-FFF2-40B4-BE49-F238E27FC236}">
+                <a16:creationId xmlns:a16="http://schemas.microsoft.com/office/drawing/2014/main" id="{A0868943-84BD-4190-9E0F-EDBDA5B92D7C}"/>
+              </a:ext>
+            </a:extLst>
+          </p:cNvPr>
+          <p:cNvPicPr>
+            <a:picLocks noChangeAspect="1"/>
+          </p:cNvPicPr>
+          <p:nvPr/>
+        </p:nvPicPr>
+        <p:blipFill>
+          <a:blip r:embed="rId3"/>
+          <a:stretch>
+            <a:fillRect/>
+          </a:stretch>
+        </p:blipFill>
+        <p:spPr>
+          <a:xfrm>
+            <a:off x="2373941" y="2028047"/>
+            <a:ext cx="1480732" cy="4079481"/>
+          </a:xfrm>
+          <a:prstGeom prst="rect">
+            <a:avLst/>
+          </a:prstGeom>
+        </p:spPr>
+      </p:pic>
+      <p:pic>
+        <p:nvPicPr>
+          <p:cNvPr id="11" name="그림 10">
+            <a:extLst>
+              <a:ext uri="{FF2B5EF4-FFF2-40B4-BE49-F238E27FC236}">
+                <a16:creationId xmlns:a16="http://schemas.microsoft.com/office/drawing/2014/main" id="{5751DB46-31EB-4227-902D-2A83DA3EB500}"/>
+              </a:ext>
+            </a:extLst>
+          </p:cNvPr>
+          <p:cNvPicPr>
+            <a:picLocks noChangeAspect="1"/>
+          </p:cNvPicPr>
+          <p:nvPr/>
+        </p:nvPicPr>
+        <p:blipFill>
+          <a:blip r:embed="rId4"/>
+          <a:stretch>
+            <a:fillRect/>
+          </a:stretch>
+        </p:blipFill>
+        <p:spPr>
+          <a:xfrm>
+            <a:off x="3716497" y="2021248"/>
+            <a:ext cx="1085232" cy="1461014"/>
+          </a:xfrm>
+          <a:prstGeom prst="rect">
+            <a:avLst/>
+          </a:prstGeom>
+        </p:spPr>
+      </p:pic>
+      <p:pic>
+        <p:nvPicPr>
+          <p:cNvPr id="12" name="그림 11">
+            <a:extLst>
+              <a:ext uri="{FF2B5EF4-FFF2-40B4-BE49-F238E27FC236}">
+                <a16:creationId xmlns:a16="http://schemas.microsoft.com/office/drawing/2014/main" id="{253A23FA-1B2D-426B-BA42-61085690BCEF}"/>
+              </a:ext>
+            </a:extLst>
+          </p:cNvPr>
+          <p:cNvPicPr>
+            <a:picLocks noChangeAspect="1"/>
+          </p:cNvPicPr>
+          <p:nvPr/>
+        </p:nvPicPr>
+        <p:blipFill>
+          <a:blip r:embed="rId5"/>
+          <a:stretch>
+            <a:fillRect/>
+          </a:stretch>
+        </p:blipFill>
+        <p:spPr>
+          <a:xfrm>
+            <a:off x="5870587" y="1892300"/>
+            <a:ext cx="1525709" cy="4199114"/>
+          </a:xfrm>
+          <a:prstGeom prst="rect">
+            <a:avLst/>
+          </a:prstGeom>
+        </p:spPr>
+      </p:pic>
+      <p:pic>
+        <p:nvPicPr>
+          <p:cNvPr id="13" name="그림 12">
+            <a:extLst>
+              <a:ext uri="{FF2B5EF4-FFF2-40B4-BE49-F238E27FC236}">
+                <a16:creationId xmlns:a16="http://schemas.microsoft.com/office/drawing/2014/main" id="{825303AC-FABB-4BE6-A323-3AD891D9D4F9}"/>
+              </a:ext>
+            </a:extLst>
+          </p:cNvPr>
+          <p:cNvPicPr>
+            <a:picLocks noChangeAspect="1"/>
+          </p:cNvPicPr>
+          <p:nvPr/>
+        </p:nvPicPr>
+        <p:blipFill>
+          <a:blip r:embed="rId6"/>
+          <a:stretch>
+            <a:fillRect/>
+          </a:stretch>
+        </p:blipFill>
+        <p:spPr>
+          <a:xfrm>
+            <a:off x="7484070" y="1919390"/>
+            <a:ext cx="1653066" cy="4172023"/>
+          </a:xfrm>
+          <a:prstGeom prst="rect">
+            <a:avLst/>
+          </a:prstGeom>
+        </p:spPr>
+      </p:pic>
+      <p:sp>
+        <p:nvSpPr>
+          <p:cNvPr id="14" name="화살표: 오른쪽 13">
+            <a:extLst>
+              <a:ext uri="{FF2B5EF4-FFF2-40B4-BE49-F238E27FC236}">
+                <a16:creationId xmlns:a16="http://schemas.microsoft.com/office/drawing/2014/main" id="{0D6D5157-CB16-465D-8952-24578F555AFE}"/>
+              </a:ext>
+            </a:extLst>
+          </p:cNvPr>
+          <p:cNvSpPr/>
+          <p:nvPr/>
+        </p:nvSpPr>
+        <p:spPr>
+          <a:xfrm>
+            <a:off x="5057437" y="3397813"/>
+            <a:ext cx="495300" cy="704851"/>
+          </a:xfrm>
+          <a:prstGeom prst="rightArrow">
+            <a:avLst/>
+          </a:prstGeom>
+        </p:spPr>
+        <p:style>
+          <a:lnRef idx="2">
+            <a:schemeClr val="accent1">
+              <a:shade val="50000"/>
+            </a:schemeClr>
+          </a:lnRef>
+          <a:fillRef idx="1">
+            <a:schemeClr val="accent1"/>
+          </a:fillRef>
+          <a:effectRef idx="0">
+            <a:schemeClr val="accent1"/>
+          </a:effectRef>
+          <a:fontRef idx="minor">
+            <a:schemeClr val="lt1"/>
+          </a:fontRef>
+        </p:style>
+        <p:txBody>
+          <a:bodyPr rtlCol="0" anchor="ctr"/>
+          <a:lstStyle/>
+          <a:p>
+            <a:pPr algn="ctr"/>
+            <a:endParaRPr lang="ko-KR" altLang="en-US"/>
           </a:p>
         </p:txBody>
       </p:sp>
@@ -17408,7 +21935,7 @@
           <p:nvPr>
             <p:extLst>
               <p:ext uri="{D42A27DB-BD31-4B8C-83A1-F6EECF244321}">
-                <p14:modId xmlns:p14="http://schemas.microsoft.com/office/powerpoint/2010/main" val="143348018"/>
+                <p14:modId xmlns:p14="http://schemas.microsoft.com/office/powerpoint/2010/main" val="1591788043"/>
               </p:ext>
             </p:extLst>
           </p:nvPr>
@@ -17700,14 +22227,14 @@
           <p:nvPr>
             <p:extLst>
               <p:ext uri="{D42A27DB-BD31-4B8C-83A1-F6EECF244321}">
-                <p14:modId xmlns:p14="http://schemas.microsoft.com/office/powerpoint/2010/main" val="2268097063"/>
+                <p14:modId xmlns:p14="http://schemas.microsoft.com/office/powerpoint/2010/main" val="1228642220"/>
               </p:ext>
             </p:extLst>
           </p:nvPr>
         </p:nvGraphicFramePr>
         <p:xfrm>
           <a:off x="890362" y="2356589"/>
-          <a:ext cx="7868413" cy="3520837"/>
+          <a:ext cx="8582112" cy="3520837"/>
         </p:xfrm>
         <a:graphic>
           <a:graphicData uri="http://schemas.openxmlformats.org/drawingml/2006/diagram">
@@ -18032,7 +22559,7 @@
           <p:nvPr>
             <p:extLst>
               <p:ext uri="{D42A27DB-BD31-4B8C-83A1-F6EECF244321}">
-                <p14:modId xmlns:p14="http://schemas.microsoft.com/office/powerpoint/2010/main" val="122931451"/>
+                <p14:modId xmlns:p14="http://schemas.microsoft.com/office/powerpoint/2010/main" val="2555558609"/>
               </p:ext>
             </p:extLst>
           </p:nvPr>
@@ -18366,6 +22893,99 @@
                         </a:rPr>
                         <a:t>강점</a:t>
                       </a:r>
+                      <a:endParaRPr lang="en-US" altLang="ko-KR" sz="1000" b="1" dirty="0">
+                        <a:solidFill>
+                          <a:schemeClr val="tx1">
+                            <a:lumMod val="75000"/>
+                            <a:lumOff val="25000"/>
+                          </a:schemeClr>
+                        </a:solidFill>
+                      </a:endParaRPr>
+                    </a:p>
+                    <a:p>
+                      <a:pPr latinLnBrk="1"/>
+                      <a:endParaRPr lang="en-US" altLang="ko-KR" sz="1000" b="1" dirty="0">
+                        <a:solidFill>
+                          <a:schemeClr val="tx1">
+                            <a:lumMod val="75000"/>
+                            <a:lumOff val="25000"/>
+                          </a:schemeClr>
+                        </a:solidFill>
+                      </a:endParaRPr>
+                    </a:p>
+                    <a:p>
+                      <a:pPr marL="0" marR="0" lvl="0" indent="0" algn="l" defTabSz="914377" rtl="0" eaLnBrk="1" fontAlgn="auto" latinLnBrk="1" hangingPunct="1">
+                        <a:lnSpc>
+                          <a:spcPct val="100000"/>
+                        </a:lnSpc>
+                        <a:spcBef>
+                          <a:spcPts val="0"/>
+                        </a:spcBef>
+                        <a:spcAft>
+                          <a:spcPts val="0"/>
+                        </a:spcAft>
+                        <a:buClrTx/>
+                        <a:buSzTx/>
+                        <a:buFontTx/>
+                        <a:buNone/>
+                        <a:tabLst/>
+                        <a:defRPr/>
+                      </a:pPr>
+                      <a:r>
+                        <a:rPr lang="ko-KR" altLang="en-US" sz="1000" b="1" kern="1200" dirty="0">
+                          <a:solidFill>
+                            <a:schemeClr val="tx1"/>
+                          </a:solidFill>
+                          <a:effectLst/>
+                          <a:latin typeface="+mn-lt"/>
+                          <a:ea typeface="+mn-ea"/>
+                          <a:cs typeface="+mn-cs"/>
+                        </a:rPr>
+                        <a:t>브랜드 이미지에 맞는 색상과 </a:t>
+                      </a:r>
+                      <a:endParaRPr lang="en-US" altLang="ko-KR" sz="1000" b="1" kern="1200" dirty="0">
+                        <a:solidFill>
+                          <a:schemeClr val="tx1"/>
+                        </a:solidFill>
+                        <a:effectLst/>
+                        <a:latin typeface="+mn-lt"/>
+                        <a:ea typeface="+mn-ea"/>
+                        <a:cs typeface="+mn-cs"/>
+                      </a:endParaRPr>
+                    </a:p>
+                    <a:p>
+                      <a:pPr marL="0" marR="0" lvl="0" indent="0" algn="l" defTabSz="914377" rtl="0" eaLnBrk="1" fontAlgn="auto" latinLnBrk="1" hangingPunct="1">
+                        <a:lnSpc>
+                          <a:spcPct val="100000"/>
+                        </a:lnSpc>
+                        <a:spcBef>
+                          <a:spcPts val="0"/>
+                        </a:spcBef>
+                        <a:spcAft>
+                          <a:spcPts val="0"/>
+                        </a:spcAft>
+                        <a:buClrTx/>
+                        <a:buSzTx/>
+                        <a:buFontTx/>
+                        <a:buNone/>
+                        <a:tabLst/>
+                        <a:defRPr/>
+                      </a:pPr>
+                      <a:r>
+                        <a:rPr lang="ko-KR" altLang="en-US" sz="1000" b="1" kern="1200" dirty="0">
+                          <a:solidFill>
+                            <a:schemeClr val="tx1"/>
+                          </a:solidFill>
+                          <a:effectLst/>
+                          <a:latin typeface="+mn-lt"/>
+                          <a:ea typeface="+mn-ea"/>
+                          <a:cs typeface="+mn-cs"/>
+                        </a:rPr>
+                        <a:t>적절한 홍보를 통한 사용자 증가</a:t>
+                      </a:r>
+                    </a:p>
+                    <a:p>
+                      <a:pPr latinLnBrk="1"/>
                       <a:endParaRPr lang="ko-KR" altLang="en-US" sz="1000" dirty="0">
                         <a:solidFill>
                           <a:schemeClr val="tx1">
@@ -18446,6 +23066,136 @@
                           </a:solidFill>
                         </a:rPr>
                         <a:t>약점</a:t>
+                      </a:r>
+                      <a:endParaRPr lang="en-US" altLang="ko-KR" sz="1000" b="1" dirty="0">
+                        <a:solidFill>
+                          <a:schemeClr val="tx1">
+                            <a:lumMod val="75000"/>
+                            <a:lumOff val="25000"/>
+                          </a:schemeClr>
+                        </a:solidFill>
+                      </a:endParaRPr>
+                    </a:p>
+                    <a:p>
+                      <a:pPr latinLnBrk="1"/>
+                      <a:endParaRPr lang="en-US" altLang="ko-KR" sz="1000" b="1" dirty="0">
+                        <a:solidFill>
+                          <a:schemeClr val="tx1">
+                            <a:lumMod val="75000"/>
+                            <a:lumOff val="25000"/>
+                          </a:schemeClr>
+                        </a:solidFill>
+                      </a:endParaRPr>
+                    </a:p>
+                    <a:p>
+                      <a:pPr marL="0" marR="0" lvl="0" indent="0" algn="l" defTabSz="914377" rtl="0" eaLnBrk="1" fontAlgn="auto" latinLnBrk="1" hangingPunct="1">
+                        <a:lnSpc>
+                          <a:spcPct val="100000"/>
+                        </a:lnSpc>
+                        <a:spcBef>
+                          <a:spcPts val="0"/>
+                        </a:spcBef>
+                        <a:spcAft>
+                          <a:spcPts val="0"/>
+                        </a:spcAft>
+                        <a:buClrTx/>
+                        <a:buSzTx/>
+                        <a:buFontTx/>
+                        <a:buNone/>
+                        <a:tabLst/>
+                        <a:defRPr/>
+                      </a:pPr>
+                      <a:r>
+                        <a:rPr lang="ko-KR" altLang="en-US" sz="1000" b="1" kern="1200" dirty="0">
+                          <a:solidFill>
+                            <a:schemeClr val="tx1"/>
+                          </a:solidFill>
+                          <a:effectLst/>
+                          <a:latin typeface="+mn-lt"/>
+                          <a:ea typeface="+mn-ea"/>
+                          <a:cs typeface="+mn-cs"/>
+                        </a:rPr>
+                        <a:t>메인 사이트에 보이는 불필요한 정보들과</a:t>
+                      </a:r>
+                      <a:endParaRPr lang="en-US" altLang="ko-KR" sz="1000" b="1" kern="1200" dirty="0">
+                        <a:solidFill>
+                          <a:schemeClr val="tx1"/>
+                        </a:solidFill>
+                        <a:effectLst/>
+                        <a:latin typeface="+mn-lt"/>
+                        <a:ea typeface="+mn-ea"/>
+                        <a:cs typeface="+mn-cs"/>
+                      </a:endParaRPr>
+                    </a:p>
+                    <a:p>
+                      <a:pPr marL="0" marR="0" lvl="0" indent="0" algn="l" defTabSz="914377" rtl="0" eaLnBrk="1" fontAlgn="auto" latinLnBrk="1" hangingPunct="1">
+                        <a:lnSpc>
+                          <a:spcPct val="100000"/>
+                        </a:lnSpc>
+                        <a:spcBef>
+                          <a:spcPts val="0"/>
+                        </a:spcBef>
+                        <a:spcAft>
+                          <a:spcPts val="0"/>
+                        </a:spcAft>
+                        <a:buClrTx/>
+                        <a:buSzTx/>
+                        <a:buFontTx/>
+                        <a:buNone/>
+                        <a:tabLst/>
+                        <a:defRPr/>
+                      </a:pPr>
+                      <a:r>
+                        <a:rPr lang="ko-KR" altLang="en-US" sz="1000" b="1" kern="1200" dirty="0">
+                          <a:solidFill>
+                            <a:schemeClr val="tx1"/>
+                          </a:solidFill>
+                          <a:effectLst/>
+                          <a:latin typeface="+mn-lt"/>
+                          <a:ea typeface="+mn-ea"/>
+                          <a:cs typeface="+mn-cs"/>
+                        </a:rPr>
+                        <a:t>규격에 맞지 않는 이미지 파일 수정 필요</a:t>
+                      </a:r>
+                      <a:endParaRPr lang="en-US" altLang="ko-KR" sz="1000" b="1" kern="1200" dirty="0">
+                        <a:solidFill>
+                          <a:schemeClr val="tx1"/>
+                        </a:solidFill>
+                        <a:effectLst/>
+                        <a:latin typeface="+mn-lt"/>
+                        <a:ea typeface="+mn-ea"/>
+                        <a:cs typeface="+mn-cs"/>
+                      </a:endParaRPr>
+                    </a:p>
+                    <a:p>
+                      <a:pPr marL="0" marR="0" lvl="0" indent="0" algn="l" defTabSz="914377" rtl="0" eaLnBrk="1" fontAlgn="auto" latinLnBrk="1" hangingPunct="1">
+                        <a:lnSpc>
+                          <a:spcPct val="100000"/>
+                        </a:lnSpc>
+                        <a:spcBef>
+                          <a:spcPts val="0"/>
+                        </a:spcBef>
+                        <a:spcAft>
+                          <a:spcPts val="0"/>
+                        </a:spcAft>
+                        <a:buClrTx/>
+                        <a:buSzTx/>
+                        <a:buFontTx/>
+                        <a:buNone/>
+                        <a:tabLst/>
+                        <a:defRPr/>
+                      </a:pPr>
+                      <a:r>
+                        <a:rPr lang="ko-KR" altLang="en-US" sz="1000" b="1" kern="1200" dirty="0">
+                          <a:solidFill>
+                            <a:schemeClr val="tx1"/>
+                          </a:solidFill>
+                          <a:effectLst/>
+                          <a:latin typeface="+mn-lt"/>
+                          <a:ea typeface="+mn-ea"/>
+                          <a:cs typeface="+mn-cs"/>
+                        </a:rPr>
+                        <a:t>창업에 대한 정보는 줄일필요가 있음</a:t>
                       </a:r>
                       <a:endParaRPr lang="ko-KR" altLang="en-US" sz="1000" dirty="0">
                         <a:solidFill>
@@ -18629,6 +23379,100 @@
                         </a:solidFill>
                       </a:endParaRPr>
                     </a:p>
+                    <a:p>
+                      <a:pPr marL="0" marR="0" lvl="0" indent="0" algn="l" defTabSz="914400" rtl="0" eaLnBrk="1" fontAlgn="auto" latinLnBrk="1" hangingPunct="1">
+                        <a:lnSpc>
+                          <a:spcPct val="100000"/>
+                        </a:lnSpc>
+                        <a:spcBef>
+                          <a:spcPts val="0"/>
+                        </a:spcBef>
+                        <a:spcAft>
+                          <a:spcPts val="0"/>
+                        </a:spcAft>
+                        <a:buClrTx/>
+                        <a:buSzTx/>
+                        <a:buFontTx/>
+                        <a:buNone/>
+                        <a:tabLst/>
+                        <a:defRPr/>
+                      </a:pPr>
+                      <a:endParaRPr lang="en-US" altLang="ko-KR" sz="1000" b="1" dirty="0">
+                        <a:solidFill>
+                          <a:schemeClr val="tx1">
+                            <a:lumMod val="75000"/>
+                            <a:lumOff val="25000"/>
+                          </a:schemeClr>
+                        </a:solidFill>
+                      </a:endParaRPr>
+                    </a:p>
+                    <a:p>
+                      <a:pPr marL="0" marR="0" lvl="0" indent="0" algn="l" defTabSz="914400" rtl="0" eaLnBrk="1" fontAlgn="auto" latinLnBrk="1" hangingPunct="1">
+                        <a:lnSpc>
+                          <a:spcPct val="100000"/>
+                        </a:lnSpc>
+                        <a:spcBef>
+                          <a:spcPts val="0"/>
+                        </a:spcBef>
+                        <a:spcAft>
+                          <a:spcPts val="0"/>
+                        </a:spcAft>
+                        <a:buClrTx/>
+                        <a:buSzTx/>
+                        <a:buFontTx/>
+                        <a:buNone/>
+                        <a:tabLst/>
+                        <a:defRPr/>
+                      </a:pPr>
+                      <a:r>
+                        <a:rPr lang="ko-KR" altLang="en-US" sz="1000" b="1" dirty="0">
+                          <a:solidFill>
+                            <a:schemeClr val="tx1"/>
+                          </a:solidFill>
+                        </a:rPr>
+                        <a:t>브랜드 소비자들이 증가함에 따라</a:t>
+                      </a:r>
+                      <a:endParaRPr lang="en-US" altLang="ko-KR" sz="1000" b="1" dirty="0">
+                        <a:solidFill>
+                          <a:schemeClr val="tx1"/>
+                        </a:solidFill>
+                      </a:endParaRPr>
+                    </a:p>
+                    <a:p>
+                      <a:pPr marL="0" marR="0" lvl="0" indent="0" algn="l" defTabSz="914400" rtl="0" eaLnBrk="1" fontAlgn="auto" latinLnBrk="1" hangingPunct="1">
+                        <a:lnSpc>
+                          <a:spcPct val="100000"/>
+                        </a:lnSpc>
+                        <a:spcBef>
+                          <a:spcPts val="0"/>
+                        </a:spcBef>
+                        <a:spcAft>
+                          <a:spcPts val="0"/>
+                        </a:spcAft>
+                        <a:buClrTx/>
+                        <a:buSzTx/>
+                        <a:buFontTx/>
+                        <a:buNone/>
+                        <a:tabLst/>
+                        <a:defRPr/>
+                      </a:pPr>
+                      <a:r>
+                        <a:rPr lang="ko-KR" altLang="en-US" sz="1000" b="1" dirty="0">
+                          <a:solidFill>
+                            <a:schemeClr val="tx1"/>
+                          </a:solidFill>
+                        </a:rPr>
+                        <a:t>웹사이트 방문객도 증가할거라는 기대</a:t>
+                      </a:r>
+                      <a:endParaRPr lang="en-US" altLang="ko-KR" sz="1000" b="1" dirty="0">
+                        <a:solidFill>
+                          <a:schemeClr val="tx1">
+                            <a:lumMod val="75000"/>
+                            <a:lumOff val="25000"/>
+                          </a:schemeClr>
+                        </a:solidFill>
+                      </a:endParaRPr>
+                    </a:p>
                   </a:txBody>
                   <a:tcPr marL="74295" marR="74295" marT="37148" marB="37148">
                     <a:lnL w="12700" cap="flat" cmpd="sng" algn="ctr">
@@ -18726,6 +23570,152 @@
                         </a:solidFill>
                       </a:endParaRPr>
                     </a:p>
+                    <a:p>
+                      <a:pPr marL="0" marR="0" lvl="0" indent="0" algn="l" defTabSz="914400" rtl="0" eaLnBrk="1" fontAlgn="auto" latinLnBrk="1" hangingPunct="1">
+                        <a:lnSpc>
+                          <a:spcPct val="100000"/>
+                        </a:lnSpc>
+                        <a:spcBef>
+                          <a:spcPts val="0"/>
+                        </a:spcBef>
+                        <a:spcAft>
+                          <a:spcPts val="0"/>
+                        </a:spcAft>
+                        <a:buClrTx/>
+                        <a:buSzTx/>
+                        <a:buFontTx/>
+                        <a:buNone/>
+                        <a:tabLst/>
+                        <a:defRPr/>
+                      </a:pPr>
+                      <a:endParaRPr lang="en-US" altLang="ko-KR" sz="1000" b="1" dirty="0">
+                        <a:solidFill>
+                          <a:schemeClr val="tx1">
+                            <a:lumMod val="75000"/>
+                            <a:lumOff val="25000"/>
+                          </a:schemeClr>
+                        </a:solidFill>
+                      </a:endParaRPr>
+                    </a:p>
+                    <a:p>
+                      <a:pPr marL="0" marR="0" lvl="0" indent="0" algn="l" defTabSz="914400" rtl="0" eaLnBrk="1" fontAlgn="auto" latinLnBrk="1" hangingPunct="1">
+                        <a:lnSpc>
+                          <a:spcPct val="100000"/>
+                        </a:lnSpc>
+                        <a:spcBef>
+                          <a:spcPts val="0"/>
+                        </a:spcBef>
+                        <a:spcAft>
+                          <a:spcPts val="0"/>
+                        </a:spcAft>
+                        <a:buClrTx/>
+                        <a:buSzTx/>
+                        <a:buFontTx/>
+                        <a:buNone/>
+                        <a:tabLst/>
+                        <a:defRPr/>
+                      </a:pPr>
+                      <a:r>
+                        <a:rPr lang="ko-KR" altLang="en-US" sz="1000" b="1" kern="1200" dirty="0">
+                          <a:solidFill>
+                            <a:schemeClr val="tx1"/>
+                          </a:solidFill>
+                          <a:effectLst/>
+                          <a:latin typeface="+mn-lt"/>
+                          <a:ea typeface="+mn-ea"/>
+                          <a:cs typeface="+mn-cs"/>
+                        </a:rPr>
+                        <a:t>웹사이트에 찾아오는 소비자 고객들을 </a:t>
+                      </a:r>
+                      <a:endParaRPr lang="en-US" altLang="ko-KR" sz="1000" b="1" kern="1200" dirty="0">
+                        <a:solidFill>
+                          <a:schemeClr val="tx1"/>
+                        </a:solidFill>
+                        <a:effectLst/>
+                        <a:latin typeface="+mn-lt"/>
+                        <a:ea typeface="+mn-ea"/>
+                        <a:cs typeface="+mn-cs"/>
+                      </a:endParaRPr>
+                    </a:p>
+                    <a:p>
+                      <a:pPr marL="0" marR="0" lvl="0" indent="0" algn="l" defTabSz="914400" rtl="0" eaLnBrk="1" fontAlgn="auto" latinLnBrk="1" hangingPunct="1">
+                        <a:lnSpc>
+                          <a:spcPct val="100000"/>
+                        </a:lnSpc>
+                        <a:spcBef>
+                          <a:spcPts val="0"/>
+                        </a:spcBef>
+                        <a:spcAft>
+                          <a:spcPts val="0"/>
+                        </a:spcAft>
+                        <a:buClrTx/>
+                        <a:buSzTx/>
+                        <a:buFontTx/>
+                        <a:buNone/>
+                        <a:tabLst/>
+                        <a:defRPr/>
+                      </a:pPr>
+                      <a:r>
+                        <a:rPr lang="ko-KR" altLang="en-US" sz="1000" b="1" kern="1200" dirty="0">
+                          <a:solidFill>
+                            <a:schemeClr val="tx1"/>
+                          </a:solidFill>
+                          <a:effectLst/>
+                          <a:latin typeface="+mn-lt"/>
+                          <a:ea typeface="+mn-ea"/>
+                          <a:cs typeface="+mn-cs"/>
+                        </a:rPr>
+                        <a:t>위한 상품에 대한 정보가 보기 쉽게</a:t>
+                      </a:r>
+                      <a:endParaRPr lang="en-US" altLang="ko-KR" sz="1000" b="1" kern="1200" dirty="0">
+                        <a:solidFill>
+                          <a:schemeClr val="tx1"/>
+                        </a:solidFill>
+                        <a:effectLst/>
+                        <a:latin typeface="+mn-lt"/>
+                        <a:ea typeface="+mn-ea"/>
+                        <a:cs typeface="+mn-cs"/>
+                      </a:endParaRPr>
+                    </a:p>
+                    <a:p>
+                      <a:pPr marL="0" marR="0" lvl="0" indent="0" algn="l" defTabSz="914400" rtl="0" eaLnBrk="1" fontAlgn="auto" latinLnBrk="1" hangingPunct="1">
+                        <a:lnSpc>
+                          <a:spcPct val="100000"/>
+                        </a:lnSpc>
+                        <a:spcBef>
+                          <a:spcPts val="0"/>
+                        </a:spcBef>
+                        <a:spcAft>
+                          <a:spcPts val="0"/>
+                        </a:spcAft>
+                        <a:buClrTx/>
+                        <a:buSzTx/>
+                        <a:buFontTx/>
+                        <a:buNone/>
+                        <a:tabLst/>
+                        <a:defRPr/>
+                      </a:pPr>
+                      <a:r>
+                        <a:rPr lang="ko-KR" altLang="en-US" sz="1000" b="1" kern="1200" dirty="0">
+                          <a:solidFill>
+                            <a:schemeClr val="tx1"/>
+                          </a:solidFill>
+                          <a:effectLst/>
+                          <a:latin typeface="+mn-lt"/>
+                          <a:ea typeface="+mn-ea"/>
+                          <a:cs typeface="+mn-cs"/>
+                        </a:rPr>
+                        <a:t>나타나야 하게끔 수정 필요</a:t>
+                      </a:r>
+                      <a:endParaRPr lang="en-US" altLang="ko-KR" sz="1000" b="1" dirty="0">
+                        <a:solidFill>
+                          <a:schemeClr val="tx1">
+                            <a:lumMod val="75000"/>
+                            <a:lumOff val="25000"/>
+                          </a:schemeClr>
+                        </a:solidFill>
+                      </a:endParaRPr>
+                    </a:p>
                   </a:txBody>
                   <a:tcPr marL="74295" marR="74295" marT="37148" marB="37148">
                     <a:lnL w="12700" cap="flat" cmpd="sng" algn="ctr">
@@ -18806,7 +23796,7 @@
         <p:spPr>
           <a:xfrm>
             <a:off x="1160081" y="5412146"/>
-            <a:ext cx="7467623" cy="242374"/>
+            <a:ext cx="7467623" cy="246221"/>
           </a:xfrm>
           <a:prstGeom prst="rect">
             <a:avLst/>
@@ -18847,7 +23837,18 @@
                   </a:schemeClr>
                 </a:solidFill>
               </a:rPr>
-              <a:t>:</a:t>
+              <a:t>: </a:t>
+            </a:r>
+            <a:r>
+              <a:rPr lang="ko-KR" altLang="en-US" sz="1000" dirty="0">
+                <a:solidFill>
+                  <a:schemeClr val="tx1">
+                    <a:lumMod val="65000"/>
+                    <a:lumOff val="35000"/>
+                  </a:schemeClr>
+                </a:solidFill>
+              </a:rPr>
+              <a:t>타 경쟁 브랜드처럼 소비자를 위주의 웹사이트를 구성하며 보기 편하게 만들 필요가 있음</a:t>
             </a:r>
             <a:endParaRPr lang="ko-KR" altLang="en-US" sz="975" dirty="0">
               <a:solidFill>
@@ -19144,7 +24145,7 @@
           <p:nvPr>
             <p:extLst>
               <p:ext uri="{D42A27DB-BD31-4B8C-83A1-F6EECF244321}">
-                <p14:modId xmlns:p14="http://schemas.microsoft.com/office/powerpoint/2010/main" val="1719145118"/>
+                <p14:modId xmlns:p14="http://schemas.microsoft.com/office/powerpoint/2010/main" val="1583191086"/>
               </p:ext>
             </p:extLst>
           </p:nvPr>
@@ -19597,6 +24598,58 @@
                         </a:rPr>
                         <a:t>?</a:t>
                       </a:r>
+                    </a:p>
+                    <a:p>
+                      <a:pPr latinLnBrk="1"/>
+                      <a:endParaRPr lang="en-US" altLang="ko-KR" sz="900" b="0" dirty="0">
+                        <a:solidFill>
+                          <a:schemeClr val="tx1">
+                            <a:lumMod val="75000"/>
+                            <a:lumOff val="25000"/>
+                          </a:schemeClr>
+                        </a:solidFill>
+                        <a:latin typeface="+mn-lt"/>
+                      </a:endParaRPr>
+                    </a:p>
+                    <a:p>
+                      <a:pPr marL="0" marR="0" lvl="0" indent="0" algn="l" defTabSz="914400" rtl="0" eaLnBrk="1" fontAlgn="auto" latinLnBrk="1" hangingPunct="1">
+                        <a:lnSpc>
+                          <a:spcPct val="100000"/>
+                        </a:lnSpc>
+                        <a:spcBef>
+                          <a:spcPts val="0"/>
+                        </a:spcBef>
+                        <a:spcAft>
+                          <a:spcPts val="0"/>
+                        </a:spcAft>
+                        <a:buClrTx/>
+                        <a:buSzTx/>
+                        <a:buFontTx/>
+                        <a:buNone/>
+                        <a:tabLst/>
+                        <a:defRPr/>
+                      </a:pPr>
+                      <a:r>
+                        <a:rPr lang="ko-KR" altLang="en-US" sz="900" b="0" dirty="0">
+                          <a:solidFill>
+                            <a:srgbClr val="0070C0"/>
+                          </a:solidFill>
+                          <a:latin typeface="+mn-lt"/>
+                        </a:rPr>
+                        <a:t>시장의 규모는 매우 큰 편이지만 경쟁하는 타 브랜드가 매우 많으므로 더 많은 성장이 필요함</a:t>
+                      </a:r>
+                      <a:r>
+                        <a:rPr lang="en-US" altLang="ko-KR" sz="900" b="0" dirty="0">
+                          <a:solidFill>
+                            <a:srgbClr val="0070C0"/>
+                          </a:solidFill>
+                          <a:latin typeface="+mn-lt"/>
+                        </a:rPr>
+                        <a:t>.</a:t>
+                      </a:r>
+                    </a:p>
+                    <a:p>
+                      <a:pPr latinLnBrk="1"/>
                       <a:endParaRPr lang="ko-KR" altLang="en-US" sz="900" b="0" dirty="0">
                         <a:solidFill>
                           <a:schemeClr val="tx1">
@@ -19720,6 +24773,75 @@
                           <a:latin typeface="+mn-lt"/>
                         </a:rPr>
                         <a:t>?</a:t>
+                      </a:r>
+                    </a:p>
+                    <a:p>
+                      <a:pPr latinLnBrk="1"/>
+                      <a:endParaRPr lang="en-US" altLang="ko-KR" sz="900" b="0" dirty="0">
+                        <a:solidFill>
+                          <a:schemeClr val="tx1">
+                            <a:lumMod val="75000"/>
+                            <a:lumOff val="25000"/>
+                          </a:schemeClr>
+                        </a:solidFill>
+                        <a:latin typeface="+mn-lt"/>
+                      </a:endParaRPr>
+                    </a:p>
+                    <a:p>
+                      <a:pPr latinLnBrk="1"/>
+                      <a:r>
+                        <a:rPr lang="ko-KR" altLang="en-US" sz="900" b="0" dirty="0">
+                          <a:solidFill>
+                            <a:srgbClr val="0070C0"/>
+                          </a:solidFill>
+                          <a:latin typeface="+mn-lt"/>
+                        </a:rPr>
+                        <a:t>이미 빠른 시간에 성장한 브랜드이므로 많은 커피 브랜드 </a:t>
+                      </a:r>
+                      <a:r>
+                        <a:rPr lang="en-US" altLang="ko-KR" sz="900" b="0" dirty="0">
+                          <a:solidFill>
+                            <a:srgbClr val="0070C0"/>
+                          </a:solidFill>
+                          <a:latin typeface="+mn-lt"/>
+                        </a:rPr>
+                        <a:t>5</a:t>
+                      </a:r>
+                      <a:r>
+                        <a:rPr lang="ko-KR" altLang="en-US" sz="900" b="0" dirty="0">
+                          <a:solidFill>
+                            <a:srgbClr val="0070C0"/>
+                          </a:solidFill>
+                          <a:latin typeface="+mn-lt"/>
+                        </a:rPr>
+                        <a:t>위 안에 들어오지만 현재 수요가 높은 가성비를</a:t>
+                      </a:r>
+                      <a:endParaRPr lang="en-US" altLang="ko-KR" sz="900" b="0" dirty="0">
+                        <a:solidFill>
+                          <a:srgbClr val="0070C0"/>
+                        </a:solidFill>
+                        <a:latin typeface="+mn-lt"/>
+                      </a:endParaRPr>
+                    </a:p>
+                    <a:p>
+                      <a:pPr latinLnBrk="1"/>
+                      <a:r>
+                        <a:rPr lang="ko-KR" altLang="en-US" sz="900" b="0" dirty="0">
+                          <a:solidFill>
+                            <a:srgbClr val="0070C0"/>
+                          </a:solidFill>
+                          <a:latin typeface="+mn-lt"/>
+                        </a:rPr>
+                        <a:t>앞세운 마케팅으로 더 성장할 가능성이 높다</a:t>
+                      </a:r>
+                      <a:r>
+                        <a:rPr lang="en-US" altLang="ko-KR" sz="900" b="0" dirty="0">
+                          <a:solidFill>
+                            <a:srgbClr val="0070C0"/>
+                          </a:solidFill>
+                          <a:latin typeface="+mn-lt"/>
+                        </a:rPr>
+                        <a:t>.</a:t>
                       </a:r>
                       <a:endParaRPr lang="ko-KR" altLang="en-US" sz="900" b="0" dirty="0">
                         <a:solidFill>
@@ -19879,6 +25001,39 @@
                           <a:latin typeface="+mn-lt"/>
                         </a:rPr>
                         <a:t>?</a:t>
+                      </a:r>
+                    </a:p>
+                    <a:p>
+                      <a:pPr latinLnBrk="1"/>
+                      <a:endParaRPr lang="en-US" altLang="ko-KR" sz="900" b="0" dirty="0">
+                        <a:solidFill>
+                          <a:schemeClr val="tx1">
+                            <a:lumMod val="75000"/>
+                            <a:lumOff val="25000"/>
+                          </a:schemeClr>
+                        </a:solidFill>
+                        <a:latin typeface="+mn-lt"/>
+                      </a:endParaRPr>
+                    </a:p>
+                    <a:p>
+                      <a:pPr latinLnBrk="1"/>
+                      <a:r>
+                        <a:rPr lang="ko-KR" altLang="en-US" sz="900" b="0" dirty="0">
+                          <a:solidFill>
+                            <a:srgbClr val="0070C0"/>
+                          </a:solidFill>
+                          <a:latin typeface="+mn-lt"/>
+                        </a:rPr>
+                        <a:t>오프라인 매장 뿐만 아니라 온라인 배달 쪽으로도 확장 중 이어서 수요는 더 늘어날 것으로 보임</a:t>
+                      </a:r>
+                      <a:r>
+                        <a:rPr lang="en-US" altLang="ko-KR" sz="900" b="0" dirty="0">
+                          <a:solidFill>
+                            <a:srgbClr val="0070C0"/>
+                          </a:solidFill>
+                          <a:latin typeface="+mn-lt"/>
+                        </a:rPr>
+                        <a:t>.</a:t>
                       </a:r>
                       <a:endParaRPr lang="ko-KR" altLang="en-US" sz="900" b="0" dirty="0">
                         <a:solidFill>
@@ -20237,7 +25392,7 @@
           <p:nvPr>
             <p:extLst>
               <p:ext uri="{D42A27DB-BD31-4B8C-83A1-F6EECF244321}">
-                <p14:modId xmlns:p14="http://schemas.microsoft.com/office/powerpoint/2010/main" val="571406700"/>
+                <p14:modId xmlns:p14="http://schemas.microsoft.com/office/powerpoint/2010/main" val="2699937123"/>
               </p:ext>
             </p:extLst>
           </p:nvPr>
@@ -20740,6 +25895,135 @@
                         <a:t>?</a:t>
                       </a:r>
                     </a:p>
+                    <a:p>
+                      <a:pPr marL="0" marR="0" lvl="0" indent="0" algn="l" defTabSz="914400" rtl="0" eaLnBrk="1" fontAlgn="auto" latinLnBrk="1" hangingPunct="1">
+                        <a:lnSpc>
+                          <a:spcPct val="100000"/>
+                        </a:lnSpc>
+                        <a:spcBef>
+                          <a:spcPts val="0"/>
+                        </a:spcBef>
+                        <a:spcAft>
+                          <a:spcPts val="0"/>
+                        </a:spcAft>
+                        <a:buClrTx/>
+                        <a:buSzTx/>
+                        <a:buFontTx/>
+                        <a:buNone/>
+                        <a:tabLst/>
+                        <a:defRPr/>
+                      </a:pPr>
+                      <a:endParaRPr lang="en-US" altLang="ko-KR" sz="900" b="0" dirty="0">
+                        <a:solidFill>
+                          <a:schemeClr val="tx1">
+                            <a:lumMod val="75000"/>
+                            <a:lumOff val="25000"/>
+                          </a:schemeClr>
+                        </a:solidFill>
+                        <a:latin typeface="+mn-lt"/>
+                      </a:endParaRPr>
+                    </a:p>
+                    <a:p>
+                      <a:pPr marL="0" marR="0" lvl="0" indent="0" algn="l" defTabSz="914400" rtl="0" eaLnBrk="1" fontAlgn="auto" latinLnBrk="1" hangingPunct="1">
+                        <a:lnSpc>
+                          <a:spcPct val="100000"/>
+                        </a:lnSpc>
+                        <a:spcBef>
+                          <a:spcPts val="0"/>
+                        </a:spcBef>
+                        <a:spcAft>
+                          <a:spcPts val="0"/>
+                        </a:spcAft>
+                        <a:buClrTx/>
+                        <a:buSzTx/>
+                        <a:buFontTx/>
+                        <a:buNone/>
+                        <a:tabLst/>
+                        <a:defRPr/>
+                      </a:pPr>
+                      <a:r>
+                        <a:rPr lang="ko-KR" altLang="en-US" sz="900" b="0" dirty="0">
+                          <a:solidFill>
+                            <a:srgbClr val="0070C0"/>
+                          </a:solidFill>
+                          <a:latin typeface="+mn-lt"/>
+                        </a:rPr>
+                        <a:t>현재 모든 지표상 압도적 </a:t>
+                      </a:r>
+                      <a:r>
+                        <a:rPr lang="en-US" altLang="ko-KR" sz="900" b="0" dirty="0">
+                          <a:solidFill>
+                            <a:srgbClr val="0070C0"/>
+                          </a:solidFill>
+                          <a:latin typeface="+mn-lt"/>
+                        </a:rPr>
+                        <a:t>1</a:t>
+                      </a:r>
+                      <a:r>
+                        <a:rPr lang="ko-KR" altLang="en-US" sz="900" b="0" dirty="0">
+                          <a:solidFill>
+                            <a:srgbClr val="0070C0"/>
+                          </a:solidFill>
+                          <a:latin typeface="+mn-lt"/>
+                        </a:rPr>
+                        <a:t>위를 하고있는 스타벅스와 그 밑으로 많은 기업들이 경쟁이 치열하다</a:t>
+                      </a:r>
+                      <a:r>
+                        <a:rPr lang="en-US" altLang="ko-KR" sz="900" b="0" dirty="0">
+                          <a:solidFill>
+                            <a:srgbClr val="0070C0"/>
+                          </a:solidFill>
+                          <a:latin typeface="+mn-lt"/>
+                        </a:rPr>
+                        <a:t>.</a:t>
+                      </a:r>
+                    </a:p>
+                    <a:p>
+                      <a:pPr marL="0" marR="0" lvl="0" indent="0" algn="l" defTabSz="914400" rtl="0" eaLnBrk="1" fontAlgn="auto" latinLnBrk="1" hangingPunct="1">
+                        <a:lnSpc>
+                          <a:spcPct val="100000"/>
+                        </a:lnSpc>
+                        <a:spcBef>
+                          <a:spcPts val="0"/>
+                        </a:spcBef>
+                        <a:spcAft>
+                          <a:spcPts val="0"/>
+                        </a:spcAft>
+                        <a:buClrTx/>
+                        <a:buSzTx/>
+                        <a:buFontTx/>
+                        <a:buNone/>
+                        <a:tabLst/>
+                        <a:defRPr/>
+                      </a:pPr>
+                      <a:r>
+                        <a:rPr lang="ko-KR" altLang="en-US" sz="900" b="0" dirty="0">
+                          <a:solidFill>
+                            <a:srgbClr val="0070C0"/>
+                          </a:solidFill>
+                          <a:latin typeface="+mn-lt"/>
+                        </a:rPr>
+                        <a:t>많은 브랜드들이 마케팅과 광고를 통해 홍보를 많이 한다</a:t>
+                      </a:r>
+                      <a:r>
+                        <a:rPr lang="en-US" altLang="ko-KR" sz="900" b="0" dirty="0">
+                          <a:solidFill>
+                            <a:srgbClr val="0070C0"/>
+                          </a:solidFill>
+                          <a:latin typeface="+mn-lt"/>
+                        </a:rPr>
+                        <a:t>.</a:t>
+                      </a:r>
+                      <a:endParaRPr lang="en-US" altLang="ko-KR" sz="900" b="0" dirty="0">
+                        <a:solidFill>
+                          <a:schemeClr val="tx1">
+                            <a:lumMod val="75000"/>
+                            <a:lumOff val="25000"/>
+                          </a:schemeClr>
+                        </a:solidFill>
+                        <a:latin typeface="+mn-lt"/>
+                      </a:endParaRPr>
+                    </a:p>
                   </a:txBody>
                   <a:tcPr marL="74295" marR="74295" marT="37148" marB="37148">
                     <a:lnL w="12700" cap="flat" cmpd="sng" algn="ctr">
@@ -20871,6 +26155,123 @@
                         </a:rPr>
                         <a:t>?</a:t>
                       </a:r>
+                    </a:p>
+                    <a:p>
+                      <a:pPr marL="0" marR="0" lvl="0" indent="0" algn="l" defTabSz="914400" rtl="0" eaLnBrk="1" fontAlgn="auto" latinLnBrk="1" hangingPunct="1">
+                        <a:lnSpc>
+                          <a:spcPct val="100000"/>
+                        </a:lnSpc>
+                        <a:spcBef>
+                          <a:spcPts val="0"/>
+                        </a:spcBef>
+                        <a:spcAft>
+                          <a:spcPts val="0"/>
+                        </a:spcAft>
+                        <a:buClrTx/>
+                        <a:buSzTx/>
+                        <a:buFontTx/>
+                        <a:buNone/>
+                        <a:tabLst/>
+                        <a:defRPr/>
+                      </a:pPr>
+                      <a:endParaRPr lang="en-US" altLang="ko-KR" sz="900" b="0" dirty="0">
+                        <a:solidFill>
+                          <a:schemeClr val="tx1">
+                            <a:lumMod val="75000"/>
+                            <a:lumOff val="25000"/>
+                          </a:schemeClr>
+                        </a:solidFill>
+                        <a:latin typeface="+mn-lt"/>
+                      </a:endParaRPr>
+                    </a:p>
+                    <a:p>
+                      <a:pPr marL="0" marR="0" lvl="0" indent="0" algn="l" defTabSz="914400" rtl="0" eaLnBrk="1" fontAlgn="auto" latinLnBrk="1" hangingPunct="1">
+                        <a:lnSpc>
+                          <a:spcPct val="100000"/>
+                        </a:lnSpc>
+                        <a:spcBef>
+                          <a:spcPts val="0"/>
+                        </a:spcBef>
+                        <a:spcAft>
+                          <a:spcPts val="0"/>
+                        </a:spcAft>
+                        <a:buClrTx/>
+                        <a:buSzTx/>
+                        <a:buFontTx/>
+                        <a:buNone/>
+                        <a:tabLst/>
+                        <a:defRPr/>
+                      </a:pPr>
+                      <a:r>
+                        <a:rPr lang="ko-KR" altLang="en-US" sz="900" b="0" dirty="0">
+                          <a:solidFill>
+                            <a:srgbClr val="0070C0"/>
+                          </a:solidFill>
+                          <a:latin typeface="+mn-lt"/>
+                        </a:rPr>
+                        <a:t>제품 특성과 소비자의 계층이 커서 경쟁사의 종류가 매우 많고 그러므로 앞으로 새로운 경쟁사의 진입 </a:t>
+                      </a:r>
+                      <a:endParaRPr lang="en-US" altLang="ko-KR" sz="900" b="0" dirty="0">
+                        <a:solidFill>
+                          <a:srgbClr val="0070C0"/>
+                        </a:solidFill>
+                        <a:latin typeface="+mn-lt"/>
+                      </a:endParaRPr>
+                    </a:p>
+                    <a:p>
+                      <a:pPr marL="0" marR="0" lvl="0" indent="0" algn="l" defTabSz="914400" rtl="0" eaLnBrk="1" fontAlgn="auto" latinLnBrk="1" hangingPunct="1">
+                        <a:lnSpc>
+                          <a:spcPct val="100000"/>
+                        </a:lnSpc>
+                        <a:spcBef>
+                          <a:spcPts val="0"/>
+                        </a:spcBef>
+                        <a:spcAft>
+                          <a:spcPts val="0"/>
+                        </a:spcAft>
+                        <a:buClrTx/>
+                        <a:buSzTx/>
+                        <a:buFontTx/>
+                        <a:buNone/>
+                        <a:tabLst/>
+                        <a:defRPr/>
+                      </a:pPr>
+                      <a:r>
+                        <a:rPr lang="ko-KR" altLang="en-US" sz="900" b="0" dirty="0">
+                          <a:solidFill>
+                            <a:srgbClr val="0070C0"/>
+                          </a:solidFill>
+                          <a:latin typeface="+mn-lt"/>
+                        </a:rPr>
+                        <a:t>가능성은 매우 </a:t>
+                      </a:r>
+                      <a:r>
+                        <a:rPr lang="ko-KR" altLang="en-US" sz="900" b="0" dirty="0" err="1">
+                          <a:solidFill>
+                            <a:srgbClr val="0070C0"/>
+                          </a:solidFill>
+                          <a:latin typeface="+mn-lt"/>
+                        </a:rPr>
+                        <a:t>큰편이다</a:t>
+                      </a:r>
+                      <a:r>
+                        <a:rPr lang="en-US" altLang="ko-KR" sz="900" b="0" dirty="0">
+                          <a:solidFill>
+                            <a:srgbClr val="0070C0"/>
+                          </a:solidFill>
+                          <a:latin typeface="+mn-lt"/>
+                        </a:rPr>
+                        <a:t>.</a:t>
+                      </a:r>
+                      <a:endParaRPr lang="en-US" altLang="ko-KR" sz="900" b="0" dirty="0">
+                        <a:solidFill>
+                          <a:schemeClr val="tx1">
+                            <a:lumMod val="75000"/>
+                            <a:lumOff val="25000"/>
+                          </a:schemeClr>
+                        </a:solidFill>
+                        <a:latin typeface="+mn-lt"/>
+                      </a:endParaRPr>
                     </a:p>
                   </a:txBody>
                   <a:tcPr marL="74295" marR="74295" marT="37148" marB="37148">
@@ -21218,7 +26619,13 @@
           <p:cNvGraphicFramePr>
             <a:graphicFrameLocks noGrp="1"/>
           </p:cNvGraphicFramePr>
-          <p:nvPr/>
+          <p:nvPr>
+            <p:extLst>
+              <p:ext uri="{D42A27DB-BD31-4B8C-83A1-F6EECF244321}">
+                <p14:modId xmlns:p14="http://schemas.microsoft.com/office/powerpoint/2010/main" val="4010026799"/>
+              </p:ext>
+            </p:extLst>
+          </p:nvPr>
         </p:nvGraphicFramePr>
         <p:xfrm>
           <a:off x="1087692" y="2356589"/>
@@ -21718,6 +27125,80 @@
                         <a:t>?</a:t>
                       </a:r>
                     </a:p>
+                    <a:p>
+                      <a:pPr marL="0" marR="0" lvl="0" indent="0" algn="l" defTabSz="914400" rtl="0" eaLnBrk="1" fontAlgn="auto" latinLnBrk="1" hangingPunct="1">
+                        <a:lnSpc>
+                          <a:spcPct val="100000"/>
+                        </a:lnSpc>
+                        <a:spcBef>
+                          <a:spcPts val="0"/>
+                        </a:spcBef>
+                        <a:spcAft>
+                          <a:spcPts val="0"/>
+                        </a:spcAft>
+                        <a:buClrTx/>
+                        <a:buSzTx/>
+                        <a:buFontTx/>
+                        <a:buNone/>
+                        <a:tabLst/>
+                        <a:defRPr/>
+                      </a:pPr>
+                      <a:endParaRPr lang="en-US" altLang="ko-KR" sz="900" b="0" dirty="0">
+                        <a:solidFill>
+                          <a:schemeClr val="tx1">
+                            <a:lumMod val="75000"/>
+                            <a:lumOff val="25000"/>
+                          </a:schemeClr>
+                        </a:solidFill>
+                        <a:latin typeface="+mn-lt"/>
+                      </a:endParaRPr>
+                    </a:p>
+                    <a:p>
+                      <a:pPr marL="0" marR="0" lvl="0" indent="0" algn="l" defTabSz="914400" rtl="0" eaLnBrk="1" fontAlgn="auto" latinLnBrk="1" hangingPunct="1">
+                        <a:lnSpc>
+                          <a:spcPct val="100000"/>
+                        </a:lnSpc>
+                        <a:spcBef>
+                          <a:spcPts val="0"/>
+                        </a:spcBef>
+                        <a:spcAft>
+                          <a:spcPts val="0"/>
+                        </a:spcAft>
+                        <a:buClrTx/>
+                        <a:buSzTx/>
+                        <a:buFontTx/>
+                        <a:buNone/>
+                        <a:tabLst/>
+                        <a:defRPr/>
+                      </a:pPr>
+                      <a:r>
+                        <a:rPr lang="ko-KR" altLang="en-US" sz="900" b="1" dirty="0">
+                          <a:solidFill>
+                            <a:schemeClr val="accent1"/>
+                          </a:solidFill>
+                          <a:latin typeface="+mn-lt"/>
+                        </a:rPr>
+                        <a:t>이미 많은 가맹점을 창업했으므로 창업위주의 방향이 아닌 소비자 고객 위주의 브랜드 이미지 웹사이트로 수정해야 될 필요성이 있다</a:t>
+                      </a:r>
+                      <a:r>
+                        <a:rPr lang="en-US" altLang="ko-KR" sz="900" b="1" dirty="0">
+                          <a:solidFill>
+                            <a:schemeClr val="accent1"/>
+                          </a:solidFill>
+                          <a:latin typeface="+mn-lt"/>
+                        </a:rPr>
+                        <a:t>.</a:t>
+                      </a:r>
+                      <a:endParaRPr lang="en-US" altLang="ko-KR" sz="900" b="0" dirty="0">
+                        <a:solidFill>
+                          <a:schemeClr val="tx1">
+                            <a:lumMod val="75000"/>
+                            <a:lumOff val="25000"/>
+                          </a:schemeClr>
+                        </a:solidFill>
+                        <a:latin typeface="+mn-lt"/>
+                      </a:endParaRPr>
+                    </a:p>
                   </a:txBody>
                   <a:tcPr marL="74295" marR="74295" marT="37148" marB="37148">
                     <a:lnL w="12700" cap="flat" cmpd="sng" algn="ctr">
@@ -21898,6 +27379,86 @@
                         <a:t>?</a:t>
                       </a:r>
                     </a:p>
+                    <a:p>
+                      <a:pPr marL="0" marR="0" lvl="0" indent="0" algn="l" defTabSz="914400" rtl="0" eaLnBrk="1" fontAlgn="auto" latinLnBrk="1" hangingPunct="1">
+                        <a:lnSpc>
+                          <a:spcPct val="100000"/>
+                        </a:lnSpc>
+                        <a:spcBef>
+                          <a:spcPts val="0"/>
+                        </a:spcBef>
+                        <a:spcAft>
+                          <a:spcPts val="0"/>
+                        </a:spcAft>
+                        <a:buClrTx/>
+                        <a:buSzTx/>
+                        <a:buFontTx/>
+                        <a:buNone/>
+                        <a:tabLst/>
+                        <a:defRPr/>
+                      </a:pPr>
+                      <a:endParaRPr lang="en-US" altLang="ko-KR" sz="900" b="0" dirty="0">
+                        <a:solidFill>
+                          <a:schemeClr val="tx1">
+                            <a:lumMod val="75000"/>
+                            <a:lumOff val="25000"/>
+                          </a:schemeClr>
+                        </a:solidFill>
+                        <a:latin typeface="+mn-lt"/>
+                      </a:endParaRPr>
+                    </a:p>
+                    <a:p>
+                      <a:pPr marL="0" marR="0" lvl="0" indent="0" algn="l" defTabSz="914400" rtl="0" eaLnBrk="1" fontAlgn="auto" latinLnBrk="1" hangingPunct="1">
+                        <a:lnSpc>
+                          <a:spcPct val="100000"/>
+                        </a:lnSpc>
+                        <a:spcBef>
+                          <a:spcPts val="0"/>
+                        </a:spcBef>
+                        <a:spcAft>
+                          <a:spcPts val="0"/>
+                        </a:spcAft>
+                        <a:buClrTx/>
+                        <a:buSzTx/>
+                        <a:buFontTx/>
+                        <a:buNone/>
+                        <a:tabLst/>
+                        <a:defRPr/>
+                      </a:pPr>
+                      <a:r>
+                        <a:rPr lang="ko-KR" altLang="en-US" sz="900" b="1" kern="1200" dirty="0">
+                          <a:solidFill>
+                            <a:schemeClr val="accent1"/>
+                          </a:solidFill>
+                          <a:effectLst/>
+                          <a:latin typeface="+mn-lt"/>
+                          <a:ea typeface="+mn-ea"/>
+                          <a:cs typeface="+mn-cs"/>
+                        </a:rPr>
+                        <a:t>규모에 맞게 적절한 인프라와 기술을 갖추고 있다</a:t>
+                      </a:r>
+                      <a:r>
+                        <a:rPr lang="en-US" altLang="ko-KR" sz="900" b="1" kern="1200" dirty="0">
+                          <a:solidFill>
+                            <a:schemeClr val="accent1"/>
+                          </a:solidFill>
+                          <a:effectLst/>
+                          <a:latin typeface="+mn-lt"/>
+                          <a:ea typeface="+mn-ea"/>
+                          <a:cs typeface="+mn-cs"/>
+                        </a:rPr>
+                        <a:t>.</a:t>
+                      </a:r>
+                      <a:endParaRPr lang="en-US" altLang="ko-KR" sz="900" b="0" dirty="0">
+                        <a:solidFill>
+                          <a:schemeClr val="tx1">
+                            <a:lumMod val="75000"/>
+                            <a:lumOff val="25000"/>
+                          </a:schemeClr>
+                        </a:solidFill>
+                        <a:latin typeface="+mn-lt"/>
+                      </a:endParaRPr>
+                    </a:p>
                   </a:txBody>
                   <a:tcPr marL="74295" marR="74295" marT="37148" marB="37148">
                     <a:lnL w="12700" cap="flat" cmpd="sng" algn="ctr">
@@ -22029,6 +27590,193 @@
                         </a:rPr>
                         <a:t>?</a:t>
                       </a:r>
+                    </a:p>
+                    <a:p>
+                      <a:pPr marL="0" marR="0" lvl="0" indent="0" algn="l" defTabSz="914400" rtl="0" eaLnBrk="1" fontAlgn="auto" latinLnBrk="1" hangingPunct="1">
+                        <a:lnSpc>
+                          <a:spcPct val="100000"/>
+                        </a:lnSpc>
+                        <a:spcBef>
+                          <a:spcPts val="0"/>
+                        </a:spcBef>
+                        <a:spcAft>
+                          <a:spcPts val="0"/>
+                        </a:spcAft>
+                        <a:buClrTx/>
+                        <a:buSzTx/>
+                        <a:buFontTx/>
+                        <a:buNone/>
+                        <a:tabLst/>
+                        <a:defRPr/>
+                      </a:pPr>
+                      <a:endParaRPr lang="en-US" altLang="ko-KR" sz="900" b="0" dirty="0">
+                        <a:solidFill>
+                          <a:schemeClr val="tx1">
+                            <a:lumMod val="75000"/>
+                            <a:lumOff val="25000"/>
+                          </a:schemeClr>
+                        </a:solidFill>
+                        <a:latin typeface="+mn-lt"/>
+                      </a:endParaRPr>
+                    </a:p>
+                    <a:p>
+                      <a:pPr marL="0" marR="0" lvl="0" indent="0" algn="l" defTabSz="914400" rtl="0" eaLnBrk="1" fontAlgn="auto" latinLnBrk="1" hangingPunct="1">
+                        <a:lnSpc>
+                          <a:spcPct val="100000"/>
+                        </a:lnSpc>
+                        <a:spcBef>
+                          <a:spcPts val="0"/>
+                        </a:spcBef>
+                        <a:spcAft>
+                          <a:spcPts val="0"/>
+                        </a:spcAft>
+                        <a:buClrTx/>
+                        <a:buSzTx/>
+                        <a:buFontTx/>
+                        <a:buNone/>
+                        <a:tabLst/>
+                        <a:defRPr/>
+                      </a:pPr>
+                      <a:r>
+                        <a:rPr lang="ko-KR" altLang="en-US" sz="900" b="1" kern="1200" dirty="0">
+                          <a:solidFill>
+                            <a:schemeClr val="accent1"/>
+                          </a:solidFill>
+                          <a:effectLst/>
+                          <a:latin typeface="+mn-lt"/>
+                          <a:ea typeface="+mn-ea"/>
+                          <a:cs typeface="+mn-cs"/>
+                        </a:rPr>
+                        <a:t>명확하고</a:t>
+                      </a:r>
+                      <a:r>
+                        <a:rPr lang="en-US" altLang="ko-KR" sz="900" b="1" kern="1200" dirty="0">
+                          <a:solidFill>
+                            <a:schemeClr val="accent1"/>
+                          </a:solidFill>
+                          <a:effectLst/>
+                          <a:latin typeface="+mn-lt"/>
+                          <a:ea typeface="+mn-ea"/>
+                          <a:cs typeface="+mn-cs"/>
+                        </a:rPr>
+                        <a:t>, </a:t>
+                      </a:r>
+                      <a:r>
+                        <a:rPr lang="ko-KR" altLang="en-US" sz="900" b="1" kern="1200" dirty="0">
+                          <a:solidFill>
+                            <a:schemeClr val="accent1"/>
+                          </a:solidFill>
+                          <a:effectLst/>
+                          <a:latin typeface="+mn-lt"/>
+                          <a:ea typeface="+mn-ea"/>
+                          <a:cs typeface="+mn-cs"/>
+                        </a:rPr>
+                        <a:t>필요한 자료만 제공하여</a:t>
+                      </a:r>
+                      <a:r>
+                        <a:rPr lang="en-US" altLang="ko-KR" sz="900" b="1" kern="1200" dirty="0">
+                          <a:solidFill>
+                            <a:schemeClr val="accent1"/>
+                          </a:solidFill>
+                          <a:effectLst/>
+                          <a:latin typeface="+mn-lt"/>
+                          <a:ea typeface="+mn-ea"/>
+                          <a:cs typeface="+mn-cs"/>
+                        </a:rPr>
+                        <a:t> </a:t>
+                      </a:r>
+                      <a:r>
+                        <a:rPr lang="ko-KR" altLang="en-US" sz="900" b="1" kern="1200" dirty="0">
+                          <a:solidFill>
+                            <a:schemeClr val="accent1"/>
+                          </a:solidFill>
+                          <a:effectLst/>
+                          <a:latin typeface="+mn-lt"/>
+                          <a:ea typeface="+mn-ea"/>
+                          <a:cs typeface="+mn-cs"/>
+                        </a:rPr>
+                        <a:t>목적과</a:t>
+                      </a:r>
+                      <a:r>
+                        <a:rPr lang="en-US" altLang="ko-KR" sz="900" b="1" kern="1200" dirty="0">
+                          <a:solidFill>
+                            <a:schemeClr val="accent1"/>
+                          </a:solidFill>
+                          <a:effectLst/>
+                          <a:latin typeface="+mn-lt"/>
+                          <a:ea typeface="+mn-ea"/>
+                          <a:cs typeface="+mn-cs"/>
+                        </a:rPr>
+                        <a:t>, </a:t>
+                      </a:r>
+                      <a:r>
+                        <a:rPr lang="ko-KR" altLang="en-US" sz="900" b="1" kern="1200" dirty="0">
+                          <a:solidFill>
+                            <a:schemeClr val="accent1"/>
+                          </a:solidFill>
+                          <a:effectLst/>
+                          <a:latin typeface="+mn-lt"/>
+                          <a:ea typeface="+mn-ea"/>
+                          <a:cs typeface="+mn-cs"/>
+                        </a:rPr>
+                        <a:t>용도에 맞는 페이지를 제작한다면</a:t>
+                      </a:r>
+                      <a:r>
+                        <a:rPr lang="en-US" altLang="ko-KR" sz="900" b="1" kern="1200" dirty="0">
+                          <a:solidFill>
+                            <a:schemeClr val="accent1"/>
+                          </a:solidFill>
+                          <a:effectLst/>
+                          <a:latin typeface="+mn-lt"/>
+                          <a:ea typeface="+mn-ea"/>
+                          <a:cs typeface="+mn-cs"/>
+                        </a:rPr>
+                        <a:t>,</a:t>
+                      </a:r>
+                      <a:br>
+                        <a:rPr lang="en-US" altLang="ko-KR" sz="900" b="1" kern="1200" dirty="0">
+                          <a:solidFill>
+                            <a:schemeClr val="accent1"/>
+                          </a:solidFill>
+                          <a:effectLst/>
+                          <a:latin typeface="+mn-lt"/>
+                          <a:ea typeface="+mn-ea"/>
+                          <a:cs typeface="+mn-cs"/>
+                        </a:rPr>
+                      </a:br>
+                      <a:r>
+                        <a:rPr lang="ko-KR" altLang="en-US" sz="900" b="1" kern="1200" dirty="0">
+                          <a:solidFill>
+                            <a:schemeClr val="accent1"/>
+                          </a:solidFill>
+                          <a:effectLst/>
+                          <a:latin typeface="+mn-lt"/>
+                          <a:ea typeface="+mn-ea"/>
+                          <a:cs typeface="+mn-cs"/>
+                        </a:rPr>
+                        <a:t>더 나은 사이트로의 재구축으로 인하여 많은 시너지를 얻을 수 있다</a:t>
+                      </a:r>
+                      <a:r>
+                        <a:rPr lang="en-US" altLang="ko-KR" sz="900" b="1" kern="1200" dirty="0">
+                          <a:solidFill>
+                            <a:schemeClr val="accent1"/>
+                          </a:solidFill>
+                          <a:effectLst/>
+                          <a:latin typeface="+mn-lt"/>
+                          <a:ea typeface="+mn-ea"/>
+                          <a:cs typeface="+mn-cs"/>
+                        </a:rPr>
+                        <a:t>.</a:t>
+                      </a:r>
+                      <a:endParaRPr lang="en-US" altLang="ko-KR" sz="900" b="0" dirty="0">
+                        <a:solidFill>
+                          <a:schemeClr val="tx1">
+                            <a:lumMod val="75000"/>
+                            <a:lumOff val="25000"/>
+                          </a:schemeClr>
+                        </a:solidFill>
+                        <a:latin typeface="+mn-lt"/>
+                      </a:endParaRPr>
                     </a:p>
                   </a:txBody>
                   <a:tcPr marL="74295" marR="74295" marT="37148" marB="37148">
@@ -22369,7 +28117,7 @@
           <p:nvPr>
             <p:extLst>
               <p:ext uri="{D42A27DB-BD31-4B8C-83A1-F6EECF244321}">
-                <p14:modId xmlns:p14="http://schemas.microsoft.com/office/powerpoint/2010/main" val="2150023984"/>
+                <p14:modId xmlns:p14="http://schemas.microsoft.com/office/powerpoint/2010/main" val="2724686736"/>
               </p:ext>
             </p:extLst>
           </p:nvPr>
@@ -22611,7 +28359,51 @@
                           <a:latin typeface="맑은 고딕" panose="020B0503020000020004" pitchFamily="50" charset="-127"/>
                           <a:ea typeface="맑은 고딕" panose="020B0503020000020004" pitchFamily="50" charset="-127"/>
                         </a:rPr>
-                        <a:t>:</a:t>
+                        <a:t>: </a:t>
+                      </a:r>
+                      <a:r>
+                        <a:rPr lang="ko-KR" altLang="en-US" sz="900" b="1" kern="0" spc="0" dirty="0">
+                          <a:solidFill>
+                            <a:srgbClr val="191919"/>
+                          </a:solidFill>
+                          <a:effectLst/>
+                          <a:latin typeface="맑은 고딕" panose="020B0503020000020004" pitchFamily="50" charset="-127"/>
+                          <a:ea typeface="+mn-ea"/>
+                        </a:rPr>
+                        <a:t>요구사항 요약</a:t>
+                      </a:r>
+                      <a:r>
+                        <a:rPr lang="en-US" altLang="ko-KR" sz="900" b="1" kern="0" spc="0" dirty="0">
+                          <a:solidFill>
+                            <a:srgbClr val="191919"/>
+                          </a:solidFill>
+                          <a:effectLst/>
+                          <a:latin typeface="맑은 고딕" panose="020B0503020000020004" pitchFamily="50" charset="-127"/>
+                          <a:ea typeface="+mn-ea"/>
+                        </a:rPr>
+                        <a:t>: </a:t>
+                      </a:r>
+                      <a:r>
+                        <a:rPr lang="ko-KR" altLang="en-US" sz="900" b="1" kern="0" spc="0" dirty="0">
+                          <a:solidFill>
+                            <a:srgbClr val="191919"/>
+                          </a:solidFill>
+                          <a:effectLst/>
+                          <a:latin typeface="맑은 고딕" panose="020B0503020000020004" pitchFamily="50" charset="-127"/>
+                          <a:ea typeface="+mn-ea"/>
+                        </a:rPr>
+                        <a:t>이벤트 페이지를 보고 싶어서 접속했으나 찾기도 어렵고 불편한 부분이 많다</a:t>
+                      </a:r>
+                      <a:r>
+                        <a:rPr lang="en-US" altLang="ko-KR" sz="900" b="1" kern="0" spc="0" dirty="0">
+                          <a:solidFill>
+                            <a:srgbClr val="191919"/>
+                          </a:solidFill>
+                          <a:effectLst/>
+                          <a:latin typeface="맑은 고딕" panose="020B0503020000020004" pitchFamily="50" charset="-127"/>
+                          <a:ea typeface="+mn-ea"/>
+                        </a:rPr>
+                        <a:t>.</a:t>
                       </a:r>
                       <a:endParaRPr lang="ko-KR" altLang="en-US" sz="900" kern="0" spc="0" dirty="0">
                         <a:solidFill>
@@ -22880,16 +28672,19 @@
                           <a:spcPts val="0"/>
                         </a:spcAft>
                       </a:pPr>
-                      <a:endParaRPr lang="ko-KR" altLang="en-US" sz="900" kern="0" spc="0" dirty="0">
-                        <a:solidFill>
-                          <a:schemeClr val="tx1">
-                            <a:lumMod val="50000"/>
-                            <a:lumOff val="50000"/>
-                          </a:schemeClr>
-                        </a:solidFill>
-                        <a:effectLst/>
-                        <a:latin typeface="맑은 고딕" panose="020B0503020000020004" pitchFamily="50" charset="-127"/>
-                      </a:endParaRPr>
+                      <a:r>
+                        <a:rPr lang="ko-KR" altLang="en-US" sz="900" kern="0" spc="0" dirty="0">
+                          <a:solidFill>
+                            <a:schemeClr val="tx1">
+                              <a:lumMod val="50000"/>
+                              <a:lumOff val="50000"/>
+                            </a:schemeClr>
+                          </a:solidFill>
+                          <a:effectLst/>
+                          <a:latin typeface="맑은 고딕" panose="020B0503020000020004" pitchFamily="50" charset="-127"/>
+                        </a:rPr>
+                        <a:t>김민수</a:t>
+                      </a:r>
                     </a:p>
                   </a:txBody>
                   <a:tcPr marL="52626" marR="52626" marT="14549" marB="14549" anchor="ctr">
@@ -23062,6 +28857,19 @@
                           <a:spcPts val="0"/>
                         </a:spcAft>
                       </a:pPr>
+                      <a:r>
+                        <a:rPr lang="en-US" altLang="ko-KR" sz="900" kern="0" spc="0" dirty="0">
+                          <a:solidFill>
+                            <a:schemeClr val="tx1">
+                              <a:lumMod val="50000"/>
+                              <a:lumOff val="50000"/>
+                            </a:schemeClr>
+                          </a:solidFill>
+                          <a:effectLst/>
+                          <a:latin typeface="맑은 고딕" panose="020B0503020000020004" pitchFamily="50" charset="-127"/>
+                        </a:rPr>
+                        <a:t>33</a:t>
+                      </a:r>
                       <a:endParaRPr lang="ko-KR" altLang="en-US" sz="900" kern="0" spc="0" dirty="0">
                         <a:solidFill>
                           <a:schemeClr val="tx1">
@@ -23225,16 +29033,19 @@
                           <a:spcPts val="0"/>
                         </a:spcAft>
                       </a:pPr>
-                      <a:endParaRPr lang="ko-KR" altLang="en-US" sz="900" kern="0" spc="0" dirty="0">
-                        <a:solidFill>
-                          <a:schemeClr val="tx1">
-                            <a:lumMod val="50000"/>
-                            <a:lumOff val="50000"/>
-                          </a:schemeClr>
-                        </a:solidFill>
-                        <a:effectLst/>
-                        <a:latin typeface="맑은 고딕" panose="020B0503020000020004" pitchFamily="50" charset="-127"/>
-                      </a:endParaRPr>
+                      <a:r>
+                        <a:rPr lang="ko-KR" altLang="en-US" sz="900" kern="0" spc="0" dirty="0">
+                          <a:solidFill>
+                            <a:schemeClr val="tx1">
+                              <a:lumMod val="50000"/>
+                              <a:lumOff val="50000"/>
+                            </a:schemeClr>
+                          </a:solidFill>
+                          <a:effectLst/>
+                          <a:latin typeface="맑은 고딕" panose="020B0503020000020004" pitchFamily="50" charset="-127"/>
+                        </a:rPr>
+                        <a:t>남자</a:t>
+                      </a:r>
                     </a:p>
                   </a:txBody>
                   <a:tcPr marL="52626" marR="52626" marT="14549" marB="14549" anchor="ctr">
@@ -23388,16 +29199,19 @@
                           <a:spcPts val="0"/>
                         </a:spcAft>
                       </a:pPr>
-                      <a:endParaRPr lang="ko-KR" altLang="en-US" sz="700" kern="0" spc="0" dirty="0">
-                        <a:solidFill>
-                          <a:schemeClr val="tx1">
-                            <a:lumMod val="50000"/>
-                            <a:lumOff val="50000"/>
-                          </a:schemeClr>
-                        </a:solidFill>
-                        <a:effectLst/>
-                        <a:latin typeface="맑은 고딕" panose="020B0503020000020004" pitchFamily="50" charset="-127"/>
-                      </a:endParaRPr>
+                      <a:r>
+                        <a:rPr lang="ko-KR" altLang="en-US" sz="700" kern="0" spc="0" dirty="0">
+                          <a:solidFill>
+                            <a:schemeClr val="tx1">
+                              <a:lumMod val="50000"/>
+                              <a:lumOff val="50000"/>
+                            </a:schemeClr>
+                          </a:solidFill>
+                          <a:effectLst/>
+                          <a:latin typeface="맑은 고딕" panose="020B0503020000020004" pitchFamily="50" charset="-127"/>
+                        </a:rPr>
+                        <a:t>대한민국</a:t>
+                      </a:r>
                     </a:p>
                   </a:txBody>
                   <a:tcPr marL="52626" marR="52626" marT="14549" marB="14549" anchor="ctr">
@@ -23551,6 +29365,20 @@
                           <a:spcPts val="0"/>
                         </a:spcAft>
                       </a:pPr>
+                      <a:r>
+                        <a:rPr lang="ko-KR" altLang="en-US" sz="700" b="1" kern="0" spc="0" dirty="0">
+                          <a:solidFill>
+                            <a:schemeClr val="tx1">
+                              <a:lumMod val="50000"/>
+                              <a:lumOff val="50000"/>
+                            </a:schemeClr>
+                          </a:solidFill>
+                          <a:effectLst/>
+                          <a:latin typeface="맑은 고딕" panose="020B0503020000020004" pitchFamily="50" charset="-127"/>
+                          <a:ea typeface="맑은 고딕" panose="020B0503020000020004" pitchFamily="50" charset="-127"/>
+                        </a:rPr>
+                        <a:t>회사원</a:t>
+                      </a:r>
                       <a:endParaRPr lang="en-US" sz="700" b="1" kern="0" spc="0" dirty="0">
                         <a:solidFill>
                           <a:schemeClr val="tx1">
@@ -23723,16 +29551,19 @@
                           <a:spcPts val="0"/>
                         </a:spcAft>
                       </a:pPr>
-                      <a:endParaRPr lang="ko-KR" altLang="en-US" sz="900" b="1" kern="0" spc="0" dirty="0">
-                        <a:solidFill>
-                          <a:schemeClr val="tx1">
-                            <a:lumMod val="50000"/>
-                            <a:lumOff val="50000"/>
-                          </a:schemeClr>
-                        </a:solidFill>
-                        <a:effectLst/>
-                        <a:latin typeface="맑은 고딕" panose="020B0503020000020004" pitchFamily="50" charset="-127"/>
-                      </a:endParaRPr>
+                      <a:r>
+                        <a:rPr lang="ko-KR" altLang="en-US" sz="900" b="1" kern="0" spc="0" dirty="0">
+                          <a:solidFill>
+                            <a:schemeClr val="tx1">
+                              <a:lumMod val="50000"/>
+                              <a:lumOff val="50000"/>
+                            </a:schemeClr>
+                          </a:solidFill>
+                          <a:effectLst/>
+                          <a:latin typeface="맑은 고딕" panose="020B0503020000020004" pitchFamily="50" charset="-127"/>
+                        </a:rPr>
+                        <a:t>게임</a:t>
+                      </a:r>
                     </a:p>
                   </a:txBody>
                   <a:tcPr marL="52626" marR="52626" marT="14549" marB="14549" anchor="ctr">
@@ -23928,16 +29759,19 @@
                           <a:spcPts val="0"/>
                         </a:spcAft>
                       </a:pPr>
-                      <a:endParaRPr lang="ko-KR" altLang="en-US" sz="900" kern="0" spc="0" dirty="0">
-                        <a:solidFill>
-                          <a:schemeClr val="tx1">
-                            <a:lumMod val="50000"/>
-                            <a:lumOff val="50000"/>
-                          </a:schemeClr>
-                        </a:solidFill>
-                        <a:effectLst/>
-                        <a:latin typeface="맑은 고딕" panose="020B0503020000020004" pitchFamily="50" charset="-127"/>
-                      </a:endParaRPr>
+                      <a:r>
+                        <a:rPr lang="ko-KR" altLang="en-US" sz="900" kern="0" spc="0" dirty="0">
+                          <a:solidFill>
+                            <a:schemeClr val="tx1">
+                              <a:lumMod val="50000"/>
+                              <a:lumOff val="50000"/>
+                            </a:schemeClr>
+                          </a:solidFill>
+                          <a:effectLst/>
+                          <a:latin typeface="맑은 고딕" panose="020B0503020000020004" pitchFamily="50" charset="-127"/>
+                        </a:rPr>
+                        <a:t>경기도 수원시</a:t>
+                      </a:r>
                     </a:p>
                   </a:txBody>
                   <a:tcPr marL="52626" marR="52626" marT="14549" marB="14549" anchor="ctr">
@@ -24107,16 +29941,45 @@
                           <a:spcPts val="0"/>
                         </a:spcAft>
                       </a:pPr>
-                      <a:endParaRPr lang="ko-KR" altLang="en-US" sz="700" kern="0" spc="0" dirty="0">
-                        <a:solidFill>
-                          <a:schemeClr val="tx1">
-                            <a:lumMod val="50000"/>
-                            <a:lumOff val="50000"/>
-                          </a:schemeClr>
-                        </a:solidFill>
-                        <a:effectLst/>
-                        <a:latin typeface="맑은 고딕" panose="020B0503020000020004" pitchFamily="50" charset="-127"/>
-                      </a:endParaRPr>
+                      <a:r>
+                        <a:rPr lang="ko-KR" altLang="en-US" sz="700" kern="0" spc="0" dirty="0">
+                          <a:solidFill>
+                            <a:schemeClr val="tx1">
+                              <a:lumMod val="50000"/>
+                              <a:lumOff val="50000"/>
+                            </a:schemeClr>
+                          </a:solidFill>
+                          <a:effectLst/>
+                          <a:latin typeface="맑은 고딕" panose="020B0503020000020004" pitchFamily="50" charset="-127"/>
+                        </a:rPr>
+                        <a:t>연 </a:t>
+                      </a:r>
+                      <a:r>
+                        <a:rPr lang="en-US" altLang="ko-KR" sz="700" kern="0" spc="0" dirty="0">
+                          <a:solidFill>
+                            <a:schemeClr val="tx1">
+                              <a:lumMod val="50000"/>
+                              <a:lumOff val="50000"/>
+                            </a:schemeClr>
+                          </a:solidFill>
+                          <a:effectLst/>
+                          <a:latin typeface="맑은 고딕" panose="020B0503020000020004" pitchFamily="50" charset="-127"/>
+                        </a:rPr>
+                        <a:t>3600</a:t>
+                      </a:r>
+                      <a:r>
+                        <a:rPr lang="ko-KR" altLang="en-US" sz="700" kern="0" spc="0" dirty="0">
+                          <a:solidFill>
+                            <a:schemeClr val="tx1">
+                              <a:lumMod val="50000"/>
+                              <a:lumOff val="50000"/>
+                            </a:schemeClr>
+                          </a:solidFill>
+                          <a:effectLst/>
+                          <a:latin typeface="맑은 고딕" panose="020B0503020000020004" pitchFamily="50" charset="-127"/>
+                        </a:rPr>
+                        <a:t>만원</a:t>
+                      </a:r>
                     </a:p>
                   </a:txBody>
                   <a:tcPr marL="52626" marR="52626" marT="14549" marB="14549" anchor="ctr">
@@ -24299,6 +30162,32 @@
                           <a:spcPts val="0"/>
                         </a:spcAft>
                       </a:pPr>
+                      <a:r>
+                        <a:rPr lang="ko-KR" altLang="en-US" sz="900" kern="0" spc="0" dirty="0">
+                          <a:solidFill>
+                            <a:schemeClr val="tx1">
+                              <a:lumMod val="50000"/>
+                              <a:lumOff val="50000"/>
+                            </a:schemeClr>
+                          </a:solidFill>
+                          <a:effectLst/>
+                          <a:latin typeface="맑은 고딕" panose="020B0503020000020004" pitchFamily="50" charset="-127"/>
+                        </a:rPr>
+                        <a:t>야근이 잦은 회사업무 때문에 커피를 자주 마시며 즐긴다</a:t>
+                      </a:r>
+                      <a:r>
+                        <a:rPr lang="en-US" altLang="ko-KR" sz="900" kern="0" spc="0" dirty="0">
+                          <a:solidFill>
+                            <a:schemeClr val="tx1">
+                              <a:lumMod val="50000"/>
+                              <a:lumOff val="50000"/>
+                            </a:schemeClr>
+                          </a:solidFill>
+                          <a:effectLst/>
+                          <a:latin typeface="맑은 고딕" panose="020B0503020000020004" pitchFamily="50" charset="-127"/>
+                        </a:rPr>
+                        <a:t>.</a:t>
+                      </a:r>
                       <a:endParaRPr lang="ko-KR" altLang="en-US" sz="900" kern="0" spc="0" dirty="0">
                         <a:solidFill>
                           <a:schemeClr val="tx1">
@@ -24501,7 +30390,212 @@
                           <a:latin typeface="맑은 고딕" panose="020B0503020000020004" pitchFamily="50" charset="-127"/>
                           <a:ea typeface="맑은 고딕" panose="020B0503020000020004" pitchFamily="50" charset="-127"/>
                         </a:rPr>
-                        <a:t>:</a:t>
+                        <a:t>: </a:t>
+                      </a:r>
+                      <a:r>
+                        <a:rPr lang="ko-KR" altLang="en-US" sz="900" b="1" kern="0" spc="-80" dirty="0">
+                          <a:solidFill>
+                            <a:srgbClr val="4C4C4C"/>
+                          </a:solidFill>
+                          <a:effectLst/>
+                          <a:latin typeface="맑은 고딕" panose="020B0503020000020004" pitchFamily="50" charset="-127"/>
+                          <a:ea typeface="+mn-ea"/>
+                        </a:rPr>
+                        <a:t>평소 야근이 잦고 회사에 머무르는 시간이 많아서 피곤함에 카페인 섭취를 많이 하느라 커피를 많이 마시는데 가까운 곳에 있는 </a:t>
+                      </a:r>
+                      <a:endParaRPr lang="en-US" altLang="ko-KR" sz="900" b="1" kern="0" spc="-80" dirty="0">
+                        <a:solidFill>
+                          <a:srgbClr val="4C4C4C"/>
+                        </a:solidFill>
+                        <a:effectLst/>
+                        <a:latin typeface="맑은 고딕" panose="020B0503020000020004" pitchFamily="50" charset="-127"/>
+                        <a:ea typeface="+mn-ea"/>
+                      </a:endParaRPr>
+                    </a:p>
+                    <a:p>
+                      <a:pPr marL="0" marR="0" indent="0" algn="just" fontAlgn="base" latinLnBrk="1">
+                        <a:lnSpc>
+                          <a:spcPct val="130000"/>
+                        </a:lnSpc>
+                        <a:spcBef>
+                          <a:spcPts val="0"/>
+                        </a:spcBef>
+                        <a:spcAft>
+                          <a:spcPts val="0"/>
+                        </a:spcAft>
+                      </a:pPr>
+                      <a:r>
+                        <a:rPr lang="ko-KR" altLang="en-US" sz="900" b="1" kern="0" spc="-80" dirty="0">
+                          <a:solidFill>
+                            <a:srgbClr val="4C4C4C"/>
+                          </a:solidFill>
+                          <a:effectLst/>
+                          <a:latin typeface="맑은 고딕" panose="020B0503020000020004" pitchFamily="50" charset="-127"/>
+                          <a:ea typeface="+mn-ea"/>
+                        </a:rPr>
+                        <a:t>메가커피 매장을 애용하는데 직장동료의 메가커피 이벤트를 한다는 말을 듣고 웹사이트에 접속하여 확인하였으나 웹사이트에 있는 이벤트 페이지는 </a:t>
+                      </a:r>
+                      <a:endParaRPr lang="en-US" altLang="ko-KR" sz="900" b="1" kern="0" spc="-80" dirty="0">
+                        <a:solidFill>
+                          <a:srgbClr val="4C4C4C"/>
+                        </a:solidFill>
+                        <a:effectLst/>
+                        <a:latin typeface="맑은 고딕" panose="020B0503020000020004" pitchFamily="50" charset="-127"/>
+                        <a:ea typeface="+mn-ea"/>
+                      </a:endParaRPr>
+                    </a:p>
+                    <a:p>
+                      <a:pPr marL="0" marR="0" indent="0" algn="just" fontAlgn="base" latinLnBrk="1">
+                        <a:lnSpc>
+                          <a:spcPct val="130000"/>
+                        </a:lnSpc>
+                        <a:spcBef>
+                          <a:spcPts val="0"/>
+                        </a:spcBef>
+                        <a:spcAft>
+                          <a:spcPts val="0"/>
+                        </a:spcAft>
+                      </a:pPr>
+                      <a:r>
+                        <a:rPr lang="ko-KR" altLang="en-US" sz="900" b="1" kern="0" spc="-80" dirty="0">
+                          <a:solidFill>
+                            <a:srgbClr val="4C4C4C"/>
+                          </a:solidFill>
+                          <a:effectLst/>
+                          <a:latin typeface="맑은 고딕" panose="020B0503020000020004" pitchFamily="50" charset="-127"/>
+                          <a:ea typeface="+mn-ea"/>
+                        </a:rPr>
+                        <a:t>찾기도 힘들었으며 겨우 찾아서 들어가 봤지만 웹사이트 상의 이벤트는 가맹점주들을 위한 페이지였고 소비자들을 위한 이벤트는 연계된 페이스북이나</a:t>
+                      </a:r>
+                      <a:endParaRPr lang="en-US" altLang="ko-KR" sz="900" b="1" kern="0" spc="-80" dirty="0">
+                        <a:solidFill>
+                          <a:srgbClr val="4C4C4C"/>
+                        </a:solidFill>
+                        <a:effectLst/>
+                        <a:latin typeface="맑은 고딕" panose="020B0503020000020004" pitchFamily="50" charset="-127"/>
+                        <a:ea typeface="+mn-ea"/>
+                      </a:endParaRPr>
+                    </a:p>
+                    <a:p>
+                      <a:pPr marL="0" marR="0" indent="0" algn="just" fontAlgn="base" latinLnBrk="1">
+                        <a:lnSpc>
+                          <a:spcPct val="130000"/>
+                        </a:lnSpc>
+                        <a:spcBef>
+                          <a:spcPts val="0"/>
+                        </a:spcBef>
+                        <a:spcAft>
+                          <a:spcPts val="0"/>
+                        </a:spcAft>
+                      </a:pPr>
+                      <a:r>
+                        <a:rPr lang="ko-KR" altLang="en-US" sz="900" b="1" kern="0" spc="-80" dirty="0" err="1">
+                          <a:solidFill>
+                            <a:srgbClr val="4C4C4C"/>
+                          </a:solidFill>
+                          <a:effectLst/>
+                          <a:latin typeface="맑은 고딕" panose="020B0503020000020004" pitchFamily="50" charset="-127"/>
+                          <a:ea typeface="+mn-ea"/>
+                        </a:rPr>
+                        <a:t>인스타그램</a:t>
+                      </a:r>
+                      <a:r>
+                        <a:rPr lang="ko-KR" altLang="en-US" sz="900" b="1" kern="0" spc="-80" dirty="0">
+                          <a:solidFill>
+                            <a:srgbClr val="4C4C4C"/>
+                          </a:solidFill>
+                          <a:effectLst/>
+                          <a:latin typeface="맑은 고딕" panose="020B0503020000020004" pitchFamily="50" charset="-127"/>
+                          <a:ea typeface="+mn-ea"/>
+                        </a:rPr>
+                        <a:t> 페이지에 있었다</a:t>
+                      </a:r>
+                      <a:r>
+                        <a:rPr lang="en-US" altLang="ko-KR" sz="900" b="1" kern="0" spc="-80" dirty="0">
+                          <a:solidFill>
+                            <a:srgbClr val="4C4C4C"/>
+                          </a:solidFill>
+                          <a:effectLst/>
+                          <a:latin typeface="맑은 고딕" panose="020B0503020000020004" pitchFamily="50" charset="-127"/>
+                          <a:ea typeface="+mn-ea"/>
+                        </a:rPr>
+                        <a:t>. SNS</a:t>
+                      </a:r>
+                      <a:r>
+                        <a:rPr lang="ko-KR" altLang="en-US" sz="900" b="1" kern="0" spc="-80" dirty="0">
+                          <a:solidFill>
+                            <a:srgbClr val="4C4C4C"/>
+                          </a:solidFill>
+                          <a:effectLst/>
+                          <a:latin typeface="맑은 고딕" panose="020B0503020000020004" pitchFamily="50" charset="-127"/>
+                          <a:ea typeface="+mn-ea"/>
+                        </a:rPr>
+                        <a:t>를 하지 않기 때문에 참여를 못하는 것이 아쉬웠다</a:t>
+                      </a:r>
+                      <a:r>
+                        <a:rPr lang="en-US" altLang="ko-KR" sz="900" b="1" kern="0" spc="-80" dirty="0">
+                          <a:solidFill>
+                            <a:srgbClr val="4C4C4C"/>
+                          </a:solidFill>
+                          <a:effectLst/>
+                          <a:latin typeface="맑은 고딕" panose="020B0503020000020004" pitchFamily="50" charset="-127"/>
+                          <a:ea typeface="+mn-ea"/>
+                        </a:rPr>
+                        <a:t>. </a:t>
+                      </a:r>
+                      <a:r>
+                        <a:rPr lang="ko-KR" altLang="en-US" sz="900" b="1" kern="0" spc="-80" dirty="0">
+                          <a:solidFill>
+                            <a:srgbClr val="4C4C4C"/>
+                          </a:solidFill>
+                          <a:effectLst/>
+                          <a:latin typeface="맑은 고딕" panose="020B0503020000020004" pitchFamily="50" charset="-127"/>
+                          <a:ea typeface="+mn-ea"/>
+                        </a:rPr>
+                        <a:t>이벤트 페이지 찾느라 아까운 시간을 허비했고 좀 더 찾기 쉬운 </a:t>
+                      </a:r>
+                      <a:endParaRPr lang="en-US" altLang="ko-KR" sz="900" b="1" kern="0" spc="-80" dirty="0">
+                        <a:solidFill>
+                          <a:srgbClr val="4C4C4C"/>
+                        </a:solidFill>
+                        <a:effectLst/>
+                        <a:latin typeface="맑은 고딕" panose="020B0503020000020004" pitchFamily="50" charset="-127"/>
+                        <a:ea typeface="+mn-ea"/>
+                      </a:endParaRPr>
+                    </a:p>
+                    <a:p>
+                      <a:pPr marL="0" marR="0" indent="0" algn="just" fontAlgn="base" latinLnBrk="1">
+                        <a:lnSpc>
+                          <a:spcPct val="130000"/>
+                        </a:lnSpc>
+                        <a:spcBef>
+                          <a:spcPts val="0"/>
+                        </a:spcBef>
+                        <a:spcAft>
+                          <a:spcPts val="0"/>
+                        </a:spcAft>
+                      </a:pPr>
+                      <a:r>
+                        <a:rPr lang="ko-KR" altLang="en-US" sz="900" b="1" kern="0" spc="-80" dirty="0">
+                          <a:solidFill>
+                            <a:srgbClr val="4C4C4C"/>
+                          </a:solidFill>
+                          <a:effectLst/>
+                          <a:latin typeface="맑은 고딕" panose="020B0503020000020004" pitchFamily="50" charset="-127"/>
+                          <a:ea typeface="+mn-ea"/>
+                        </a:rPr>
+                        <a:t>웹사이트가 되었으면 좋겠다</a:t>
+                      </a:r>
+                      <a:r>
+                        <a:rPr lang="en-US" altLang="ko-KR" sz="900" b="1" kern="0" spc="-80" dirty="0">
+                          <a:solidFill>
+                            <a:srgbClr val="4C4C4C"/>
+                          </a:solidFill>
+                          <a:effectLst/>
+                          <a:latin typeface="맑은 고딕" panose="020B0503020000020004" pitchFamily="50" charset="-127"/>
+                          <a:ea typeface="+mn-ea"/>
+                        </a:rPr>
+                        <a:t>.</a:t>
                       </a:r>
                       <a:endParaRPr lang="ko-KR" altLang="en-US" sz="900" kern="0" spc="0" dirty="0">
                         <a:solidFill>
@@ -24966,7 +31060,7 @@
           <p:nvPr>
             <p:extLst>
               <p:ext uri="{D42A27DB-BD31-4B8C-83A1-F6EECF244321}">
-                <p14:modId xmlns:p14="http://schemas.microsoft.com/office/powerpoint/2010/main" val="3668782297"/>
+                <p14:modId xmlns:p14="http://schemas.microsoft.com/office/powerpoint/2010/main" val="2098570374"/>
               </p:ext>
             </p:extLst>
           </p:nvPr>
@@ -25208,7 +31302,51 @@
                           <a:latin typeface="맑은 고딕" panose="020B0503020000020004" pitchFamily="50" charset="-127"/>
                           <a:ea typeface="맑은 고딕" panose="020B0503020000020004" pitchFamily="50" charset="-127"/>
                         </a:rPr>
-                        <a:t>:</a:t>
+                        <a:t>: </a:t>
+                      </a:r>
+                      <a:r>
+                        <a:rPr lang="ko-KR" altLang="en-US" sz="900" b="1" kern="0" spc="0" dirty="0">
+                          <a:solidFill>
+                            <a:srgbClr val="191919"/>
+                          </a:solidFill>
+                          <a:effectLst/>
+                          <a:latin typeface="맑은 고딕" panose="020B0503020000020004" pitchFamily="50" charset="-127"/>
+                          <a:ea typeface="+mn-ea"/>
+                        </a:rPr>
+                        <a:t>요구사항 요약</a:t>
+                      </a:r>
+                      <a:r>
+                        <a:rPr lang="en-US" altLang="ko-KR" sz="900" b="1" kern="0" spc="0" dirty="0">
+                          <a:solidFill>
+                            <a:srgbClr val="191919"/>
+                          </a:solidFill>
+                          <a:effectLst/>
+                          <a:latin typeface="맑은 고딕" panose="020B0503020000020004" pitchFamily="50" charset="-127"/>
+                          <a:ea typeface="+mn-ea"/>
+                        </a:rPr>
+                        <a:t>: </a:t>
+                      </a:r>
+                      <a:r>
+                        <a:rPr lang="ko-KR" altLang="en-US" sz="900" b="1" kern="0" spc="0" dirty="0">
+                          <a:solidFill>
+                            <a:srgbClr val="191919"/>
+                          </a:solidFill>
+                          <a:effectLst/>
+                          <a:latin typeface="맑은 고딕" panose="020B0503020000020004" pitchFamily="50" charset="-127"/>
+                          <a:ea typeface="+mn-ea"/>
+                        </a:rPr>
+                        <a:t>웹사이트에서 메뉴나 인기상품 등이 눈에 띄지 않아서 선택하기 힘들다</a:t>
+                      </a:r>
+                      <a:r>
+                        <a:rPr lang="en-US" altLang="ko-KR" sz="900" b="1" kern="0" spc="0" dirty="0">
+                          <a:solidFill>
+                            <a:srgbClr val="191919"/>
+                          </a:solidFill>
+                          <a:effectLst/>
+                          <a:latin typeface="맑은 고딕" panose="020B0503020000020004" pitchFamily="50" charset="-127"/>
+                          <a:ea typeface="+mn-ea"/>
+                        </a:rPr>
+                        <a:t>.</a:t>
                       </a:r>
                       <a:endParaRPr lang="ko-KR" altLang="en-US" sz="900" kern="0" spc="0" dirty="0">
                         <a:solidFill>
@@ -25477,16 +31615,19 @@
                           <a:spcPts val="0"/>
                         </a:spcAft>
                       </a:pPr>
-                      <a:endParaRPr lang="ko-KR" altLang="en-US" sz="900" kern="0" spc="0" dirty="0">
-                        <a:solidFill>
-                          <a:schemeClr val="tx1">
-                            <a:lumMod val="50000"/>
-                            <a:lumOff val="50000"/>
-                          </a:schemeClr>
-                        </a:solidFill>
-                        <a:effectLst/>
-                        <a:latin typeface="맑은 고딕" panose="020B0503020000020004" pitchFamily="50" charset="-127"/>
-                      </a:endParaRPr>
+                      <a:r>
+                        <a:rPr lang="ko-KR" altLang="en-US" sz="900" kern="0" spc="0" dirty="0">
+                          <a:solidFill>
+                            <a:schemeClr val="tx1">
+                              <a:lumMod val="50000"/>
+                              <a:lumOff val="50000"/>
+                            </a:schemeClr>
+                          </a:solidFill>
+                          <a:effectLst/>
+                          <a:latin typeface="맑은 고딕" panose="020B0503020000020004" pitchFamily="50" charset="-127"/>
+                        </a:rPr>
+                        <a:t>박지수</a:t>
+                      </a:r>
                     </a:p>
                   </a:txBody>
                   <a:tcPr marL="52626" marR="52626" marT="14549" marB="14549" anchor="ctr">
@@ -25659,6 +31800,19 @@
                           <a:spcPts val="0"/>
                         </a:spcAft>
                       </a:pPr>
+                      <a:r>
+                        <a:rPr lang="en-US" altLang="ko-KR" sz="900" kern="0" spc="0" dirty="0">
+                          <a:solidFill>
+                            <a:schemeClr val="tx1">
+                              <a:lumMod val="50000"/>
+                              <a:lumOff val="50000"/>
+                            </a:schemeClr>
+                          </a:solidFill>
+                          <a:effectLst/>
+                          <a:latin typeface="맑은 고딕" panose="020B0503020000020004" pitchFamily="50" charset="-127"/>
+                        </a:rPr>
+                        <a:t>22</a:t>
+                      </a:r>
                       <a:endParaRPr lang="ko-KR" altLang="en-US" sz="900" kern="0" spc="0" dirty="0">
                         <a:solidFill>
                           <a:schemeClr val="tx1">
@@ -25822,16 +31976,19 @@
                           <a:spcPts val="0"/>
                         </a:spcAft>
                       </a:pPr>
-                      <a:endParaRPr lang="ko-KR" altLang="en-US" sz="900" kern="0" spc="0" dirty="0">
-                        <a:solidFill>
-                          <a:schemeClr val="tx1">
-                            <a:lumMod val="50000"/>
-                            <a:lumOff val="50000"/>
-                          </a:schemeClr>
-                        </a:solidFill>
-                        <a:effectLst/>
-                        <a:latin typeface="맑은 고딕" panose="020B0503020000020004" pitchFamily="50" charset="-127"/>
-                      </a:endParaRPr>
+                      <a:r>
+                        <a:rPr lang="ko-KR" altLang="en-US" sz="900" kern="0" spc="0" dirty="0">
+                          <a:solidFill>
+                            <a:schemeClr val="tx1">
+                              <a:lumMod val="50000"/>
+                              <a:lumOff val="50000"/>
+                            </a:schemeClr>
+                          </a:solidFill>
+                          <a:effectLst/>
+                          <a:latin typeface="맑은 고딕" panose="020B0503020000020004" pitchFamily="50" charset="-127"/>
+                        </a:rPr>
+                        <a:t>여자</a:t>
+                      </a:r>
                     </a:p>
                   </a:txBody>
                   <a:tcPr marL="52626" marR="52626" marT="14549" marB="14549" anchor="ctr">
@@ -25985,16 +32142,19 @@
                           <a:spcPts val="0"/>
                         </a:spcAft>
                       </a:pPr>
-                      <a:endParaRPr lang="ko-KR" altLang="en-US" sz="700" kern="0" spc="0" dirty="0">
-                        <a:solidFill>
-                          <a:schemeClr val="tx1">
-                            <a:lumMod val="50000"/>
-                            <a:lumOff val="50000"/>
-                          </a:schemeClr>
-                        </a:solidFill>
-                        <a:effectLst/>
-                        <a:latin typeface="맑은 고딕" panose="020B0503020000020004" pitchFamily="50" charset="-127"/>
-                      </a:endParaRPr>
+                      <a:r>
+                        <a:rPr lang="ko-KR" altLang="en-US" sz="700" kern="0" spc="0" dirty="0">
+                          <a:solidFill>
+                            <a:schemeClr val="tx1">
+                              <a:lumMod val="50000"/>
+                              <a:lumOff val="50000"/>
+                            </a:schemeClr>
+                          </a:solidFill>
+                          <a:effectLst/>
+                          <a:latin typeface="맑은 고딕" panose="020B0503020000020004" pitchFamily="50" charset="-127"/>
+                        </a:rPr>
+                        <a:t>대한민국</a:t>
+                      </a:r>
                     </a:p>
                   </a:txBody>
                   <a:tcPr marL="52626" marR="52626" marT="14549" marB="14549" anchor="ctr">
@@ -26148,6 +32308,20 @@
                           <a:spcPts val="0"/>
                         </a:spcAft>
                       </a:pPr>
+                      <a:r>
+                        <a:rPr lang="ko-KR" altLang="en-US" sz="700" b="1" kern="0" spc="0" dirty="0">
+                          <a:solidFill>
+                            <a:schemeClr val="tx1">
+                              <a:lumMod val="50000"/>
+                              <a:lumOff val="50000"/>
+                            </a:schemeClr>
+                          </a:solidFill>
+                          <a:effectLst/>
+                          <a:latin typeface="맑은 고딕" panose="020B0503020000020004" pitchFamily="50" charset="-127"/>
+                          <a:ea typeface="맑은 고딕" panose="020B0503020000020004" pitchFamily="50" charset="-127"/>
+                        </a:rPr>
+                        <a:t>대학생</a:t>
+                      </a:r>
                       <a:endParaRPr lang="en-US" sz="700" b="1" kern="0" spc="0" dirty="0">
                         <a:solidFill>
                           <a:schemeClr val="tx1">
@@ -26320,16 +32494,19 @@
                           <a:spcPts val="0"/>
                         </a:spcAft>
                       </a:pPr>
-                      <a:endParaRPr lang="ko-KR" altLang="en-US" sz="900" b="1" kern="0" spc="0" dirty="0">
-                        <a:solidFill>
-                          <a:schemeClr val="tx1">
-                            <a:lumMod val="50000"/>
-                            <a:lumOff val="50000"/>
-                          </a:schemeClr>
-                        </a:solidFill>
-                        <a:effectLst/>
-                        <a:latin typeface="맑은 고딕" panose="020B0503020000020004" pitchFamily="50" charset="-127"/>
-                      </a:endParaRPr>
+                      <a:r>
+                        <a:rPr lang="ko-KR" altLang="en-US" sz="900" b="1" kern="0" spc="0" dirty="0">
+                          <a:solidFill>
+                            <a:schemeClr val="tx1">
+                              <a:lumMod val="50000"/>
+                              <a:lumOff val="50000"/>
+                            </a:schemeClr>
+                          </a:solidFill>
+                          <a:effectLst/>
+                          <a:latin typeface="맑은 고딕" panose="020B0503020000020004" pitchFamily="50" charset="-127"/>
+                        </a:rPr>
+                        <a:t>여행</a:t>
+                      </a:r>
                     </a:p>
                   </a:txBody>
                   <a:tcPr marL="52626" marR="52626" marT="14549" marB="14549" anchor="ctr">
@@ -26525,16 +32702,19 @@
                           <a:spcPts val="0"/>
                         </a:spcAft>
                       </a:pPr>
-                      <a:endParaRPr lang="ko-KR" altLang="en-US" sz="900" kern="0" spc="0" dirty="0">
-                        <a:solidFill>
-                          <a:schemeClr val="tx1">
-                            <a:lumMod val="50000"/>
-                            <a:lumOff val="50000"/>
-                          </a:schemeClr>
-                        </a:solidFill>
-                        <a:effectLst/>
-                        <a:latin typeface="맑은 고딕" panose="020B0503020000020004" pitchFamily="50" charset="-127"/>
-                      </a:endParaRPr>
+                      <a:r>
+                        <a:rPr lang="ko-KR" altLang="en-US" sz="900" kern="0" spc="0" dirty="0">
+                          <a:solidFill>
+                            <a:schemeClr val="tx1">
+                              <a:lumMod val="50000"/>
+                              <a:lumOff val="50000"/>
+                            </a:schemeClr>
+                          </a:solidFill>
+                          <a:effectLst/>
+                          <a:latin typeface="맑은 고딕" panose="020B0503020000020004" pitchFamily="50" charset="-127"/>
+                        </a:rPr>
+                        <a:t>서울시 노원구</a:t>
+                      </a:r>
                     </a:p>
                   </a:txBody>
                   <a:tcPr marL="52626" marR="52626" marT="14549" marB="14549" anchor="ctr">
@@ -26704,16 +32884,45 @@
                           <a:spcPts val="0"/>
                         </a:spcAft>
                       </a:pPr>
-                      <a:endParaRPr lang="ko-KR" altLang="en-US" sz="700" kern="0" spc="0" dirty="0">
-                        <a:solidFill>
-                          <a:schemeClr val="tx1">
-                            <a:lumMod val="50000"/>
-                            <a:lumOff val="50000"/>
-                          </a:schemeClr>
-                        </a:solidFill>
-                        <a:effectLst/>
-                        <a:latin typeface="맑은 고딕" panose="020B0503020000020004" pitchFamily="50" charset="-127"/>
-                      </a:endParaRPr>
+                      <a:r>
+                        <a:rPr lang="ko-KR" altLang="en-US" sz="700" kern="0" spc="0" dirty="0">
+                          <a:solidFill>
+                            <a:schemeClr val="tx1">
+                              <a:lumMod val="50000"/>
+                              <a:lumOff val="50000"/>
+                            </a:schemeClr>
+                          </a:solidFill>
+                          <a:effectLst/>
+                          <a:latin typeface="맑은 고딕" panose="020B0503020000020004" pitchFamily="50" charset="-127"/>
+                        </a:rPr>
+                        <a:t>월 </a:t>
+                      </a:r>
+                      <a:r>
+                        <a:rPr lang="en-US" altLang="ko-KR" sz="700" kern="0" spc="0" dirty="0">
+                          <a:solidFill>
+                            <a:schemeClr val="tx1">
+                              <a:lumMod val="50000"/>
+                              <a:lumOff val="50000"/>
+                            </a:schemeClr>
+                          </a:solidFill>
+                          <a:effectLst/>
+                          <a:latin typeface="맑은 고딕" panose="020B0503020000020004" pitchFamily="50" charset="-127"/>
+                        </a:rPr>
+                        <a:t>70</a:t>
+                      </a:r>
+                      <a:r>
+                        <a:rPr lang="ko-KR" altLang="en-US" sz="700" kern="0" spc="0" dirty="0">
+                          <a:solidFill>
+                            <a:schemeClr val="tx1">
+                              <a:lumMod val="50000"/>
+                              <a:lumOff val="50000"/>
+                            </a:schemeClr>
+                          </a:solidFill>
+                          <a:effectLst/>
+                          <a:latin typeface="맑은 고딕" panose="020B0503020000020004" pitchFamily="50" charset="-127"/>
+                        </a:rPr>
+                        <a:t>만원</a:t>
+                      </a:r>
                     </a:p>
                   </a:txBody>
                   <a:tcPr marL="52626" marR="52626" marT="14549" marB="14549" anchor="ctr">
@@ -26896,6 +33105,32 @@
                           <a:spcPts val="0"/>
                         </a:spcAft>
                       </a:pPr>
+                      <a:r>
+                        <a:rPr lang="ko-KR" altLang="en-US" sz="900" kern="0" spc="0" dirty="0">
+                          <a:solidFill>
+                            <a:schemeClr val="tx1">
+                              <a:lumMod val="50000"/>
+                              <a:lumOff val="50000"/>
+                            </a:schemeClr>
+                          </a:solidFill>
+                          <a:effectLst/>
+                          <a:latin typeface="맑은 고딕" panose="020B0503020000020004" pitchFamily="50" charset="-127"/>
+                        </a:rPr>
+                        <a:t>공부와 아르바이트로 보내는 시간이 많고 친구들과 자주 카페에 가서 공부를 한다</a:t>
+                      </a:r>
+                      <a:r>
+                        <a:rPr lang="en-US" altLang="ko-KR" sz="900" kern="0" spc="0" dirty="0">
+                          <a:solidFill>
+                            <a:schemeClr val="tx1">
+                              <a:lumMod val="50000"/>
+                              <a:lumOff val="50000"/>
+                            </a:schemeClr>
+                          </a:solidFill>
+                          <a:effectLst/>
+                          <a:latin typeface="맑은 고딕" panose="020B0503020000020004" pitchFamily="50" charset="-127"/>
+                        </a:rPr>
+                        <a:t>.</a:t>
+                      </a:r>
                       <a:endParaRPr lang="ko-KR" altLang="en-US" sz="900" kern="0" spc="0" dirty="0">
                         <a:solidFill>
                           <a:schemeClr val="tx1">
@@ -27096,9 +33331,174 @@
                           </a:solidFill>
                           <a:effectLst/>
                           <a:latin typeface="맑은 고딕" panose="020B0503020000020004" pitchFamily="50" charset="-127"/>
-                          <a:ea typeface="맑은 고딕" panose="020B0503020000020004" pitchFamily="50" charset="-127"/>
+                          <a:ea typeface="+mn-ea"/>
                         </a:rPr>
-                        <a:t>:</a:t>
+                        <a:t>: </a:t>
+                      </a:r>
+                      <a:r>
+                        <a:rPr lang="ko-KR" altLang="en-US" sz="900" b="1" kern="0" spc="-80" dirty="0">
+                          <a:solidFill>
+                            <a:srgbClr val="4C4C4C"/>
+                          </a:solidFill>
+                          <a:effectLst/>
+                          <a:latin typeface="맑은 고딕" panose="020B0503020000020004" pitchFamily="50" charset="-127"/>
+                          <a:ea typeface="+mn-ea"/>
+                        </a:rPr>
+                        <a:t>메가커피 </a:t>
+                      </a:r>
+                      <a:r>
+                        <a:rPr lang="ko-KR" altLang="en-US" sz="900" b="1" kern="0" spc="-80" dirty="0" err="1">
+                          <a:solidFill>
+                            <a:srgbClr val="4C4C4C"/>
+                          </a:solidFill>
+                          <a:effectLst/>
+                          <a:latin typeface="맑은 고딕" panose="020B0503020000020004" pitchFamily="50" charset="-127"/>
+                          <a:ea typeface="+mn-ea"/>
+                        </a:rPr>
+                        <a:t>프렌차이즈</a:t>
+                      </a:r>
+                      <a:r>
+                        <a:rPr lang="ko-KR" altLang="en-US" sz="900" b="1" kern="0" spc="-80" dirty="0">
+                          <a:solidFill>
+                            <a:srgbClr val="4C4C4C"/>
+                          </a:solidFill>
+                          <a:effectLst/>
+                          <a:latin typeface="맑은 고딕" panose="020B0503020000020004" pitchFamily="50" charset="-127"/>
+                          <a:ea typeface="+mn-ea"/>
+                        </a:rPr>
+                        <a:t> 증가로 대학교 근처에 새로 메가커피 매장이 생겨서 브랜드 인기와 </a:t>
+                      </a:r>
+                      <a:r>
+                        <a:rPr lang="ko-KR" altLang="en-US" sz="900" b="1" kern="0" spc="-80" dirty="0" err="1">
+                          <a:solidFill>
+                            <a:srgbClr val="4C4C4C"/>
+                          </a:solidFill>
+                          <a:effectLst/>
+                          <a:latin typeface="맑은 고딕" panose="020B0503020000020004" pitchFamily="50" charset="-127"/>
+                          <a:ea typeface="+mn-ea"/>
+                        </a:rPr>
+                        <a:t>가성비</a:t>
+                      </a:r>
+                      <a:r>
+                        <a:rPr lang="ko-KR" altLang="en-US" sz="900" b="1" kern="0" spc="-80" dirty="0">
+                          <a:solidFill>
+                            <a:srgbClr val="4C4C4C"/>
+                          </a:solidFill>
+                          <a:effectLst/>
+                          <a:latin typeface="맑은 고딕" panose="020B0503020000020004" pitchFamily="50" charset="-127"/>
+                          <a:ea typeface="+mn-ea"/>
+                        </a:rPr>
+                        <a:t> 음료 가격으로 들리게 되었는데</a:t>
+                      </a:r>
+                      <a:endParaRPr lang="en-US" altLang="ko-KR" sz="900" b="1" kern="0" spc="-80" dirty="0">
+                        <a:solidFill>
+                          <a:srgbClr val="4C4C4C"/>
+                        </a:solidFill>
+                        <a:effectLst/>
+                        <a:latin typeface="맑은 고딕" panose="020B0503020000020004" pitchFamily="50" charset="-127"/>
+                        <a:ea typeface="+mn-ea"/>
+                      </a:endParaRPr>
+                    </a:p>
+                    <a:p>
+                      <a:pPr marL="0" marR="0" indent="0" algn="just" fontAlgn="base" latinLnBrk="1">
+                        <a:lnSpc>
+                          <a:spcPct val="130000"/>
+                        </a:lnSpc>
+                        <a:spcBef>
+                          <a:spcPts val="0"/>
+                        </a:spcBef>
+                        <a:spcAft>
+                          <a:spcPts val="0"/>
+                        </a:spcAft>
+                      </a:pPr>
+                      <a:r>
+                        <a:rPr lang="ko-KR" altLang="en-US" sz="900" b="1" kern="0" spc="-80" dirty="0">
+                          <a:solidFill>
+                            <a:srgbClr val="4C4C4C"/>
+                          </a:solidFill>
+                          <a:effectLst/>
+                          <a:latin typeface="맑은 고딕" panose="020B0503020000020004" pitchFamily="50" charset="-127"/>
+                          <a:ea typeface="+mn-ea"/>
+                        </a:rPr>
+                        <a:t>매장에 사람이 많아서 카운터에 있는 메뉴나 키오스크를 통해 음료 메뉴들 중에 선택하는데 제대로 알지 못해서 기본적인 아메리카노를 시키게 되었다</a:t>
+                      </a:r>
+                      <a:r>
+                        <a:rPr lang="en-US" altLang="ko-KR" sz="900" b="1" kern="0" spc="-80" dirty="0">
+                          <a:solidFill>
+                            <a:srgbClr val="4C4C4C"/>
+                          </a:solidFill>
+                          <a:effectLst/>
+                          <a:latin typeface="맑은 고딕" panose="020B0503020000020004" pitchFamily="50" charset="-127"/>
+                          <a:ea typeface="+mn-ea"/>
+                        </a:rPr>
+                        <a:t>.</a:t>
+                      </a:r>
+                    </a:p>
+                    <a:p>
+                      <a:pPr marL="0" marR="0" indent="0" algn="just" fontAlgn="base" latinLnBrk="1">
+                        <a:lnSpc>
+                          <a:spcPct val="130000"/>
+                        </a:lnSpc>
+                        <a:spcBef>
+                          <a:spcPts val="0"/>
+                        </a:spcBef>
+                        <a:spcAft>
+                          <a:spcPts val="0"/>
+                        </a:spcAft>
+                      </a:pPr>
+                      <a:r>
+                        <a:rPr lang="ko-KR" altLang="en-US" sz="900" b="1" kern="0" spc="-80" dirty="0">
+                          <a:solidFill>
+                            <a:srgbClr val="4C4C4C"/>
+                          </a:solidFill>
+                          <a:effectLst/>
+                          <a:latin typeface="맑은 고딕" panose="020B0503020000020004" pitchFamily="50" charset="-127"/>
+                          <a:ea typeface="+mn-ea"/>
+                        </a:rPr>
+                        <a:t>그래서 더 많은 메뉴를 보고 싶어서 웹사이트에 방문하였는데 타 사이트에 비해 보기 힘들었고 소비자보다는 창업자 위주의 사이트라는 느낌을 받았고</a:t>
+                      </a:r>
+                      <a:endParaRPr lang="en-US" altLang="ko-KR" sz="900" b="1" kern="0" spc="-80" dirty="0">
+                        <a:solidFill>
+                          <a:srgbClr val="4C4C4C"/>
+                        </a:solidFill>
+                        <a:effectLst/>
+                        <a:latin typeface="맑은 고딕" panose="020B0503020000020004" pitchFamily="50" charset="-127"/>
+                        <a:ea typeface="+mn-ea"/>
+                      </a:endParaRPr>
+                    </a:p>
+                    <a:p>
+                      <a:pPr marL="0" marR="0" indent="0" algn="just" fontAlgn="base" latinLnBrk="1">
+                        <a:lnSpc>
+                          <a:spcPct val="130000"/>
+                        </a:lnSpc>
+                        <a:spcBef>
+                          <a:spcPts val="0"/>
+                        </a:spcBef>
+                        <a:spcAft>
+                          <a:spcPts val="0"/>
+                        </a:spcAft>
+                      </a:pPr>
+                      <a:r>
+                        <a:rPr lang="ko-KR" altLang="en-US" sz="900" b="1" kern="0" spc="-80" dirty="0">
+                          <a:solidFill>
+                            <a:srgbClr val="4C4C4C"/>
+                          </a:solidFill>
+                          <a:effectLst/>
+                          <a:latin typeface="맑은 고딕" panose="020B0503020000020004" pitchFamily="50" charset="-127"/>
+                          <a:ea typeface="+mn-ea"/>
+                        </a:rPr>
+                        <a:t>소비자들을 위한 보기 편한 사이트가 되었으면 좋겠다</a:t>
+                      </a:r>
+                      <a:r>
+                        <a:rPr lang="en-US" altLang="ko-KR" sz="900" b="1" kern="0" spc="-80" dirty="0">
+                          <a:solidFill>
+                            <a:srgbClr val="4C4C4C"/>
+                          </a:solidFill>
+                          <a:effectLst/>
+                          <a:latin typeface="맑은 고딕" panose="020B0503020000020004" pitchFamily="50" charset="-127"/>
+                          <a:ea typeface="+mn-ea"/>
+                        </a:rPr>
+                        <a:t>.</a:t>
                       </a:r>
                       <a:endParaRPr lang="ko-KR" altLang="en-US" sz="900" kern="0" spc="0" dirty="0">
                         <a:solidFill>
